--- a/PersonCRUD using C#, xUnit and Dapper.pptx
+++ b/PersonCRUD using C#, xUnit and Dapper.pptx
@@ -9,16 +9,19 @@
     <p:sldId id="257" r:id="rId3"/>
     <p:sldId id="259" r:id="rId4"/>
     <p:sldId id="263" r:id="rId5"/>
-    <p:sldId id="267" r:id="rId6"/>
-    <p:sldId id="268" r:id="rId7"/>
-    <p:sldId id="269" r:id="rId8"/>
-    <p:sldId id="270" r:id="rId9"/>
-    <p:sldId id="271" r:id="rId10"/>
-    <p:sldId id="261" r:id="rId11"/>
-    <p:sldId id="266" r:id="rId12"/>
-    <p:sldId id="262" r:id="rId13"/>
-    <p:sldId id="265" r:id="rId14"/>
-    <p:sldId id="258" r:id="rId15"/>
+    <p:sldId id="272" r:id="rId6"/>
+    <p:sldId id="273" r:id="rId7"/>
+    <p:sldId id="274" r:id="rId8"/>
+    <p:sldId id="277" r:id="rId9"/>
+    <p:sldId id="266" r:id="rId10"/>
+    <p:sldId id="281" r:id="rId11"/>
+    <p:sldId id="280" r:id="rId12"/>
+    <p:sldId id="279" r:id="rId13"/>
+    <p:sldId id="278" r:id="rId14"/>
+    <p:sldId id="262" r:id="rId15"/>
+    <p:sldId id="261" r:id="rId16"/>
+    <p:sldId id="265" r:id="rId17"/>
+    <p:sldId id="258" r:id="rId18"/>
   </p:sldIdLst>
   <p:sldSz cx="12192000" cy="6858000"/>
   <p:notesSz cx="6858000" cy="9144000"/>
@@ -126,19 +129,25 @@
             <p14:sldId id="257"/>
             <p14:sldId id="259"/>
             <p14:sldId id="263"/>
-            <p14:sldId id="267"/>
-            <p14:sldId id="268"/>
-            <p14:sldId id="269"/>
-            <p14:sldId id="270"/>
-            <p14:sldId id="271"/>
+            <p14:sldId id="272"/>
+            <p14:sldId id="273"/>
+            <p14:sldId id="274"/>
+            <p14:sldId id="277"/>
+            <p14:sldId id="266"/>
+            <p14:sldId id="281"/>
+            <p14:sldId id="280"/>
+            <p14:sldId id="279"/>
+            <p14:sldId id="278"/>
+            <p14:sldId id="262"/>
             <p14:sldId id="261"/>
-            <p14:sldId id="266"/>
-            <p14:sldId id="262"/>
             <p14:sldId id="265"/>
             <p14:sldId id="258"/>
           </p14:sldIdLst>
         </p14:section>
       </p14:sectionLst>
+    </p:ext>
+    <p:ext uri="{EFAFB233-063F-42B5-8137-9DF3F51BA10A}">
+      <p15:sldGuideLst xmlns:p15="http://schemas.microsoft.com/office/powerpoint/2012/main"/>
     </p:ext>
   </p:extLst>
 </p:presentation>
@@ -305,7 +314,7 @@
           <a:p>
             <a:fld id="{90A0FCC1-A923-49DF-9AE7-F44619F0DE59}" type="datetimeFigureOut">
               <a:rPr lang="en-AU" smtClean="0"/>
-              <a:t>10/05/2021</a:t>
+              <a:t>12/05/2021</a:t>
             </a:fld>
             <a:endParaRPr lang="en-AU"/>
           </a:p>
@@ -505,7 +514,7 @@
           <a:p>
             <a:fld id="{90A0FCC1-A923-49DF-9AE7-F44619F0DE59}" type="datetimeFigureOut">
               <a:rPr lang="en-AU" smtClean="0"/>
-              <a:t>10/05/2021</a:t>
+              <a:t>12/05/2021</a:t>
             </a:fld>
             <a:endParaRPr lang="en-AU"/>
           </a:p>
@@ -715,7 +724,7 @@
           <a:p>
             <a:fld id="{90A0FCC1-A923-49DF-9AE7-F44619F0DE59}" type="datetimeFigureOut">
               <a:rPr lang="en-AU" smtClean="0"/>
-              <a:t>10/05/2021</a:t>
+              <a:t>12/05/2021</a:t>
             </a:fld>
             <a:endParaRPr lang="en-AU"/>
           </a:p>
@@ -915,7 +924,7 @@
           <a:p>
             <a:fld id="{90A0FCC1-A923-49DF-9AE7-F44619F0DE59}" type="datetimeFigureOut">
               <a:rPr lang="en-AU" smtClean="0"/>
-              <a:t>10/05/2021</a:t>
+              <a:t>12/05/2021</a:t>
             </a:fld>
             <a:endParaRPr lang="en-AU"/>
           </a:p>
@@ -1191,7 +1200,7 @@
           <a:p>
             <a:fld id="{90A0FCC1-A923-49DF-9AE7-F44619F0DE59}" type="datetimeFigureOut">
               <a:rPr lang="en-AU" smtClean="0"/>
-              <a:t>10/05/2021</a:t>
+              <a:t>12/05/2021</a:t>
             </a:fld>
             <a:endParaRPr lang="en-AU"/>
           </a:p>
@@ -1459,7 +1468,7 @@
           <a:p>
             <a:fld id="{90A0FCC1-A923-49DF-9AE7-F44619F0DE59}" type="datetimeFigureOut">
               <a:rPr lang="en-AU" smtClean="0"/>
-              <a:t>10/05/2021</a:t>
+              <a:t>12/05/2021</a:t>
             </a:fld>
             <a:endParaRPr lang="en-AU"/>
           </a:p>
@@ -1874,7 +1883,7 @@
           <a:p>
             <a:fld id="{90A0FCC1-A923-49DF-9AE7-F44619F0DE59}" type="datetimeFigureOut">
               <a:rPr lang="en-AU" smtClean="0"/>
-              <a:t>10/05/2021</a:t>
+              <a:t>12/05/2021</a:t>
             </a:fld>
             <a:endParaRPr lang="en-AU"/>
           </a:p>
@@ -2016,7 +2025,7 @@
           <a:p>
             <a:fld id="{90A0FCC1-A923-49DF-9AE7-F44619F0DE59}" type="datetimeFigureOut">
               <a:rPr lang="en-AU" smtClean="0"/>
-              <a:t>10/05/2021</a:t>
+              <a:t>12/05/2021</a:t>
             </a:fld>
             <a:endParaRPr lang="en-AU"/>
           </a:p>
@@ -2129,7 +2138,7 @@
           <a:p>
             <a:fld id="{90A0FCC1-A923-49DF-9AE7-F44619F0DE59}" type="datetimeFigureOut">
               <a:rPr lang="en-AU" smtClean="0"/>
-              <a:t>10/05/2021</a:t>
+              <a:t>12/05/2021</a:t>
             </a:fld>
             <a:endParaRPr lang="en-AU"/>
           </a:p>
@@ -2442,7 +2451,7 @@
           <a:p>
             <a:fld id="{90A0FCC1-A923-49DF-9AE7-F44619F0DE59}" type="datetimeFigureOut">
               <a:rPr lang="en-AU" smtClean="0"/>
-              <a:t>10/05/2021</a:t>
+              <a:t>12/05/2021</a:t>
             </a:fld>
             <a:endParaRPr lang="en-AU"/>
           </a:p>
@@ -2731,7 +2740,7 @@
           <a:p>
             <a:fld id="{90A0FCC1-A923-49DF-9AE7-F44619F0DE59}" type="datetimeFigureOut">
               <a:rPr lang="en-AU" smtClean="0"/>
-              <a:t>10/05/2021</a:t>
+              <a:t>12/05/2021</a:t>
             </a:fld>
             <a:endParaRPr lang="en-AU"/>
           </a:p>
@@ -2974,7 +2983,7 @@
           <a:p>
             <a:fld id="{90A0FCC1-A923-49DF-9AE7-F44619F0DE59}" type="datetimeFigureOut">
               <a:rPr lang="en-AU" smtClean="0"/>
-              <a:t>10/05/2021</a:t>
+              <a:t>12/05/2021</a:t>
             </a:fld>
             <a:endParaRPr lang="en-AU"/>
           </a:p>
@@ -3530,6 +3539,3515 @@
 </file>
 
 <file path=ppt/slides/slide10.xml><?xml version="1.0" encoding="utf-8"?>
+<p:sld xmlns:a="http://schemas.openxmlformats.org/drawingml/2006/main" xmlns:r="http://schemas.openxmlformats.org/officeDocument/2006/relationships" xmlns:p="http://schemas.openxmlformats.org/presentationml/2006/main">
+  <p:cSld>
+    <p:spTree>
+      <p:nvGrpSpPr>
+        <p:cNvPr id="1" name=""/>
+        <p:cNvGrpSpPr/>
+        <p:nvPr/>
+      </p:nvGrpSpPr>
+      <p:grpSpPr>
+        <a:xfrm>
+          <a:off x="0" y="0"/>
+          <a:ext cx="0" cy="0"/>
+          <a:chOff x="0" y="0"/>
+          <a:chExt cx="0" cy="0"/>
+        </a:xfrm>
+      </p:grpSpPr>
+      <p:sp>
+        <p:nvSpPr>
+          <p:cNvPr id="2" name="Title 1">
+            <a:extLst>
+              <a:ext uri="{FF2B5EF4-FFF2-40B4-BE49-F238E27FC236}">
+                <a16:creationId xmlns:a16="http://schemas.microsoft.com/office/drawing/2014/main" id="{76DB50B4-B04A-46E8-B305-F782DC0EAE36}"/>
+              </a:ext>
+            </a:extLst>
+          </p:cNvPr>
+          <p:cNvSpPr>
+            <a:spLocks noGrp="1"/>
+          </p:cNvSpPr>
+          <p:nvPr>
+            <p:ph type="title"/>
+          </p:nvPr>
+        </p:nvSpPr>
+        <p:spPr/>
+        <p:txBody>
+          <a:bodyPr/>
+          <a:lstStyle/>
+          <a:p>
+            <a:r>
+              <a:rPr lang="en-AU" dirty="0"/>
+              <a:t>Person Create (Object)</a:t>
+            </a:r>
+          </a:p>
+        </p:txBody>
+      </p:sp>
+      <p:sp>
+        <p:nvSpPr>
+          <p:cNvPr id="3" name="Content Placeholder 2">
+            <a:extLst>
+              <a:ext uri="{FF2B5EF4-FFF2-40B4-BE49-F238E27FC236}">
+                <a16:creationId xmlns:a16="http://schemas.microsoft.com/office/drawing/2014/main" id="{C1264AA5-886C-4295-80C4-231175FD7C5A}"/>
+              </a:ext>
+            </a:extLst>
+          </p:cNvPr>
+          <p:cNvSpPr>
+            <a:spLocks noGrp="1"/>
+          </p:cNvSpPr>
+          <p:nvPr>
+            <p:ph idx="1"/>
+          </p:nvPr>
+        </p:nvSpPr>
+        <p:spPr/>
+        <p:txBody>
+          <a:bodyPr>
+            <a:normAutofit fontScale="32500" lnSpcReduction="20000"/>
+          </a:bodyPr>
+          <a:lstStyle/>
+          <a:p>
+            <a:pPr marL="0" indent="0">
+              <a:buNone/>
+            </a:pPr>
+            <a:r>
+              <a:rPr lang="en-AU" sz="2800" dirty="0" err="1">
+                <a:solidFill>
+                  <a:srgbClr val="000000"/>
+                </a:solidFill>
+                <a:latin typeface="Consolas" panose="020B0609020204030204" pitchFamily="49" charset="0"/>
+              </a:rPr>
+              <a:t>PersonDAL</a:t>
+            </a:r>
+            <a:r>
+              <a:rPr lang="en-AU" sz="2800" dirty="0">
+                <a:solidFill>
+                  <a:srgbClr val="000000"/>
+                </a:solidFill>
+                <a:latin typeface="Consolas" panose="020B0609020204030204" pitchFamily="49" charset="0"/>
+              </a:rPr>
+              <a:t> </a:t>
+            </a:r>
+            <a:r>
+              <a:rPr lang="en-AU" sz="2800" dirty="0" err="1">
+                <a:solidFill>
+                  <a:srgbClr val="000000"/>
+                </a:solidFill>
+                <a:latin typeface="Consolas" panose="020B0609020204030204" pitchFamily="49" charset="0"/>
+              </a:rPr>
+              <a:t>personDAL</a:t>
+            </a:r>
+            <a:r>
+              <a:rPr lang="en-AU" sz="2800" dirty="0">
+                <a:solidFill>
+                  <a:srgbClr val="000000"/>
+                </a:solidFill>
+                <a:latin typeface="Consolas" panose="020B0609020204030204" pitchFamily="49" charset="0"/>
+              </a:rPr>
+              <a:t> = </a:t>
+            </a:r>
+            <a:r>
+              <a:rPr lang="en-AU" sz="2800" dirty="0">
+                <a:solidFill>
+                  <a:srgbClr val="0000FF"/>
+                </a:solidFill>
+                <a:latin typeface="Consolas" panose="020B0609020204030204" pitchFamily="49" charset="0"/>
+              </a:rPr>
+              <a:t>new</a:t>
+            </a:r>
+            <a:r>
+              <a:rPr lang="en-AU" sz="2800" dirty="0">
+                <a:solidFill>
+                  <a:srgbClr val="000000"/>
+                </a:solidFill>
+                <a:latin typeface="Consolas" panose="020B0609020204030204" pitchFamily="49" charset="0"/>
+              </a:rPr>
+              <a:t> </a:t>
+            </a:r>
+            <a:r>
+              <a:rPr lang="en-AU" sz="2800" dirty="0" err="1">
+                <a:solidFill>
+                  <a:srgbClr val="000000"/>
+                </a:solidFill>
+                <a:latin typeface="Consolas" panose="020B0609020204030204" pitchFamily="49" charset="0"/>
+              </a:rPr>
+              <a:t>PersonDAL</a:t>
+            </a:r>
+            <a:r>
+              <a:rPr lang="en-AU" sz="2800" dirty="0">
+                <a:solidFill>
+                  <a:srgbClr val="000000"/>
+                </a:solidFill>
+                <a:latin typeface="Consolas" panose="020B0609020204030204" pitchFamily="49" charset="0"/>
+              </a:rPr>
+              <a:t>();</a:t>
+            </a:r>
+          </a:p>
+          <a:p>
+            <a:pPr marL="0" indent="0">
+              <a:buNone/>
+            </a:pPr>
+            <a:endParaRPr lang="en-AU" sz="2800" dirty="0">
+              <a:solidFill>
+                <a:srgbClr val="000000"/>
+              </a:solidFill>
+              <a:latin typeface="Consolas" panose="020B0609020204030204" pitchFamily="49" charset="0"/>
+            </a:endParaRPr>
+          </a:p>
+          <a:p>
+            <a:pPr marL="0" indent="0">
+              <a:buNone/>
+            </a:pPr>
+            <a:r>
+              <a:rPr lang="en-AU" sz="2800" dirty="0">
+                <a:solidFill>
+                  <a:srgbClr val="000000"/>
+                </a:solidFill>
+                <a:latin typeface="Consolas" panose="020B0609020204030204" pitchFamily="49" charset="0"/>
+              </a:rPr>
+              <a:t>            Person </a:t>
+            </a:r>
+            <a:r>
+              <a:rPr lang="en-AU" sz="2800" dirty="0" err="1">
+                <a:solidFill>
+                  <a:srgbClr val="000000"/>
+                </a:solidFill>
+                <a:latin typeface="Consolas" panose="020B0609020204030204" pitchFamily="49" charset="0"/>
+              </a:rPr>
+              <a:t>expectedPerson</a:t>
+            </a:r>
+            <a:r>
+              <a:rPr lang="en-AU" sz="2800" dirty="0">
+                <a:solidFill>
+                  <a:srgbClr val="000000"/>
+                </a:solidFill>
+                <a:latin typeface="Consolas" panose="020B0609020204030204" pitchFamily="49" charset="0"/>
+              </a:rPr>
+              <a:t> = </a:t>
+            </a:r>
+            <a:r>
+              <a:rPr lang="en-AU" sz="2800" dirty="0">
+                <a:solidFill>
+                  <a:srgbClr val="0000FF"/>
+                </a:solidFill>
+                <a:latin typeface="Consolas" panose="020B0609020204030204" pitchFamily="49" charset="0"/>
+              </a:rPr>
+              <a:t>new</a:t>
+            </a:r>
+            <a:r>
+              <a:rPr lang="en-AU" sz="2800" dirty="0">
+                <a:solidFill>
+                  <a:srgbClr val="000000"/>
+                </a:solidFill>
+                <a:latin typeface="Consolas" panose="020B0609020204030204" pitchFamily="49" charset="0"/>
+              </a:rPr>
+              <a:t> Person</a:t>
+            </a:r>
+          </a:p>
+          <a:p>
+            <a:pPr marL="0" indent="0">
+              <a:buNone/>
+            </a:pPr>
+            <a:r>
+              <a:rPr lang="en-AU" sz="2800" dirty="0">
+                <a:solidFill>
+                  <a:srgbClr val="000000"/>
+                </a:solidFill>
+                <a:latin typeface="Consolas" panose="020B0609020204030204" pitchFamily="49" charset="0"/>
+              </a:rPr>
+              <a:t>            {</a:t>
+            </a:r>
+          </a:p>
+          <a:p>
+            <a:pPr marL="0" indent="0">
+              <a:buNone/>
+            </a:pPr>
+            <a:r>
+              <a:rPr lang="en-AU" sz="2800" dirty="0">
+                <a:solidFill>
+                  <a:srgbClr val="000000"/>
+                </a:solidFill>
+                <a:latin typeface="Consolas" panose="020B0609020204030204" pitchFamily="49" charset="0"/>
+              </a:rPr>
+              <a:t>                </a:t>
+            </a:r>
+            <a:r>
+              <a:rPr lang="en-AU" sz="2800" dirty="0" err="1">
+                <a:solidFill>
+                  <a:srgbClr val="000000"/>
+                </a:solidFill>
+                <a:latin typeface="Consolas" panose="020B0609020204030204" pitchFamily="49" charset="0"/>
+              </a:rPr>
+              <a:t>PersonID</a:t>
+            </a:r>
+            <a:r>
+              <a:rPr lang="en-AU" sz="2800" dirty="0">
+                <a:solidFill>
+                  <a:srgbClr val="000000"/>
+                </a:solidFill>
+                <a:latin typeface="Consolas" panose="020B0609020204030204" pitchFamily="49" charset="0"/>
+              </a:rPr>
+              <a:t> = 0,</a:t>
+            </a:r>
+          </a:p>
+          <a:p>
+            <a:pPr marL="0" indent="0">
+              <a:buNone/>
+            </a:pPr>
+            <a:r>
+              <a:rPr lang="en-AU" sz="2800" dirty="0">
+                <a:solidFill>
+                  <a:srgbClr val="000000"/>
+                </a:solidFill>
+                <a:latin typeface="Consolas" panose="020B0609020204030204" pitchFamily="49" charset="0"/>
+              </a:rPr>
+              <a:t>                </a:t>
+            </a:r>
+            <a:r>
+              <a:rPr lang="en-AU" sz="2800" dirty="0" err="1">
+                <a:solidFill>
+                  <a:srgbClr val="000000"/>
+                </a:solidFill>
+                <a:latin typeface="Consolas" panose="020B0609020204030204" pitchFamily="49" charset="0"/>
+              </a:rPr>
+              <a:t>PersonFirstName</a:t>
+            </a:r>
+            <a:r>
+              <a:rPr lang="en-AU" sz="2800" dirty="0">
+                <a:solidFill>
+                  <a:srgbClr val="000000"/>
+                </a:solidFill>
+                <a:latin typeface="Consolas" panose="020B0609020204030204" pitchFamily="49" charset="0"/>
+              </a:rPr>
+              <a:t> = </a:t>
+            </a:r>
+            <a:r>
+              <a:rPr lang="en-AU" sz="2800" dirty="0" err="1">
+                <a:solidFill>
+                  <a:srgbClr val="000000"/>
+                </a:solidFill>
+                <a:latin typeface="Consolas" panose="020B0609020204030204" pitchFamily="49" charset="0"/>
+              </a:rPr>
+              <a:t>personFirstName</a:t>
+            </a:r>
+            <a:r>
+              <a:rPr lang="en-AU" sz="2800" dirty="0">
+                <a:solidFill>
+                  <a:srgbClr val="000000"/>
+                </a:solidFill>
+                <a:latin typeface="Consolas" panose="020B0609020204030204" pitchFamily="49" charset="0"/>
+              </a:rPr>
+              <a:t>,</a:t>
+            </a:r>
+          </a:p>
+          <a:p>
+            <a:pPr marL="0" indent="0">
+              <a:buNone/>
+            </a:pPr>
+            <a:r>
+              <a:rPr lang="en-AU" sz="2800" dirty="0">
+                <a:solidFill>
+                  <a:srgbClr val="000000"/>
+                </a:solidFill>
+                <a:latin typeface="Consolas" panose="020B0609020204030204" pitchFamily="49" charset="0"/>
+              </a:rPr>
+              <a:t>                </a:t>
+            </a:r>
+            <a:r>
+              <a:rPr lang="en-AU" sz="2800" dirty="0" err="1">
+                <a:solidFill>
+                  <a:srgbClr val="000000"/>
+                </a:solidFill>
+                <a:latin typeface="Consolas" panose="020B0609020204030204" pitchFamily="49" charset="0"/>
+              </a:rPr>
+              <a:t>PersonLastName</a:t>
+            </a:r>
+            <a:r>
+              <a:rPr lang="en-AU" sz="2800" dirty="0">
+                <a:solidFill>
+                  <a:srgbClr val="000000"/>
+                </a:solidFill>
+                <a:latin typeface="Consolas" panose="020B0609020204030204" pitchFamily="49" charset="0"/>
+              </a:rPr>
+              <a:t> = </a:t>
+            </a:r>
+            <a:r>
+              <a:rPr lang="en-AU" sz="2800" dirty="0" err="1">
+                <a:solidFill>
+                  <a:srgbClr val="000000"/>
+                </a:solidFill>
+                <a:latin typeface="Consolas" panose="020B0609020204030204" pitchFamily="49" charset="0"/>
+              </a:rPr>
+              <a:t>personLastName</a:t>
+            </a:r>
+            <a:r>
+              <a:rPr lang="en-AU" sz="2800" dirty="0">
+                <a:solidFill>
+                  <a:srgbClr val="000000"/>
+                </a:solidFill>
+                <a:latin typeface="Consolas" panose="020B0609020204030204" pitchFamily="49" charset="0"/>
+              </a:rPr>
+              <a:t>,</a:t>
+            </a:r>
+          </a:p>
+          <a:p>
+            <a:pPr marL="0" indent="0">
+              <a:buNone/>
+            </a:pPr>
+            <a:r>
+              <a:rPr lang="en-AU" sz="2800" dirty="0">
+                <a:solidFill>
+                  <a:srgbClr val="000000"/>
+                </a:solidFill>
+                <a:latin typeface="Consolas" panose="020B0609020204030204" pitchFamily="49" charset="0"/>
+              </a:rPr>
+              <a:t>                </a:t>
+            </a:r>
+            <a:r>
+              <a:rPr lang="en-AU" sz="2800" dirty="0" err="1">
+                <a:solidFill>
+                  <a:srgbClr val="000000"/>
+                </a:solidFill>
+                <a:latin typeface="Consolas" panose="020B0609020204030204" pitchFamily="49" charset="0"/>
+              </a:rPr>
+              <a:t>PersonEmail</a:t>
+            </a:r>
+            <a:r>
+              <a:rPr lang="en-AU" sz="2800" dirty="0">
+                <a:solidFill>
+                  <a:srgbClr val="000000"/>
+                </a:solidFill>
+                <a:latin typeface="Consolas" panose="020B0609020204030204" pitchFamily="49" charset="0"/>
+              </a:rPr>
+              <a:t> = </a:t>
+            </a:r>
+            <a:r>
+              <a:rPr lang="en-AU" sz="2800" dirty="0" err="1">
+                <a:solidFill>
+                  <a:srgbClr val="000000"/>
+                </a:solidFill>
+                <a:latin typeface="Consolas" panose="020B0609020204030204" pitchFamily="49" charset="0"/>
+              </a:rPr>
+              <a:t>personEmail</a:t>
+            </a:r>
+            <a:r>
+              <a:rPr lang="en-AU" sz="2800" dirty="0">
+                <a:solidFill>
+                  <a:srgbClr val="000000"/>
+                </a:solidFill>
+                <a:latin typeface="Consolas" panose="020B0609020204030204" pitchFamily="49" charset="0"/>
+              </a:rPr>
+              <a:t>,</a:t>
+            </a:r>
+          </a:p>
+          <a:p>
+            <a:pPr marL="0" indent="0">
+              <a:buNone/>
+            </a:pPr>
+            <a:r>
+              <a:rPr lang="en-AU" sz="2800" dirty="0">
+                <a:solidFill>
+                  <a:srgbClr val="000000"/>
+                </a:solidFill>
+                <a:latin typeface="Consolas" panose="020B0609020204030204" pitchFamily="49" charset="0"/>
+              </a:rPr>
+              <a:t>                </a:t>
+            </a:r>
+            <a:r>
+              <a:rPr lang="en-AU" sz="2800" dirty="0" err="1">
+                <a:solidFill>
+                  <a:srgbClr val="000000"/>
+                </a:solidFill>
+                <a:latin typeface="Consolas" panose="020B0609020204030204" pitchFamily="49" charset="0"/>
+              </a:rPr>
+              <a:t>PersonPhone</a:t>
+            </a:r>
+            <a:r>
+              <a:rPr lang="en-AU" sz="2800" dirty="0">
+                <a:solidFill>
+                  <a:srgbClr val="000000"/>
+                </a:solidFill>
+                <a:latin typeface="Consolas" panose="020B0609020204030204" pitchFamily="49" charset="0"/>
+              </a:rPr>
+              <a:t> = </a:t>
+            </a:r>
+            <a:r>
+              <a:rPr lang="en-AU" sz="2800" dirty="0" err="1">
+                <a:solidFill>
+                  <a:srgbClr val="000000"/>
+                </a:solidFill>
+                <a:latin typeface="Consolas" panose="020B0609020204030204" pitchFamily="49" charset="0"/>
+              </a:rPr>
+              <a:t>personPhone</a:t>
+            </a:r>
+            <a:endParaRPr lang="en-AU" sz="2800" dirty="0">
+              <a:solidFill>
+                <a:srgbClr val="000000"/>
+              </a:solidFill>
+              <a:latin typeface="Consolas" panose="020B0609020204030204" pitchFamily="49" charset="0"/>
+            </a:endParaRPr>
+          </a:p>
+          <a:p>
+            <a:pPr marL="0" indent="0">
+              <a:buNone/>
+            </a:pPr>
+            <a:r>
+              <a:rPr lang="en-AU" sz="2800" dirty="0">
+                <a:solidFill>
+                  <a:srgbClr val="000000"/>
+                </a:solidFill>
+                <a:latin typeface="Consolas" panose="020B0609020204030204" pitchFamily="49" charset="0"/>
+              </a:rPr>
+              <a:t>            };</a:t>
+            </a:r>
+          </a:p>
+          <a:p>
+            <a:pPr marL="0" indent="0">
+              <a:buNone/>
+            </a:pPr>
+            <a:endParaRPr lang="en-AU" sz="2800" dirty="0">
+              <a:solidFill>
+                <a:srgbClr val="000000"/>
+              </a:solidFill>
+              <a:latin typeface="Consolas" panose="020B0609020204030204" pitchFamily="49" charset="0"/>
+            </a:endParaRPr>
+          </a:p>
+          <a:p>
+            <a:pPr marL="0" indent="0">
+              <a:buNone/>
+            </a:pPr>
+            <a:r>
+              <a:rPr lang="en-AU" sz="2800" dirty="0">
+                <a:solidFill>
+                  <a:srgbClr val="000000"/>
+                </a:solidFill>
+                <a:latin typeface="Consolas" panose="020B0609020204030204" pitchFamily="49" charset="0"/>
+              </a:rPr>
+              <a:t>            </a:t>
+            </a:r>
+            <a:r>
+              <a:rPr lang="en-AU" sz="2800" dirty="0">
+                <a:solidFill>
+                  <a:srgbClr val="0000FF"/>
+                </a:solidFill>
+                <a:latin typeface="Consolas" panose="020B0609020204030204" pitchFamily="49" charset="0"/>
+              </a:rPr>
+              <a:t>var</a:t>
+            </a:r>
+            <a:r>
+              <a:rPr lang="en-AU" sz="2800" dirty="0">
+                <a:solidFill>
+                  <a:srgbClr val="000000"/>
+                </a:solidFill>
+                <a:latin typeface="Consolas" panose="020B0609020204030204" pitchFamily="49" charset="0"/>
+              </a:rPr>
+              <a:t> actual = </a:t>
+            </a:r>
+            <a:r>
+              <a:rPr lang="en-AU" sz="2800" dirty="0" err="1">
+                <a:solidFill>
+                  <a:srgbClr val="000000"/>
+                </a:solidFill>
+                <a:latin typeface="Consolas" panose="020B0609020204030204" pitchFamily="49" charset="0"/>
+              </a:rPr>
+              <a:t>personDAL.PersonCreate_Mock</a:t>
+            </a:r>
+            <a:r>
+              <a:rPr lang="en-AU" sz="2800" dirty="0">
+                <a:solidFill>
+                  <a:srgbClr val="000000"/>
+                </a:solidFill>
+                <a:latin typeface="Consolas" panose="020B0609020204030204" pitchFamily="49" charset="0"/>
+              </a:rPr>
+              <a:t>(</a:t>
+            </a:r>
+            <a:r>
+              <a:rPr lang="en-AU" sz="2800" dirty="0" err="1">
+                <a:solidFill>
+                  <a:srgbClr val="000000"/>
+                </a:solidFill>
+                <a:latin typeface="Consolas" panose="020B0609020204030204" pitchFamily="49" charset="0"/>
+              </a:rPr>
+              <a:t>personFirstName</a:t>
+            </a:r>
+            <a:r>
+              <a:rPr lang="en-AU" sz="2800" dirty="0">
+                <a:solidFill>
+                  <a:srgbClr val="000000"/>
+                </a:solidFill>
+                <a:latin typeface="Consolas" panose="020B0609020204030204" pitchFamily="49" charset="0"/>
+              </a:rPr>
+              <a:t>, </a:t>
+            </a:r>
+            <a:r>
+              <a:rPr lang="en-AU" sz="2800" dirty="0" err="1">
+                <a:solidFill>
+                  <a:srgbClr val="000000"/>
+                </a:solidFill>
+                <a:latin typeface="Consolas" panose="020B0609020204030204" pitchFamily="49" charset="0"/>
+              </a:rPr>
+              <a:t>personLastName</a:t>
+            </a:r>
+            <a:r>
+              <a:rPr lang="en-AU" sz="2800" dirty="0">
+                <a:solidFill>
+                  <a:srgbClr val="000000"/>
+                </a:solidFill>
+                <a:latin typeface="Consolas" panose="020B0609020204030204" pitchFamily="49" charset="0"/>
+              </a:rPr>
+              <a:t>, </a:t>
+            </a:r>
+            <a:r>
+              <a:rPr lang="en-AU" sz="2800" dirty="0" err="1">
+                <a:solidFill>
+                  <a:srgbClr val="000000"/>
+                </a:solidFill>
+                <a:latin typeface="Consolas" panose="020B0609020204030204" pitchFamily="49" charset="0"/>
+              </a:rPr>
+              <a:t>personEmail</a:t>
+            </a:r>
+            <a:r>
+              <a:rPr lang="en-AU" sz="2800" dirty="0">
+                <a:solidFill>
+                  <a:srgbClr val="000000"/>
+                </a:solidFill>
+                <a:latin typeface="Consolas" panose="020B0609020204030204" pitchFamily="49" charset="0"/>
+              </a:rPr>
+              <a:t>, </a:t>
+            </a:r>
+            <a:r>
+              <a:rPr lang="en-AU" sz="2800" dirty="0" err="1">
+                <a:solidFill>
+                  <a:srgbClr val="000000"/>
+                </a:solidFill>
+                <a:latin typeface="Consolas" panose="020B0609020204030204" pitchFamily="49" charset="0"/>
+              </a:rPr>
+              <a:t>personPhone</a:t>
+            </a:r>
+            <a:r>
+              <a:rPr lang="en-AU" sz="2800" dirty="0">
+                <a:solidFill>
+                  <a:srgbClr val="000000"/>
+                </a:solidFill>
+                <a:latin typeface="Consolas" panose="020B0609020204030204" pitchFamily="49" charset="0"/>
+              </a:rPr>
+              <a:t>);</a:t>
+            </a:r>
+          </a:p>
+          <a:p>
+            <a:pPr marL="0" indent="0">
+              <a:buNone/>
+            </a:pPr>
+            <a:endParaRPr lang="en-AU" sz="2800" dirty="0">
+              <a:solidFill>
+                <a:srgbClr val="000000"/>
+              </a:solidFill>
+              <a:latin typeface="Consolas" panose="020B0609020204030204" pitchFamily="49" charset="0"/>
+            </a:endParaRPr>
+          </a:p>
+          <a:p>
+            <a:pPr marL="0" indent="0">
+              <a:buNone/>
+            </a:pPr>
+            <a:r>
+              <a:rPr lang="en-AU" sz="2800" dirty="0">
+                <a:solidFill>
+                  <a:srgbClr val="000000"/>
+                </a:solidFill>
+                <a:latin typeface="Consolas" panose="020B0609020204030204" pitchFamily="49" charset="0"/>
+              </a:rPr>
+              <a:t>            </a:t>
+            </a:r>
+            <a:r>
+              <a:rPr lang="en-AU" sz="2800" dirty="0" err="1">
+                <a:solidFill>
+                  <a:srgbClr val="000000"/>
+                </a:solidFill>
+                <a:latin typeface="Consolas" panose="020B0609020204030204" pitchFamily="49" charset="0"/>
+              </a:rPr>
+              <a:t>Assert.Equal</a:t>
+            </a:r>
+            <a:r>
+              <a:rPr lang="en-AU" sz="2800" dirty="0">
+                <a:solidFill>
+                  <a:srgbClr val="000000"/>
+                </a:solidFill>
+                <a:latin typeface="Consolas" panose="020B0609020204030204" pitchFamily="49" charset="0"/>
+              </a:rPr>
+              <a:t>(</a:t>
+            </a:r>
+            <a:r>
+              <a:rPr lang="en-AU" sz="2800" dirty="0" err="1">
+                <a:solidFill>
+                  <a:srgbClr val="000000"/>
+                </a:solidFill>
+                <a:latin typeface="Consolas" panose="020B0609020204030204" pitchFamily="49" charset="0"/>
+              </a:rPr>
+              <a:t>expectedPerson.PersonID</a:t>
+            </a:r>
+            <a:r>
+              <a:rPr lang="en-AU" sz="2800" dirty="0">
+                <a:solidFill>
+                  <a:srgbClr val="000000"/>
+                </a:solidFill>
+                <a:latin typeface="Consolas" panose="020B0609020204030204" pitchFamily="49" charset="0"/>
+              </a:rPr>
+              <a:t>, </a:t>
+            </a:r>
+            <a:r>
+              <a:rPr lang="en-AU" sz="2800" dirty="0" err="1">
+                <a:solidFill>
+                  <a:srgbClr val="000000"/>
+                </a:solidFill>
+                <a:latin typeface="Consolas" panose="020B0609020204030204" pitchFamily="49" charset="0"/>
+              </a:rPr>
+              <a:t>actual.PersonID</a:t>
+            </a:r>
+            <a:r>
+              <a:rPr lang="en-AU" sz="2800" dirty="0">
+                <a:solidFill>
+                  <a:srgbClr val="000000"/>
+                </a:solidFill>
+                <a:latin typeface="Consolas" panose="020B0609020204030204" pitchFamily="49" charset="0"/>
+              </a:rPr>
+              <a:t>);</a:t>
+            </a:r>
+          </a:p>
+          <a:p>
+            <a:pPr marL="0" indent="0">
+              <a:buNone/>
+            </a:pPr>
+            <a:r>
+              <a:rPr lang="en-AU" sz="2800" dirty="0">
+                <a:solidFill>
+                  <a:srgbClr val="000000"/>
+                </a:solidFill>
+                <a:latin typeface="Consolas" panose="020B0609020204030204" pitchFamily="49" charset="0"/>
+              </a:rPr>
+              <a:t>            </a:t>
+            </a:r>
+            <a:r>
+              <a:rPr lang="en-AU" sz="2800" dirty="0" err="1">
+                <a:solidFill>
+                  <a:srgbClr val="000000"/>
+                </a:solidFill>
+                <a:latin typeface="Consolas" panose="020B0609020204030204" pitchFamily="49" charset="0"/>
+              </a:rPr>
+              <a:t>Assert.Equal</a:t>
+            </a:r>
+            <a:r>
+              <a:rPr lang="en-AU" sz="2800" dirty="0">
+                <a:solidFill>
+                  <a:srgbClr val="000000"/>
+                </a:solidFill>
+                <a:latin typeface="Consolas" panose="020B0609020204030204" pitchFamily="49" charset="0"/>
+              </a:rPr>
+              <a:t>(</a:t>
+            </a:r>
+            <a:r>
+              <a:rPr lang="en-AU" sz="2800" dirty="0" err="1">
+                <a:solidFill>
+                  <a:srgbClr val="000000"/>
+                </a:solidFill>
+                <a:latin typeface="Consolas" panose="020B0609020204030204" pitchFamily="49" charset="0"/>
+              </a:rPr>
+              <a:t>expectedPerson.PersonFirstName</a:t>
+            </a:r>
+            <a:r>
+              <a:rPr lang="en-AU" sz="2800" dirty="0">
+                <a:solidFill>
+                  <a:srgbClr val="000000"/>
+                </a:solidFill>
+                <a:latin typeface="Consolas" panose="020B0609020204030204" pitchFamily="49" charset="0"/>
+              </a:rPr>
+              <a:t>, </a:t>
+            </a:r>
+            <a:r>
+              <a:rPr lang="en-AU" sz="2800" dirty="0" err="1">
+                <a:solidFill>
+                  <a:srgbClr val="000000"/>
+                </a:solidFill>
+                <a:latin typeface="Consolas" panose="020B0609020204030204" pitchFamily="49" charset="0"/>
+              </a:rPr>
+              <a:t>actual.PersonFirstName</a:t>
+            </a:r>
+            <a:r>
+              <a:rPr lang="en-AU" sz="2800" dirty="0">
+                <a:solidFill>
+                  <a:srgbClr val="000000"/>
+                </a:solidFill>
+                <a:latin typeface="Consolas" panose="020B0609020204030204" pitchFamily="49" charset="0"/>
+              </a:rPr>
+              <a:t>);</a:t>
+            </a:r>
+          </a:p>
+          <a:p>
+            <a:pPr marL="0" indent="0">
+              <a:buNone/>
+            </a:pPr>
+            <a:r>
+              <a:rPr lang="en-AU" sz="2800" dirty="0">
+                <a:solidFill>
+                  <a:srgbClr val="000000"/>
+                </a:solidFill>
+                <a:latin typeface="Consolas" panose="020B0609020204030204" pitchFamily="49" charset="0"/>
+              </a:rPr>
+              <a:t>            </a:t>
+            </a:r>
+            <a:r>
+              <a:rPr lang="en-AU" sz="2800" dirty="0" err="1">
+                <a:solidFill>
+                  <a:srgbClr val="000000"/>
+                </a:solidFill>
+                <a:latin typeface="Consolas" panose="020B0609020204030204" pitchFamily="49" charset="0"/>
+              </a:rPr>
+              <a:t>Assert.Equal</a:t>
+            </a:r>
+            <a:r>
+              <a:rPr lang="en-AU" sz="2800" dirty="0">
+                <a:solidFill>
+                  <a:srgbClr val="000000"/>
+                </a:solidFill>
+                <a:latin typeface="Consolas" panose="020B0609020204030204" pitchFamily="49" charset="0"/>
+              </a:rPr>
+              <a:t>(</a:t>
+            </a:r>
+            <a:r>
+              <a:rPr lang="en-AU" sz="2800" dirty="0" err="1">
+                <a:solidFill>
+                  <a:srgbClr val="000000"/>
+                </a:solidFill>
+                <a:latin typeface="Consolas" panose="020B0609020204030204" pitchFamily="49" charset="0"/>
+              </a:rPr>
+              <a:t>expectedPerson.PersonLastName</a:t>
+            </a:r>
+            <a:r>
+              <a:rPr lang="en-AU" sz="2800" dirty="0">
+                <a:solidFill>
+                  <a:srgbClr val="000000"/>
+                </a:solidFill>
+                <a:latin typeface="Consolas" panose="020B0609020204030204" pitchFamily="49" charset="0"/>
+              </a:rPr>
+              <a:t>, </a:t>
+            </a:r>
+            <a:r>
+              <a:rPr lang="en-AU" sz="2800" dirty="0" err="1">
+                <a:solidFill>
+                  <a:srgbClr val="000000"/>
+                </a:solidFill>
+                <a:latin typeface="Consolas" panose="020B0609020204030204" pitchFamily="49" charset="0"/>
+              </a:rPr>
+              <a:t>actual.PersonLastName</a:t>
+            </a:r>
+            <a:r>
+              <a:rPr lang="en-AU" sz="2800" dirty="0">
+                <a:solidFill>
+                  <a:srgbClr val="000000"/>
+                </a:solidFill>
+                <a:latin typeface="Consolas" panose="020B0609020204030204" pitchFamily="49" charset="0"/>
+              </a:rPr>
+              <a:t>);</a:t>
+            </a:r>
+          </a:p>
+          <a:p>
+            <a:pPr marL="0" indent="0">
+              <a:buNone/>
+            </a:pPr>
+            <a:r>
+              <a:rPr lang="en-AU" sz="2800" dirty="0">
+                <a:solidFill>
+                  <a:srgbClr val="000000"/>
+                </a:solidFill>
+                <a:latin typeface="Consolas" panose="020B0609020204030204" pitchFamily="49" charset="0"/>
+              </a:rPr>
+              <a:t>            </a:t>
+            </a:r>
+            <a:r>
+              <a:rPr lang="en-AU" sz="2800" dirty="0" err="1">
+                <a:solidFill>
+                  <a:srgbClr val="000000"/>
+                </a:solidFill>
+                <a:latin typeface="Consolas" panose="020B0609020204030204" pitchFamily="49" charset="0"/>
+              </a:rPr>
+              <a:t>Assert.Equal</a:t>
+            </a:r>
+            <a:r>
+              <a:rPr lang="en-AU" sz="2800" dirty="0">
+                <a:solidFill>
+                  <a:srgbClr val="000000"/>
+                </a:solidFill>
+                <a:latin typeface="Consolas" panose="020B0609020204030204" pitchFamily="49" charset="0"/>
+              </a:rPr>
+              <a:t>(</a:t>
+            </a:r>
+            <a:r>
+              <a:rPr lang="en-AU" sz="2800" dirty="0" err="1">
+                <a:solidFill>
+                  <a:srgbClr val="000000"/>
+                </a:solidFill>
+                <a:latin typeface="Consolas" panose="020B0609020204030204" pitchFamily="49" charset="0"/>
+              </a:rPr>
+              <a:t>expectedPerson.PersonEmail</a:t>
+            </a:r>
+            <a:r>
+              <a:rPr lang="en-AU" sz="2800" dirty="0">
+                <a:solidFill>
+                  <a:srgbClr val="000000"/>
+                </a:solidFill>
+                <a:latin typeface="Consolas" panose="020B0609020204030204" pitchFamily="49" charset="0"/>
+              </a:rPr>
+              <a:t>, </a:t>
+            </a:r>
+            <a:r>
+              <a:rPr lang="en-AU" sz="2800" dirty="0" err="1">
+                <a:solidFill>
+                  <a:srgbClr val="000000"/>
+                </a:solidFill>
+                <a:latin typeface="Consolas" panose="020B0609020204030204" pitchFamily="49" charset="0"/>
+              </a:rPr>
+              <a:t>actual.PersonEmail</a:t>
+            </a:r>
+            <a:r>
+              <a:rPr lang="en-AU" sz="2800" dirty="0">
+                <a:solidFill>
+                  <a:srgbClr val="000000"/>
+                </a:solidFill>
+                <a:latin typeface="Consolas" panose="020B0609020204030204" pitchFamily="49" charset="0"/>
+              </a:rPr>
+              <a:t>);</a:t>
+            </a:r>
+          </a:p>
+          <a:p>
+            <a:pPr marL="0" indent="0">
+              <a:buNone/>
+            </a:pPr>
+            <a:r>
+              <a:rPr lang="en-AU" sz="2800" dirty="0">
+                <a:solidFill>
+                  <a:srgbClr val="000000"/>
+                </a:solidFill>
+                <a:latin typeface="Consolas" panose="020B0609020204030204" pitchFamily="49" charset="0"/>
+              </a:rPr>
+              <a:t>            </a:t>
+            </a:r>
+            <a:r>
+              <a:rPr lang="en-AU" sz="2800" dirty="0" err="1">
+                <a:solidFill>
+                  <a:srgbClr val="000000"/>
+                </a:solidFill>
+                <a:latin typeface="Consolas" panose="020B0609020204030204" pitchFamily="49" charset="0"/>
+              </a:rPr>
+              <a:t>Assert.Equal</a:t>
+            </a:r>
+            <a:r>
+              <a:rPr lang="en-AU" sz="2800" dirty="0">
+                <a:solidFill>
+                  <a:srgbClr val="000000"/>
+                </a:solidFill>
+                <a:latin typeface="Consolas" panose="020B0609020204030204" pitchFamily="49" charset="0"/>
+              </a:rPr>
+              <a:t>(</a:t>
+            </a:r>
+            <a:r>
+              <a:rPr lang="en-AU" sz="2800" dirty="0" err="1">
+                <a:solidFill>
+                  <a:srgbClr val="000000"/>
+                </a:solidFill>
+                <a:latin typeface="Consolas" panose="020B0609020204030204" pitchFamily="49" charset="0"/>
+              </a:rPr>
+              <a:t>expectedPerson.PersonPhone</a:t>
+            </a:r>
+            <a:r>
+              <a:rPr lang="en-AU" sz="2800" dirty="0">
+                <a:solidFill>
+                  <a:srgbClr val="000000"/>
+                </a:solidFill>
+                <a:latin typeface="Consolas" panose="020B0609020204030204" pitchFamily="49" charset="0"/>
+              </a:rPr>
+              <a:t>, </a:t>
+            </a:r>
+            <a:r>
+              <a:rPr lang="en-AU" sz="2800" dirty="0" err="1">
+                <a:solidFill>
+                  <a:srgbClr val="000000"/>
+                </a:solidFill>
+                <a:latin typeface="Consolas" panose="020B0609020204030204" pitchFamily="49" charset="0"/>
+              </a:rPr>
+              <a:t>actual.PersonPhone</a:t>
+            </a:r>
+            <a:r>
+              <a:rPr lang="en-AU" sz="2800" dirty="0">
+                <a:solidFill>
+                  <a:srgbClr val="000000"/>
+                </a:solidFill>
+                <a:latin typeface="Consolas" panose="020B0609020204030204" pitchFamily="49" charset="0"/>
+              </a:rPr>
+              <a:t>);</a:t>
+            </a:r>
+          </a:p>
+        </p:txBody>
+      </p:sp>
+    </p:spTree>
+    <p:extLst>
+      <p:ext uri="{BB962C8B-B14F-4D97-AF65-F5344CB8AC3E}">
+        <p14:creationId xmlns:p14="http://schemas.microsoft.com/office/powerpoint/2010/main" val="1770553696"/>
+      </p:ext>
+    </p:extLst>
+  </p:cSld>
+  <p:clrMapOvr>
+    <a:masterClrMapping/>
+  </p:clrMapOvr>
+</p:sld>
+</file>
+
+<file path=ppt/slides/slide11.xml><?xml version="1.0" encoding="utf-8"?>
+<p:sld xmlns:a="http://schemas.openxmlformats.org/drawingml/2006/main" xmlns:r="http://schemas.openxmlformats.org/officeDocument/2006/relationships" xmlns:p="http://schemas.openxmlformats.org/presentationml/2006/main">
+  <p:cSld>
+    <p:spTree>
+      <p:nvGrpSpPr>
+        <p:cNvPr id="1" name=""/>
+        <p:cNvGrpSpPr/>
+        <p:nvPr/>
+      </p:nvGrpSpPr>
+      <p:grpSpPr>
+        <a:xfrm>
+          <a:off x="0" y="0"/>
+          <a:ext cx="0" cy="0"/>
+          <a:chOff x="0" y="0"/>
+          <a:chExt cx="0" cy="0"/>
+        </a:xfrm>
+      </p:grpSpPr>
+      <p:sp>
+        <p:nvSpPr>
+          <p:cNvPr id="2" name="Title 1">
+            <a:extLst>
+              <a:ext uri="{FF2B5EF4-FFF2-40B4-BE49-F238E27FC236}">
+                <a16:creationId xmlns:a16="http://schemas.microsoft.com/office/drawing/2014/main" id="{FCCD7041-05F4-43CD-9186-7F9022C4334F}"/>
+              </a:ext>
+            </a:extLst>
+          </p:cNvPr>
+          <p:cNvSpPr>
+            <a:spLocks noGrp="1"/>
+          </p:cNvSpPr>
+          <p:nvPr>
+            <p:ph type="title"/>
+          </p:nvPr>
+        </p:nvSpPr>
+        <p:spPr/>
+        <p:txBody>
+          <a:bodyPr/>
+          <a:lstStyle/>
+          <a:p>
+            <a:r>
+              <a:rPr lang="en-AU" dirty="0"/>
+              <a:t>Person Create (Call)</a:t>
+            </a:r>
+          </a:p>
+        </p:txBody>
+      </p:sp>
+      <p:sp>
+        <p:nvSpPr>
+          <p:cNvPr id="3" name="Content Placeholder 2">
+            <a:extLst>
+              <a:ext uri="{FF2B5EF4-FFF2-40B4-BE49-F238E27FC236}">
+                <a16:creationId xmlns:a16="http://schemas.microsoft.com/office/drawing/2014/main" id="{92B89E4F-9A71-4FA9-8603-F6C559934397}"/>
+              </a:ext>
+            </a:extLst>
+          </p:cNvPr>
+          <p:cNvSpPr>
+            <a:spLocks noGrp="1"/>
+          </p:cNvSpPr>
+          <p:nvPr>
+            <p:ph idx="1"/>
+          </p:nvPr>
+        </p:nvSpPr>
+        <p:spPr/>
+        <p:txBody>
+          <a:bodyPr>
+            <a:normAutofit fontScale="47500" lnSpcReduction="20000"/>
+          </a:bodyPr>
+          <a:lstStyle/>
+          <a:p>
+            <a:pPr marL="0" indent="0">
+              <a:buNone/>
+            </a:pPr>
+            <a:r>
+              <a:rPr lang="en-AU" sz="2800" dirty="0">
+                <a:solidFill>
+                  <a:srgbClr val="0000FF"/>
+                </a:solidFill>
+                <a:latin typeface="Consolas" panose="020B0609020204030204" pitchFamily="49" charset="0"/>
+              </a:rPr>
+              <a:t>using</a:t>
+            </a:r>
+            <a:r>
+              <a:rPr lang="en-AU" sz="2800" dirty="0">
+                <a:solidFill>
+                  <a:srgbClr val="000000"/>
+                </a:solidFill>
+                <a:latin typeface="Consolas" panose="020B0609020204030204" pitchFamily="49" charset="0"/>
+              </a:rPr>
+              <a:t> (</a:t>
+            </a:r>
+            <a:r>
+              <a:rPr lang="en-AU" sz="2800" dirty="0">
+                <a:solidFill>
+                  <a:srgbClr val="0000FF"/>
+                </a:solidFill>
+                <a:latin typeface="Consolas" panose="020B0609020204030204" pitchFamily="49" charset="0"/>
+              </a:rPr>
+              <a:t>var</a:t>
+            </a:r>
+            <a:r>
+              <a:rPr lang="en-AU" sz="2800" dirty="0">
+                <a:solidFill>
+                  <a:srgbClr val="000000"/>
+                </a:solidFill>
+                <a:latin typeface="Consolas" panose="020B0609020204030204" pitchFamily="49" charset="0"/>
+              </a:rPr>
+              <a:t> mock = </a:t>
+            </a:r>
+            <a:r>
+              <a:rPr lang="en-AU" sz="2800" dirty="0" err="1">
+                <a:solidFill>
+                  <a:srgbClr val="000000"/>
+                </a:solidFill>
+                <a:latin typeface="Consolas" panose="020B0609020204030204" pitchFamily="49" charset="0"/>
+              </a:rPr>
+              <a:t>AutoMock.GetLoose</a:t>
+            </a:r>
+            <a:r>
+              <a:rPr lang="en-AU" sz="2800" dirty="0">
+                <a:solidFill>
+                  <a:srgbClr val="000000"/>
+                </a:solidFill>
+                <a:latin typeface="Consolas" panose="020B0609020204030204" pitchFamily="49" charset="0"/>
+              </a:rPr>
+              <a:t>())</a:t>
+            </a:r>
+          </a:p>
+          <a:p>
+            <a:pPr marL="0" indent="0">
+              <a:buNone/>
+            </a:pPr>
+            <a:r>
+              <a:rPr lang="en-AU" sz="2800" dirty="0">
+                <a:solidFill>
+                  <a:srgbClr val="000000"/>
+                </a:solidFill>
+                <a:latin typeface="Consolas" panose="020B0609020204030204" pitchFamily="49" charset="0"/>
+              </a:rPr>
+              <a:t>            {</a:t>
+            </a:r>
+          </a:p>
+          <a:p>
+            <a:pPr marL="0" indent="0">
+              <a:buNone/>
+            </a:pPr>
+            <a:r>
+              <a:rPr lang="en-AU" sz="2800" dirty="0">
+                <a:solidFill>
+                  <a:srgbClr val="000000"/>
+                </a:solidFill>
+                <a:latin typeface="Consolas" panose="020B0609020204030204" pitchFamily="49" charset="0"/>
+              </a:rPr>
+              <a:t>                </a:t>
+            </a:r>
+            <a:r>
+              <a:rPr lang="en-AU" sz="2800" dirty="0">
+                <a:solidFill>
+                  <a:srgbClr val="0000FF"/>
+                </a:solidFill>
+                <a:latin typeface="Consolas" panose="020B0609020204030204" pitchFamily="49" charset="0"/>
+              </a:rPr>
+              <a:t>string</a:t>
+            </a:r>
+            <a:r>
+              <a:rPr lang="en-AU" sz="2800" dirty="0">
+                <a:solidFill>
+                  <a:srgbClr val="000000"/>
+                </a:solidFill>
+                <a:latin typeface="Consolas" panose="020B0609020204030204" pitchFamily="49" charset="0"/>
+              </a:rPr>
+              <a:t> </a:t>
+            </a:r>
+            <a:r>
+              <a:rPr lang="en-AU" sz="2800" dirty="0" err="1">
+                <a:solidFill>
+                  <a:srgbClr val="000000"/>
+                </a:solidFill>
+                <a:latin typeface="Consolas" panose="020B0609020204030204" pitchFamily="49" charset="0"/>
+              </a:rPr>
+              <a:t>PersonFirstName</a:t>
+            </a:r>
+            <a:r>
+              <a:rPr lang="en-AU" sz="2800" dirty="0">
+                <a:solidFill>
+                  <a:srgbClr val="000000"/>
+                </a:solidFill>
+                <a:latin typeface="Consolas" panose="020B0609020204030204" pitchFamily="49" charset="0"/>
+              </a:rPr>
+              <a:t> = </a:t>
+            </a:r>
+            <a:r>
+              <a:rPr lang="en-AU" sz="2800" dirty="0">
+                <a:solidFill>
+                  <a:srgbClr val="A31515"/>
+                </a:solidFill>
+                <a:latin typeface="Consolas" panose="020B0609020204030204" pitchFamily="49" charset="0"/>
+              </a:rPr>
+              <a:t>"Nicholas"</a:t>
+            </a:r>
+            <a:r>
+              <a:rPr lang="en-AU" sz="2800" dirty="0">
+                <a:solidFill>
+                  <a:srgbClr val="000000"/>
+                </a:solidFill>
+                <a:latin typeface="Consolas" panose="020B0609020204030204" pitchFamily="49" charset="0"/>
+              </a:rPr>
+              <a:t>;</a:t>
+            </a:r>
+          </a:p>
+          <a:p>
+            <a:pPr marL="0" indent="0">
+              <a:buNone/>
+            </a:pPr>
+            <a:r>
+              <a:rPr lang="en-AU" sz="2800" dirty="0">
+                <a:solidFill>
+                  <a:srgbClr val="000000"/>
+                </a:solidFill>
+                <a:latin typeface="Consolas" panose="020B0609020204030204" pitchFamily="49" charset="0"/>
+              </a:rPr>
+              <a:t>                </a:t>
+            </a:r>
+            <a:r>
+              <a:rPr lang="en-AU" sz="2800" dirty="0">
+                <a:solidFill>
+                  <a:srgbClr val="0000FF"/>
+                </a:solidFill>
+                <a:latin typeface="Consolas" panose="020B0609020204030204" pitchFamily="49" charset="0"/>
+              </a:rPr>
+              <a:t>string</a:t>
+            </a:r>
+            <a:r>
+              <a:rPr lang="en-AU" sz="2800" dirty="0">
+                <a:solidFill>
+                  <a:srgbClr val="000000"/>
+                </a:solidFill>
+                <a:latin typeface="Consolas" panose="020B0609020204030204" pitchFamily="49" charset="0"/>
+              </a:rPr>
+              <a:t> </a:t>
+            </a:r>
+            <a:r>
+              <a:rPr lang="en-AU" sz="2800" dirty="0" err="1">
+                <a:solidFill>
+                  <a:srgbClr val="000000"/>
+                </a:solidFill>
+                <a:latin typeface="Consolas" panose="020B0609020204030204" pitchFamily="49" charset="0"/>
+              </a:rPr>
+              <a:t>PersonLastName</a:t>
+            </a:r>
+            <a:r>
+              <a:rPr lang="en-AU" sz="2800" dirty="0">
+                <a:solidFill>
+                  <a:srgbClr val="000000"/>
+                </a:solidFill>
+                <a:latin typeface="Consolas" panose="020B0609020204030204" pitchFamily="49" charset="0"/>
+              </a:rPr>
+              <a:t> = </a:t>
+            </a:r>
+            <a:r>
+              <a:rPr lang="en-AU" sz="2800" dirty="0">
+                <a:solidFill>
+                  <a:srgbClr val="A31515"/>
+                </a:solidFill>
+                <a:latin typeface="Consolas" panose="020B0609020204030204" pitchFamily="49" charset="0"/>
+              </a:rPr>
+              <a:t>"Browning"</a:t>
+            </a:r>
+            <a:r>
+              <a:rPr lang="en-AU" sz="2800" dirty="0">
+                <a:solidFill>
+                  <a:srgbClr val="000000"/>
+                </a:solidFill>
+                <a:latin typeface="Consolas" panose="020B0609020204030204" pitchFamily="49" charset="0"/>
+              </a:rPr>
+              <a:t>;</a:t>
+            </a:r>
+          </a:p>
+          <a:p>
+            <a:pPr marL="0" indent="0">
+              <a:buNone/>
+            </a:pPr>
+            <a:r>
+              <a:rPr lang="en-AU" sz="2800" dirty="0">
+                <a:solidFill>
+                  <a:srgbClr val="000000"/>
+                </a:solidFill>
+                <a:latin typeface="Consolas" panose="020B0609020204030204" pitchFamily="49" charset="0"/>
+              </a:rPr>
+              <a:t>                </a:t>
+            </a:r>
+            <a:r>
+              <a:rPr lang="en-AU" sz="2800" dirty="0">
+                <a:solidFill>
+                  <a:srgbClr val="0000FF"/>
+                </a:solidFill>
+                <a:latin typeface="Consolas" panose="020B0609020204030204" pitchFamily="49" charset="0"/>
+              </a:rPr>
+              <a:t>string</a:t>
+            </a:r>
+            <a:r>
+              <a:rPr lang="en-AU" sz="2800" dirty="0">
+                <a:solidFill>
+                  <a:srgbClr val="000000"/>
+                </a:solidFill>
+                <a:latin typeface="Consolas" panose="020B0609020204030204" pitchFamily="49" charset="0"/>
+              </a:rPr>
+              <a:t> </a:t>
+            </a:r>
+            <a:r>
+              <a:rPr lang="en-AU" sz="2800" dirty="0" err="1">
+                <a:solidFill>
+                  <a:srgbClr val="000000"/>
+                </a:solidFill>
+                <a:latin typeface="Consolas" panose="020B0609020204030204" pitchFamily="49" charset="0"/>
+              </a:rPr>
+              <a:t>PersonEmail</a:t>
+            </a:r>
+            <a:r>
+              <a:rPr lang="en-AU" sz="2800" dirty="0">
+                <a:solidFill>
+                  <a:srgbClr val="000000"/>
+                </a:solidFill>
+                <a:latin typeface="Consolas" panose="020B0609020204030204" pitchFamily="49" charset="0"/>
+              </a:rPr>
+              <a:t> = </a:t>
+            </a:r>
+            <a:r>
+              <a:rPr lang="en-AU" sz="2800" dirty="0">
+                <a:solidFill>
+                  <a:srgbClr val="A31515"/>
+                </a:solidFill>
+                <a:latin typeface="Consolas" panose="020B0609020204030204" pitchFamily="49" charset="0"/>
+              </a:rPr>
+              <a:t>"nicholas.browning@email.com"</a:t>
+            </a:r>
+            <a:r>
+              <a:rPr lang="en-AU" sz="2800" dirty="0">
+                <a:solidFill>
+                  <a:srgbClr val="000000"/>
+                </a:solidFill>
+                <a:latin typeface="Consolas" panose="020B0609020204030204" pitchFamily="49" charset="0"/>
+              </a:rPr>
+              <a:t>;</a:t>
+            </a:r>
+          </a:p>
+          <a:p>
+            <a:pPr marL="0" indent="0">
+              <a:buNone/>
+            </a:pPr>
+            <a:r>
+              <a:rPr lang="en-AU" sz="2800" dirty="0">
+                <a:solidFill>
+                  <a:srgbClr val="000000"/>
+                </a:solidFill>
+                <a:latin typeface="Consolas" panose="020B0609020204030204" pitchFamily="49" charset="0"/>
+              </a:rPr>
+              <a:t>                </a:t>
+            </a:r>
+            <a:r>
+              <a:rPr lang="en-AU" sz="2800" dirty="0">
+                <a:solidFill>
+                  <a:srgbClr val="0000FF"/>
+                </a:solidFill>
+                <a:latin typeface="Consolas" panose="020B0609020204030204" pitchFamily="49" charset="0"/>
+              </a:rPr>
+              <a:t>string</a:t>
+            </a:r>
+            <a:r>
+              <a:rPr lang="en-AU" sz="2800" dirty="0">
+                <a:solidFill>
+                  <a:srgbClr val="000000"/>
+                </a:solidFill>
+                <a:latin typeface="Consolas" panose="020B0609020204030204" pitchFamily="49" charset="0"/>
+              </a:rPr>
+              <a:t> </a:t>
+            </a:r>
+            <a:r>
+              <a:rPr lang="en-AU" sz="2800" dirty="0" err="1">
+                <a:solidFill>
+                  <a:srgbClr val="000000"/>
+                </a:solidFill>
+                <a:latin typeface="Consolas" panose="020B0609020204030204" pitchFamily="49" charset="0"/>
+              </a:rPr>
+              <a:t>PersonPhone</a:t>
+            </a:r>
+            <a:r>
+              <a:rPr lang="en-AU" sz="2800" dirty="0">
+                <a:solidFill>
+                  <a:srgbClr val="000000"/>
+                </a:solidFill>
+                <a:latin typeface="Consolas" panose="020B0609020204030204" pitchFamily="49" charset="0"/>
+              </a:rPr>
+              <a:t> = </a:t>
+            </a:r>
+            <a:r>
+              <a:rPr lang="en-AU" sz="2800" dirty="0">
+                <a:solidFill>
+                  <a:srgbClr val="A31515"/>
+                </a:solidFill>
+                <a:latin typeface="Consolas" panose="020B0609020204030204" pitchFamily="49" charset="0"/>
+              </a:rPr>
+              <a:t>"0402893048"</a:t>
+            </a:r>
+            <a:r>
+              <a:rPr lang="en-AU" sz="2800" dirty="0">
+                <a:solidFill>
+                  <a:srgbClr val="000000"/>
+                </a:solidFill>
+                <a:latin typeface="Consolas" panose="020B0609020204030204" pitchFamily="49" charset="0"/>
+              </a:rPr>
+              <a:t>;</a:t>
+            </a:r>
+          </a:p>
+          <a:p>
+            <a:pPr marL="0" indent="0">
+              <a:buNone/>
+            </a:pPr>
+            <a:endParaRPr lang="en-AU" sz="2800" dirty="0">
+              <a:solidFill>
+                <a:srgbClr val="000000"/>
+              </a:solidFill>
+              <a:latin typeface="Consolas" panose="020B0609020204030204" pitchFamily="49" charset="0"/>
+            </a:endParaRPr>
+          </a:p>
+          <a:p>
+            <a:pPr marL="0" indent="0">
+              <a:buNone/>
+            </a:pPr>
+            <a:r>
+              <a:rPr lang="en-AU" sz="2800" dirty="0">
+                <a:solidFill>
+                  <a:srgbClr val="000000"/>
+                </a:solidFill>
+                <a:latin typeface="Consolas" panose="020B0609020204030204" pitchFamily="49" charset="0"/>
+              </a:rPr>
+              <a:t>                </a:t>
+            </a:r>
+            <a:r>
+              <a:rPr lang="en-AU" sz="2800" dirty="0" err="1">
+                <a:solidFill>
+                  <a:srgbClr val="000000"/>
+                </a:solidFill>
+                <a:latin typeface="Consolas" panose="020B0609020204030204" pitchFamily="49" charset="0"/>
+              </a:rPr>
+              <a:t>mock.Mock</a:t>
+            </a:r>
+            <a:r>
+              <a:rPr lang="en-AU" sz="2800" dirty="0">
+                <a:solidFill>
+                  <a:srgbClr val="000000"/>
+                </a:solidFill>
+                <a:latin typeface="Consolas" panose="020B0609020204030204" pitchFamily="49" charset="0"/>
+              </a:rPr>
+              <a:t>&lt;</a:t>
+            </a:r>
+            <a:r>
+              <a:rPr lang="en-AU" sz="2800" dirty="0" err="1">
+                <a:solidFill>
+                  <a:srgbClr val="000000"/>
+                </a:solidFill>
+                <a:latin typeface="Consolas" panose="020B0609020204030204" pitchFamily="49" charset="0"/>
+              </a:rPr>
+              <a:t>IPersonDAL</a:t>
+            </a:r>
+            <a:r>
+              <a:rPr lang="en-AU" sz="2800" dirty="0">
+                <a:solidFill>
+                  <a:srgbClr val="000000"/>
+                </a:solidFill>
+                <a:latin typeface="Consolas" panose="020B0609020204030204" pitchFamily="49" charset="0"/>
+              </a:rPr>
+              <a:t>&gt;().Setup(x =&gt; </a:t>
+            </a:r>
+            <a:r>
+              <a:rPr lang="en-AU" sz="2800" dirty="0" err="1">
+                <a:solidFill>
+                  <a:srgbClr val="000000"/>
+                </a:solidFill>
+                <a:latin typeface="Consolas" panose="020B0609020204030204" pitchFamily="49" charset="0"/>
+              </a:rPr>
+              <a:t>x.PersonCreate</a:t>
+            </a:r>
+            <a:r>
+              <a:rPr lang="en-AU" sz="2800" dirty="0">
+                <a:solidFill>
+                  <a:srgbClr val="000000"/>
+                </a:solidFill>
+                <a:latin typeface="Consolas" panose="020B0609020204030204" pitchFamily="49" charset="0"/>
+              </a:rPr>
+              <a:t>(</a:t>
+            </a:r>
+            <a:r>
+              <a:rPr lang="en-AU" sz="2800" dirty="0" err="1">
+                <a:solidFill>
+                  <a:srgbClr val="000000"/>
+                </a:solidFill>
+                <a:latin typeface="Consolas" panose="020B0609020204030204" pitchFamily="49" charset="0"/>
+              </a:rPr>
+              <a:t>PersonFirstName</a:t>
+            </a:r>
+            <a:r>
+              <a:rPr lang="en-AU" sz="2800" dirty="0">
+                <a:solidFill>
+                  <a:srgbClr val="000000"/>
+                </a:solidFill>
+                <a:latin typeface="Consolas" panose="020B0609020204030204" pitchFamily="49" charset="0"/>
+              </a:rPr>
+              <a:t>, </a:t>
+            </a:r>
+            <a:r>
+              <a:rPr lang="en-AU" sz="2800" dirty="0" err="1">
+                <a:solidFill>
+                  <a:srgbClr val="000000"/>
+                </a:solidFill>
+                <a:latin typeface="Consolas" panose="020B0609020204030204" pitchFamily="49" charset="0"/>
+              </a:rPr>
+              <a:t>PersonLastName</a:t>
+            </a:r>
+            <a:r>
+              <a:rPr lang="en-AU" sz="2800" dirty="0">
+                <a:solidFill>
+                  <a:srgbClr val="000000"/>
+                </a:solidFill>
+                <a:latin typeface="Consolas" panose="020B0609020204030204" pitchFamily="49" charset="0"/>
+              </a:rPr>
+              <a:t>, </a:t>
+            </a:r>
+            <a:r>
+              <a:rPr lang="en-AU" sz="2800" dirty="0" err="1">
+                <a:solidFill>
+                  <a:srgbClr val="000000"/>
+                </a:solidFill>
+                <a:latin typeface="Consolas" panose="020B0609020204030204" pitchFamily="49" charset="0"/>
+              </a:rPr>
+              <a:t>PersonEmail</a:t>
+            </a:r>
+            <a:r>
+              <a:rPr lang="en-AU" sz="2800" dirty="0">
+                <a:solidFill>
+                  <a:srgbClr val="000000"/>
+                </a:solidFill>
+                <a:latin typeface="Consolas" panose="020B0609020204030204" pitchFamily="49" charset="0"/>
+              </a:rPr>
+              <a:t>, </a:t>
+            </a:r>
+            <a:r>
+              <a:rPr lang="en-AU" sz="2800" dirty="0" err="1">
+                <a:solidFill>
+                  <a:srgbClr val="000000"/>
+                </a:solidFill>
+                <a:latin typeface="Consolas" panose="020B0609020204030204" pitchFamily="49" charset="0"/>
+              </a:rPr>
+              <a:t>PersonPhone</a:t>
+            </a:r>
+            <a:r>
+              <a:rPr lang="en-AU" sz="2800" dirty="0">
+                <a:solidFill>
+                  <a:srgbClr val="000000"/>
+                </a:solidFill>
+                <a:latin typeface="Consolas" panose="020B0609020204030204" pitchFamily="49" charset="0"/>
+              </a:rPr>
+              <a:t>));</a:t>
+            </a:r>
+          </a:p>
+          <a:p>
+            <a:pPr marL="0" indent="0">
+              <a:buNone/>
+            </a:pPr>
+            <a:endParaRPr lang="en-AU" sz="2800" dirty="0">
+              <a:solidFill>
+                <a:srgbClr val="000000"/>
+              </a:solidFill>
+              <a:latin typeface="Consolas" panose="020B0609020204030204" pitchFamily="49" charset="0"/>
+            </a:endParaRPr>
+          </a:p>
+          <a:p>
+            <a:pPr marL="0" indent="0">
+              <a:buNone/>
+            </a:pPr>
+            <a:r>
+              <a:rPr lang="it-IT" sz="2800" dirty="0">
+                <a:solidFill>
+                  <a:srgbClr val="000000"/>
+                </a:solidFill>
+                <a:latin typeface="Consolas" panose="020B0609020204030204" pitchFamily="49" charset="0"/>
+              </a:rPr>
+              <a:t>                </a:t>
+            </a:r>
+            <a:r>
+              <a:rPr lang="it-IT" sz="2800" dirty="0">
+                <a:solidFill>
+                  <a:srgbClr val="0000FF"/>
+                </a:solidFill>
+                <a:latin typeface="Consolas" panose="020B0609020204030204" pitchFamily="49" charset="0"/>
+              </a:rPr>
+              <a:t>var</a:t>
+            </a:r>
+            <a:r>
+              <a:rPr lang="it-IT" sz="2800" dirty="0">
+                <a:solidFill>
+                  <a:srgbClr val="000000"/>
+                </a:solidFill>
+                <a:latin typeface="Consolas" panose="020B0609020204030204" pitchFamily="49" charset="0"/>
+              </a:rPr>
+              <a:t> cls = mock.Create&lt;PersonDAL&gt;();</a:t>
+            </a:r>
+          </a:p>
+          <a:p>
+            <a:pPr marL="0" indent="0">
+              <a:buNone/>
+            </a:pPr>
+            <a:endParaRPr lang="en-AU" sz="2800" dirty="0">
+              <a:solidFill>
+                <a:srgbClr val="000000"/>
+              </a:solidFill>
+              <a:latin typeface="Consolas" panose="020B0609020204030204" pitchFamily="49" charset="0"/>
+            </a:endParaRPr>
+          </a:p>
+          <a:p>
+            <a:pPr marL="0" indent="0">
+              <a:buNone/>
+            </a:pPr>
+            <a:r>
+              <a:rPr lang="en-AU" sz="2800" dirty="0">
+                <a:solidFill>
+                  <a:srgbClr val="000000"/>
+                </a:solidFill>
+                <a:latin typeface="Consolas" panose="020B0609020204030204" pitchFamily="49" charset="0"/>
+              </a:rPr>
+              <a:t>                </a:t>
+            </a:r>
+            <a:r>
+              <a:rPr lang="en-AU" sz="2800" dirty="0" err="1">
+                <a:solidFill>
+                  <a:srgbClr val="000000"/>
+                </a:solidFill>
+                <a:latin typeface="Consolas" panose="020B0609020204030204" pitchFamily="49" charset="0"/>
+              </a:rPr>
+              <a:t>cls.PersonCreate</a:t>
+            </a:r>
+            <a:r>
+              <a:rPr lang="en-AU" sz="2800" dirty="0">
+                <a:solidFill>
+                  <a:srgbClr val="000000"/>
+                </a:solidFill>
+                <a:latin typeface="Consolas" panose="020B0609020204030204" pitchFamily="49" charset="0"/>
+              </a:rPr>
+              <a:t>(</a:t>
+            </a:r>
+            <a:r>
+              <a:rPr lang="en-AU" sz="2800" dirty="0" err="1">
+                <a:solidFill>
+                  <a:srgbClr val="000000"/>
+                </a:solidFill>
+                <a:latin typeface="Consolas" panose="020B0609020204030204" pitchFamily="49" charset="0"/>
+              </a:rPr>
+              <a:t>PersonFirstName</a:t>
+            </a:r>
+            <a:r>
+              <a:rPr lang="en-AU" sz="2800" dirty="0">
+                <a:solidFill>
+                  <a:srgbClr val="000000"/>
+                </a:solidFill>
+                <a:latin typeface="Consolas" panose="020B0609020204030204" pitchFamily="49" charset="0"/>
+              </a:rPr>
+              <a:t>, </a:t>
+            </a:r>
+            <a:r>
+              <a:rPr lang="en-AU" sz="2800" dirty="0" err="1">
+                <a:solidFill>
+                  <a:srgbClr val="000000"/>
+                </a:solidFill>
+                <a:latin typeface="Consolas" panose="020B0609020204030204" pitchFamily="49" charset="0"/>
+              </a:rPr>
+              <a:t>PersonLastName</a:t>
+            </a:r>
+            <a:r>
+              <a:rPr lang="en-AU" sz="2800" dirty="0">
+                <a:solidFill>
+                  <a:srgbClr val="000000"/>
+                </a:solidFill>
+                <a:latin typeface="Consolas" panose="020B0609020204030204" pitchFamily="49" charset="0"/>
+              </a:rPr>
+              <a:t>, </a:t>
+            </a:r>
+            <a:r>
+              <a:rPr lang="en-AU" sz="2800" dirty="0" err="1">
+                <a:solidFill>
+                  <a:srgbClr val="000000"/>
+                </a:solidFill>
+                <a:latin typeface="Consolas" panose="020B0609020204030204" pitchFamily="49" charset="0"/>
+              </a:rPr>
+              <a:t>PersonEmail</a:t>
+            </a:r>
+            <a:r>
+              <a:rPr lang="en-AU" sz="2800" dirty="0">
+                <a:solidFill>
+                  <a:srgbClr val="000000"/>
+                </a:solidFill>
+                <a:latin typeface="Consolas" panose="020B0609020204030204" pitchFamily="49" charset="0"/>
+              </a:rPr>
+              <a:t>, </a:t>
+            </a:r>
+            <a:r>
+              <a:rPr lang="en-AU" sz="2800" dirty="0" err="1">
+                <a:solidFill>
+                  <a:srgbClr val="000000"/>
+                </a:solidFill>
+                <a:latin typeface="Consolas" panose="020B0609020204030204" pitchFamily="49" charset="0"/>
+              </a:rPr>
+              <a:t>PersonPhone</a:t>
+            </a:r>
+            <a:r>
+              <a:rPr lang="en-AU" sz="2800" dirty="0">
+                <a:solidFill>
+                  <a:srgbClr val="000000"/>
+                </a:solidFill>
+                <a:latin typeface="Consolas" panose="020B0609020204030204" pitchFamily="49" charset="0"/>
+              </a:rPr>
+              <a:t>);</a:t>
+            </a:r>
+          </a:p>
+          <a:p>
+            <a:pPr marL="0" indent="0">
+              <a:buNone/>
+            </a:pPr>
+            <a:endParaRPr lang="en-AU" sz="2800" dirty="0">
+              <a:solidFill>
+                <a:srgbClr val="000000"/>
+              </a:solidFill>
+              <a:latin typeface="Consolas" panose="020B0609020204030204" pitchFamily="49" charset="0"/>
+            </a:endParaRPr>
+          </a:p>
+          <a:p>
+            <a:pPr marL="0" indent="0">
+              <a:buNone/>
+            </a:pPr>
+            <a:r>
+              <a:rPr lang="en-AU" sz="2800" dirty="0">
+                <a:solidFill>
+                  <a:srgbClr val="000000"/>
+                </a:solidFill>
+                <a:latin typeface="Consolas" panose="020B0609020204030204" pitchFamily="49" charset="0"/>
+              </a:rPr>
+              <a:t>                </a:t>
+            </a:r>
+            <a:r>
+              <a:rPr lang="en-AU" sz="2800" dirty="0" err="1">
+                <a:solidFill>
+                  <a:srgbClr val="000000"/>
+                </a:solidFill>
+                <a:latin typeface="Consolas" panose="020B0609020204030204" pitchFamily="49" charset="0"/>
+              </a:rPr>
+              <a:t>mock.Mock</a:t>
+            </a:r>
+            <a:r>
+              <a:rPr lang="en-AU" sz="2800" dirty="0">
+                <a:solidFill>
+                  <a:srgbClr val="000000"/>
+                </a:solidFill>
+                <a:latin typeface="Consolas" panose="020B0609020204030204" pitchFamily="49" charset="0"/>
+              </a:rPr>
+              <a:t>&lt;</a:t>
+            </a:r>
+            <a:r>
+              <a:rPr lang="en-AU" sz="2800" dirty="0" err="1">
+                <a:solidFill>
+                  <a:srgbClr val="000000"/>
+                </a:solidFill>
+                <a:latin typeface="Consolas" panose="020B0609020204030204" pitchFamily="49" charset="0"/>
+              </a:rPr>
+              <a:t>IPersonDAL</a:t>
+            </a:r>
+            <a:r>
+              <a:rPr lang="en-AU" sz="2800" dirty="0">
+                <a:solidFill>
+                  <a:srgbClr val="000000"/>
+                </a:solidFill>
+                <a:latin typeface="Consolas" panose="020B0609020204030204" pitchFamily="49" charset="0"/>
+              </a:rPr>
+              <a:t>&gt;().Verify(x =&gt; </a:t>
+            </a:r>
+            <a:r>
+              <a:rPr lang="en-AU" sz="2800" dirty="0" err="1">
+                <a:solidFill>
+                  <a:srgbClr val="000000"/>
+                </a:solidFill>
+                <a:latin typeface="Consolas" panose="020B0609020204030204" pitchFamily="49" charset="0"/>
+              </a:rPr>
+              <a:t>x.PersonCreate</a:t>
+            </a:r>
+            <a:r>
+              <a:rPr lang="en-AU" sz="2800" dirty="0">
+                <a:solidFill>
+                  <a:srgbClr val="000000"/>
+                </a:solidFill>
+                <a:latin typeface="Consolas" panose="020B0609020204030204" pitchFamily="49" charset="0"/>
+              </a:rPr>
+              <a:t>(</a:t>
+            </a:r>
+            <a:r>
+              <a:rPr lang="en-AU" sz="2800" dirty="0" err="1">
+                <a:solidFill>
+                  <a:srgbClr val="000000"/>
+                </a:solidFill>
+                <a:latin typeface="Consolas" panose="020B0609020204030204" pitchFamily="49" charset="0"/>
+              </a:rPr>
+              <a:t>PersonFirstName</a:t>
+            </a:r>
+            <a:r>
+              <a:rPr lang="en-AU" sz="2800" dirty="0">
+                <a:solidFill>
+                  <a:srgbClr val="000000"/>
+                </a:solidFill>
+                <a:latin typeface="Consolas" panose="020B0609020204030204" pitchFamily="49" charset="0"/>
+              </a:rPr>
+              <a:t>, </a:t>
+            </a:r>
+            <a:r>
+              <a:rPr lang="en-AU" sz="2800" dirty="0" err="1">
+                <a:solidFill>
+                  <a:srgbClr val="000000"/>
+                </a:solidFill>
+                <a:latin typeface="Consolas" panose="020B0609020204030204" pitchFamily="49" charset="0"/>
+              </a:rPr>
+              <a:t>PersonLastName</a:t>
+            </a:r>
+            <a:r>
+              <a:rPr lang="en-AU" sz="2800" dirty="0">
+                <a:solidFill>
+                  <a:srgbClr val="000000"/>
+                </a:solidFill>
+                <a:latin typeface="Consolas" panose="020B0609020204030204" pitchFamily="49" charset="0"/>
+              </a:rPr>
+              <a:t>, </a:t>
+            </a:r>
+            <a:r>
+              <a:rPr lang="en-AU" sz="2800" dirty="0" err="1">
+                <a:solidFill>
+                  <a:srgbClr val="000000"/>
+                </a:solidFill>
+                <a:latin typeface="Consolas" panose="020B0609020204030204" pitchFamily="49" charset="0"/>
+              </a:rPr>
+              <a:t>PersonEmail</a:t>
+            </a:r>
+            <a:r>
+              <a:rPr lang="en-AU" sz="2800" dirty="0">
+                <a:solidFill>
+                  <a:srgbClr val="000000"/>
+                </a:solidFill>
+                <a:latin typeface="Consolas" panose="020B0609020204030204" pitchFamily="49" charset="0"/>
+              </a:rPr>
+              <a:t>, </a:t>
+            </a:r>
+            <a:r>
+              <a:rPr lang="en-AU" sz="2800" dirty="0" err="1">
+                <a:solidFill>
+                  <a:srgbClr val="000000"/>
+                </a:solidFill>
+                <a:latin typeface="Consolas" panose="020B0609020204030204" pitchFamily="49" charset="0"/>
+              </a:rPr>
+              <a:t>PersonPhone</a:t>
+            </a:r>
+            <a:r>
+              <a:rPr lang="en-AU" sz="2800" dirty="0">
+                <a:solidFill>
+                  <a:srgbClr val="000000"/>
+                </a:solidFill>
+                <a:latin typeface="Consolas" panose="020B0609020204030204" pitchFamily="49" charset="0"/>
+              </a:rPr>
+              <a:t>), </a:t>
+            </a:r>
+            <a:r>
+              <a:rPr lang="en-AU" sz="2800" dirty="0" err="1">
+                <a:solidFill>
+                  <a:srgbClr val="000000"/>
+                </a:solidFill>
+                <a:latin typeface="Consolas" panose="020B0609020204030204" pitchFamily="49" charset="0"/>
+              </a:rPr>
+              <a:t>Times.Exactly</a:t>
+            </a:r>
+            <a:r>
+              <a:rPr lang="en-AU" sz="2800" dirty="0">
+                <a:solidFill>
+                  <a:srgbClr val="000000"/>
+                </a:solidFill>
+                <a:latin typeface="Consolas" panose="020B0609020204030204" pitchFamily="49" charset="0"/>
+              </a:rPr>
+              <a:t>(0));</a:t>
+            </a:r>
+          </a:p>
+          <a:p>
+            <a:pPr marL="0" indent="0">
+              <a:buNone/>
+            </a:pPr>
+            <a:r>
+              <a:rPr lang="en-AU" sz="2800" dirty="0">
+                <a:solidFill>
+                  <a:srgbClr val="000000"/>
+                </a:solidFill>
+                <a:latin typeface="Consolas" panose="020B0609020204030204" pitchFamily="49" charset="0"/>
+              </a:rPr>
+              <a:t>            }</a:t>
+            </a:r>
+          </a:p>
+        </p:txBody>
+      </p:sp>
+    </p:spTree>
+    <p:extLst>
+      <p:ext uri="{BB962C8B-B14F-4D97-AF65-F5344CB8AC3E}">
+        <p14:creationId xmlns:p14="http://schemas.microsoft.com/office/powerpoint/2010/main" val="158618647"/>
+      </p:ext>
+    </p:extLst>
+  </p:cSld>
+  <p:clrMapOvr>
+    <a:masterClrMapping/>
+  </p:clrMapOvr>
+</p:sld>
+</file>
+
+<file path=ppt/slides/slide12.xml><?xml version="1.0" encoding="utf-8"?>
+<p:sld xmlns:a="http://schemas.openxmlformats.org/drawingml/2006/main" xmlns:r="http://schemas.openxmlformats.org/officeDocument/2006/relationships" xmlns:p="http://schemas.openxmlformats.org/presentationml/2006/main">
+  <p:cSld>
+    <p:spTree>
+      <p:nvGrpSpPr>
+        <p:cNvPr id="1" name=""/>
+        <p:cNvGrpSpPr/>
+        <p:nvPr/>
+      </p:nvGrpSpPr>
+      <p:grpSpPr>
+        <a:xfrm>
+          <a:off x="0" y="0"/>
+          <a:ext cx="0" cy="0"/>
+          <a:chOff x="0" y="0"/>
+          <a:chExt cx="0" cy="0"/>
+        </a:xfrm>
+      </p:grpSpPr>
+      <p:sp>
+        <p:nvSpPr>
+          <p:cNvPr id="2" name="Title 1">
+            <a:extLst>
+              <a:ext uri="{FF2B5EF4-FFF2-40B4-BE49-F238E27FC236}">
+                <a16:creationId xmlns:a16="http://schemas.microsoft.com/office/drawing/2014/main" id="{9B3AE9F5-B89D-48F7-87AC-314D6D479440}"/>
+              </a:ext>
+            </a:extLst>
+          </p:cNvPr>
+          <p:cNvSpPr>
+            <a:spLocks noGrp="1"/>
+          </p:cNvSpPr>
+          <p:nvPr>
+            <p:ph type="title"/>
+          </p:nvPr>
+        </p:nvSpPr>
+        <p:spPr/>
+        <p:txBody>
+          <a:bodyPr/>
+          <a:lstStyle/>
+          <a:p>
+            <a:r>
+              <a:rPr lang="en-AU" dirty="0"/>
+              <a:t>Reading People (Call)</a:t>
+            </a:r>
+          </a:p>
+        </p:txBody>
+      </p:sp>
+      <p:sp>
+        <p:nvSpPr>
+          <p:cNvPr id="3" name="Content Placeholder 2">
+            <a:extLst>
+              <a:ext uri="{FF2B5EF4-FFF2-40B4-BE49-F238E27FC236}">
+                <a16:creationId xmlns:a16="http://schemas.microsoft.com/office/drawing/2014/main" id="{94889B49-DB35-4D11-8C97-E14B8EB54FBA}"/>
+              </a:ext>
+            </a:extLst>
+          </p:cNvPr>
+          <p:cNvSpPr>
+            <a:spLocks noGrp="1"/>
+          </p:cNvSpPr>
+          <p:nvPr>
+            <p:ph idx="1"/>
+          </p:nvPr>
+        </p:nvSpPr>
+        <p:spPr/>
+        <p:txBody>
+          <a:bodyPr>
+            <a:normAutofit fontScale="40000" lnSpcReduction="20000"/>
+          </a:bodyPr>
+          <a:lstStyle/>
+          <a:p>
+            <a:pPr marL="0" indent="0">
+              <a:buNone/>
+            </a:pPr>
+            <a:r>
+              <a:rPr lang="en-AU" sz="2800" dirty="0">
+                <a:solidFill>
+                  <a:srgbClr val="0000FF"/>
+                </a:solidFill>
+                <a:latin typeface="Consolas" panose="020B0609020204030204" pitchFamily="49" charset="0"/>
+              </a:rPr>
+              <a:t>using</a:t>
+            </a:r>
+            <a:r>
+              <a:rPr lang="en-AU" sz="2800" dirty="0">
+                <a:solidFill>
+                  <a:srgbClr val="000000"/>
+                </a:solidFill>
+                <a:latin typeface="Consolas" panose="020B0609020204030204" pitchFamily="49" charset="0"/>
+              </a:rPr>
+              <a:t> (</a:t>
+            </a:r>
+            <a:r>
+              <a:rPr lang="en-AU" sz="2800" dirty="0">
+                <a:solidFill>
+                  <a:srgbClr val="0000FF"/>
+                </a:solidFill>
+                <a:latin typeface="Consolas" panose="020B0609020204030204" pitchFamily="49" charset="0"/>
+              </a:rPr>
+              <a:t>var</a:t>
+            </a:r>
+            <a:r>
+              <a:rPr lang="en-AU" sz="2800" dirty="0">
+                <a:solidFill>
+                  <a:srgbClr val="000000"/>
+                </a:solidFill>
+                <a:latin typeface="Consolas" panose="020B0609020204030204" pitchFamily="49" charset="0"/>
+              </a:rPr>
+              <a:t> mock = </a:t>
+            </a:r>
+            <a:r>
+              <a:rPr lang="en-AU" sz="2800" dirty="0" err="1">
+                <a:solidFill>
+                  <a:srgbClr val="000000"/>
+                </a:solidFill>
+                <a:latin typeface="Consolas" panose="020B0609020204030204" pitchFamily="49" charset="0"/>
+              </a:rPr>
+              <a:t>AutoMock.GetLoose</a:t>
+            </a:r>
+            <a:r>
+              <a:rPr lang="en-AU" sz="2800" dirty="0">
+                <a:solidFill>
+                  <a:srgbClr val="000000"/>
+                </a:solidFill>
+                <a:latin typeface="Consolas" panose="020B0609020204030204" pitchFamily="49" charset="0"/>
+              </a:rPr>
+              <a:t>())</a:t>
+            </a:r>
+          </a:p>
+          <a:p>
+            <a:pPr marL="0" indent="0">
+              <a:buNone/>
+            </a:pPr>
+            <a:r>
+              <a:rPr lang="en-AU" sz="2800" dirty="0">
+                <a:solidFill>
+                  <a:srgbClr val="000000"/>
+                </a:solidFill>
+                <a:latin typeface="Consolas" panose="020B0609020204030204" pitchFamily="49" charset="0"/>
+              </a:rPr>
+              <a:t>            {</a:t>
+            </a:r>
+          </a:p>
+          <a:p>
+            <a:pPr marL="0" indent="0">
+              <a:buNone/>
+            </a:pPr>
+            <a:r>
+              <a:rPr lang="en-AU" sz="2800" dirty="0">
+                <a:solidFill>
+                  <a:srgbClr val="000000"/>
+                </a:solidFill>
+                <a:latin typeface="Consolas" panose="020B0609020204030204" pitchFamily="49" charset="0"/>
+              </a:rPr>
+              <a:t>                </a:t>
+            </a:r>
+            <a:r>
+              <a:rPr lang="en-AU" sz="2800" dirty="0" err="1">
+                <a:solidFill>
+                  <a:srgbClr val="000000"/>
+                </a:solidFill>
+                <a:latin typeface="Consolas" panose="020B0609020204030204" pitchFamily="49" charset="0"/>
+              </a:rPr>
+              <a:t>mock.Mock</a:t>
+            </a:r>
+            <a:r>
+              <a:rPr lang="en-AU" sz="2800" dirty="0">
+                <a:solidFill>
+                  <a:srgbClr val="000000"/>
+                </a:solidFill>
+                <a:latin typeface="Consolas" panose="020B0609020204030204" pitchFamily="49" charset="0"/>
+              </a:rPr>
+              <a:t>&lt;</a:t>
+            </a:r>
+            <a:r>
+              <a:rPr lang="en-AU" sz="2800" dirty="0" err="1">
+                <a:solidFill>
+                  <a:srgbClr val="000000"/>
+                </a:solidFill>
+                <a:latin typeface="Consolas" panose="020B0609020204030204" pitchFamily="49" charset="0"/>
+              </a:rPr>
+              <a:t>IPersonDAL</a:t>
+            </a:r>
+            <a:r>
+              <a:rPr lang="en-AU" sz="2800" dirty="0">
+                <a:solidFill>
+                  <a:srgbClr val="000000"/>
+                </a:solidFill>
+                <a:latin typeface="Consolas" panose="020B0609020204030204" pitchFamily="49" charset="0"/>
+              </a:rPr>
+              <a:t>&gt;().Setup(x =&gt; </a:t>
+            </a:r>
+            <a:r>
+              <a:rPr lang="en-AU" sz="2800" dirty="0" err="1">
+                <a:solidFill>
+                  <a:srgbClr val="000000"/>
+                </a:solidFill>
+                <a:latin typeface="Consolas" panose="020B0609020204030204" pitchFamily="49" charset="0"/>
+              </a:rPr>
+              <a:t>x.ReadAllPeople</a:t>
+            </a:r>
+            <a:r>
+              <a:rPr lang="en-AU" sz="2800" dirty="0">
+                <a:solidFill>
+                  <a:srgbClr val="000000"/>
+                </a:solidFill>
+                <a:latin typeface="Consolas" panose="020B0609020204030204" pitchFamily="49" charset="0"/>
+              </a:rPr>
+              <a:t>()).Returns(</a:t>
+            </a:r>
+            <a:r>
+              <a:rPr lang="en-AU" sz="2800" dirty="0" err="1">
+                <a:solidFill>
+                  <a:srgbClr val="000000"/>
+                </a:solidFill>
+                <a:latin typeface="Consolas" panose="020B0609020204030204" pitchFamily="49" charset="0"/>
+              </a:rPr>
+              <a:t>GetSamplePeople</a:t>
+            </a:r>
+            <a:r>
+              <a:rPr lang="en-AU" sz="2800" dirty="0">
+                <a:solidFill>
+                  <a:srgbClr val="000000"/>
+                </a:solidFill>
+                <a:latin typeface="Consolas" panose="020B0609020204030204" pitchFamily="49" charset="0"/>
+              </a:rPr>
+              <a:t>());</a:t>
+            </a:r>
+          </a:p>
+          <a:p>
+            <a:pPr marL="0" indent="0">
+              <a:buNone/>
+            </a:pPr>
+            <a:endParaRPr lang="en-AU" sz="2800" dirty="0">
+              <a:solidFill>
+                <a:srgbClr val="000000"/>
+              </a:solidFill>
+              <a:latin typeface="Consolas" panose="020B0609020204030204" pitchFamily="49" charset="0"/>
+            </a:endParaRPr>
+          </a:p>
+          <a:p>
+            <a:pPr marL="0" indent="0">
+              <a:buNone/>
+            </a:pPr>
+            <a:r>
+              <a:rPr lang="it-IT" sz="2800" dirty="0">
+                <a:solidFill>
+                  <a:srgbClr val="000000"/>
+                </a:solidFill>
+                <a:latin typeface="Consolas" panose="020B0609020204030204" pitchFamily="49" charset="0"/>
+              </a:rPr>
+              <a:t>                </a:t>
+            </a:r>
+            <a:r>
+              <a:rPr lang="it-IT" sz="2800" dirty="0">
+                <a:solidFill>
+                  <a:srgbClr val="0000FF"/>
+                </a:solidFill>
+                <a:latin typeface="Consolas" panose="020B0609020204030204" pitchFamily="49" charset="0"/>
+              </a:rPr>
+              <a:t>var</a:t>
+            </a:r>
+            <a:r>
+              <a:rPr lang="it-IT" sz="2800" dirty="0">
+                <a:solidFill>
+                  <a:srgbClr val="000000"/>
+                </a:solidFill>
+                <a:latin typeface="Consolas" panose="020B0609020204030204" pitchFamily="49" charset="0"/>
+              </a:rPr>
+              <a:t> cls = mock.Create&lt;PersonDAL&gt;();</a:t>
+            </a:r>
+          </a:p>
+          <a:p>
+            <a:pPr marL="0" indent="0">
+              <a:buNone/>
+            </a:pPr>
+            <a:r>
+              <a:rPr lang="en-AU" sz="2800" dirty="0">
+                <a:solidFill>
+                  <a:srgbClr val="000000"/>
+                </a:solidFill>
+                <a:latin typeface="Consolas" panose="020B0609020204030204" pitchFamily="49" charset="0"/>
+              </a:rPr>
+              <a:t>                </a:t>
+            </a:r>
+            <a:r>
+              <a:rPr lang="en-AU" sz="2800" dirty="0">
+                <a:solidFill>
+                  <a:srgbClr val="0000FF"/>
+                </a:solidFill>
+                <a:latin typeface="Consolas" panose="020B0609020204030204" pitchFamily="49" charset="0"/>
+              </a:rPr>
+              <a:t>var</a:t>
+            </a:r>
+            <a:r>
+              <a:rPr lang="en-AU" sz="2800" dirty="0">
+                <a:solidFill>
+                  <a:srgbClr val="000000"/>
+                </a:solidFill>
+                <a:latin typeface="Consolas" panose="020B0609020204030204" pitchFamily="49" charset="0"/>
+              </a:rPr>
+              <a:t> expected = </a:t>
+            </a:r>
+            <a:r>
+              <a:rPr lang="en-AU" sz="2800" dirty="0" err="1">
+                <a:solidFill>
+                  <a:srgbClr val="000000"/>
+                </a:solidFill>
+                <a:latin typeface="Consolas" panose="020B0609020204030204" pitchFamily="49" charset="0"/>
+              </a:rPr>
+              <a:t>GetSamplePeople</a:t>
+            </a:r>
+            <a:r>
+              <a:rPr lang="en-AU" sz="2800" dirty="0">
+                <a:solidFill>
+                  <a:srgbClr val="000000"/>
+                </a:solidFill>
+                <a:latin typeface="Consolas" panose="020B0609020204030204" pitchFamily="49" charset="0"/>
+              </a:rPr>
+              <a:t>();</a:t>
+            </a:r>
+          </a:p>
+          <a:p>
+            <a:pPr marL="0" indent="0">
+              <a:buNone/>
+            </a:pPr>
+            <a:r>
+              <a:rPr lang="en-AU" sz="2800" dirty="0">
+                <a:solidFill>
+                  <a:srgbClr val="000000"/>
+                </a:solidFill>
+                <a:latin typeface="Consolas" panose="020B0609020204030204" pitchFamily="49" charset="0"/>
+              </a:rPr>
+              <a:t>                </a:t>
+            </a:r>
+            <a:r>
+              <a:rPr lang="en-AU" sz="2800" dirty="0">
+                <a:solidFill>
+                  <a:srgbClr val="0000FF"/>
+                </a:solidFill>
+                <a:latin typeface="Consolas" panose="020B0609020204030204" pitchFamily="49" charset="0"/>
+              </a:rPr>
+              <a:t>var</a:t>
+            </a:r>
+            <a:r>
+              <a:rPr lang="en-AU" sz="2800" dirty="0">
+                <a:solidFill>
+                  <a:srgbClr val="000000"/>
+                </a:solidFill>
+                <a:latin typeface="Consolas" panose="020B0609020204030204" pitchFamily="49" charset="0"/>
+              </a:rPr>
+              <a:t> actual = </a:t>
+            </a:r>
+            <a:r>
+              <a:rPr lang="en-AU" sz="2800" dirty="0" err="1">
+                <a:solidFill>
+                  <a:srgbClr val="000000"/>
+                </a:solidFill>
+                <a:latin typeface="Consolas" panose="020B0609020204030204" pitchFamily="49" charset="0"/>
+              </a:rPr>
+              <a:t>cls.ReadAllPeople</a:t>
+            </a:r>
+            <a:r>
+              <a:rPr lang="en-AU" sz="2800" dirty="0">
+                <a:solidFill>
+                  <a:srgbClr val="000000"/>
+                </a:solidFill>
+                <a:latin typeface="Consolas" panose="020B0609020204030204" pitchFamily="49" charset="0"/>
+              </a:rPr>
+              <a:t>();</a:t>
+            </a:r>
+          </a:p>
+          <a:p>
+            <a:pPr marL="0" indent="0">
+              <a:buNone/>
+            </a:pPr>
+            <a:endParaRPr lang="en-AU" sz="2800" dirty="0">
+              <a:solidFill>
+                <a:srgbClr val="000000"/>
+              </a:solidFill>
+              <a:latin typeface="Consolas" panose="020B0609020204030204" pitchFamily="49" charset="0"/>
+            </a:endParaRPr>
+          </a:p>
+          <a:p>
+            <a:pPr marL="0" indent="0">
+              <a:buNone/>
+            </a:pPr>
+            <a:r>
+              <a:rPr lang="en-AU" sz="2800" dirty="0">
+                <a:solidFill>
+                  <a:srgbClr val="000000"/>
+                </a:solidFill>
+                <a:latin typeface="Consolas" panose="020B0609020204030204" pitchFamily="49" charset="0"/>
+              </a:rPr>
+              <a:t>                </a:t>
+            </a:r>
+            <a:r>
+              <a:rPr lang="en-AU" sz="2800" dirty="0" err="1">
+                <a:solidFill>
+                  <a:srgbClr val="000000"/>
+                </a:solidFill>
+                <a:latin typeface="Consolas" panose="020B0609020204030204" pitchFamily="49" charset="0"/>
+              </a:rPr>
+              <a:t>Assert.True</a:t>
+            </a:r>
+            <a:r>
+              <a:rPr lang="en-AU" sz="2800" dirty="0">
+                <a:solidFill>
+                  <a:srgbClr val="000000"/>
+                </a:solidFill>
+                <a:latin typeface="Consolas" panose="020B0609020204030204" pitchFamily="49" charset="0"/>
+              </a:rPr>
+              <a:t>(actual != </a:t>
+            </a:r>
+            <a:r>
+              <a:rPr lang="en-AU" sz="2800" dirty="0">
+                <a:solidFill>
+                  <a:srgbClr val="0000FF"/>
+                </a:solidFill>
+                <a:latin typeface="Consolas" panose="020B0609020204030204" pitchFamily="49" charset="0"/>
+              </a:rPr>
+              <a:t>null</a:t>
+            </a:r>
+            <a:r>
+              <a:rPr lang="en-AU" sz="2800" dirty="0">
+                <a:solidFill>
+                  <a:srgbClr val="000000"/>
+                </a:solidFill>
+                <a:latin typeface="Consolas" panose="020B0609020204030204" pitchFamily="49" charset="0"/>
+              </a:rPr>
+              <a:t>);</a:t>
+            </a:r>
+          </a:p>
+          <a:p>
+            <a:pPr marL="0" indent="0">
+              <a:buNone/>
+            </a:pPr>
+            <a:r>
+              <a:rPr lang="en-AU" sz="2800" dirty="0">
+                <a:solidFill>
+                  <a:srgbClr val="000000"/>
+                </a:solidFill>
+                <a:latin typeface="Consolas" panose="020B0609020204030204" pitchFamily="49" charset="0"/>
+              </a:rPr>
+              <a:t>                </a:t>
+            </a:r>
+            <a:r>
+              <a:rPr lang="en-AU" sz="2800" dirty="0" err="1">
+                <a:solidFill>
+                  <a:srgbClr val="000000"/>
+                </a:solidFill>
+                <a:latin typeface="Consolas" panose="020B0609020204030204" pitchFamily="49" charset="0"/>
+              </a:rPr>
+              <a:t>Assert.Equal</a:t>
+            </a:r>
+            <a:r>
+              <a:rPr lang="en-AU" sz="2800" dirty="0">
+                <a:solidFill>
+                  <a:srgbClr val="000000"/>
+                </a:solidFill>
+                <a:latin typeface="Consolas" panose="020B0609020204030204" pitchFamily="49" charset="0"/>
+              </a:rPr>
+              <a:t>(</a:t>
+            </a:r>
+            <a:r>
+              <a:rPr lang="en-AU" sz="2800" dirty="0" err="1">
+                <a:solidFill>
+                  <a:srgbClr val="000000"/>
+                </a:solidFill>
+                <a:latin typeface="Consolas" panose="020B0609020204030204" pitchFamily="49" charset="0"/>
+              </a:rPr>
+              <a:t>expected.Count</a:t>
+            </a:r>
+            <a:r>
+              <a:rPr lang="en-AU" sz="2800" dirty="0">
+                <a:solidFill>
+                  <a:srgbClr val="000000"/>
+                </a:solidFill>
+                <a:latin typeface="Consolas" panose="020B0609020204030204" pitchFamily="49" charset="0"/>
+              </a:rPr>
+              <a:t>, </a:t>
+            </a:r>
+            <a:r>
+              <a:rPr lang="en-AU" sz="2800" dirty="0" err="1">
+                <a:solidFill>
+                  <a:srgbClr val="000000"/>
+                </a:solidFill>
+                <a:latin typeface="Consolas" panose="020B0609020204030204" pitchFamily="49" charset="0"/>
+              </a:rPr>
+              <a:t>actual.Count</a:t>
+            </a:r>
+            <a:r>
+              <a:rPr lang="en-AU" sz="2800" dirty="0">
+                <a:solidFill>
+                  <a:srgbClr val="000000"/>
+                </a:solidFill>
+                <a:latin typeface="Consolas" panose="020B0609020204030204" pitchFamily="49" charset="0"/>
+              </a:rPr>
+              <a:t>);</a:t>
+            </a:r>
+          </a:p>
+          <a:p>
+            <a:pPr marL="0" indent="0">
+              <a:buNone/>
+            </a:pPr>
+            <a:endParaRPr lang="en-AU" sz="2800" dirty="0">
+              <a:solidFill>
+                <a:srgbClr val="000000"/>
+              </a:solidFill>
+              <a:latin typeface="Consolas" panose="020B0609020204030204" pitchFamily="49" charset="0"/>
+            </a:endParaRPr>
+          </a:p>
+          <a:p>
+            <a:pPr marL="0" indent="0">
+              <a:buNone/>
+            </a:pPr>
+            <a:r>
+              <a:rPr lang="en-AU" sz="2800" dirty="0">
+                <a:solidFill>
+                  <a:srgbClr val="000000"/>
+                </a:solidFill>
+                <a:latin typeface="Consolas" panose="020B0609020204030204" pitchFamily="49" charset="0"/>
+              </a:rPr>
+              <a:t>                </a:t>
+            </a:r>
+            <a:r>
+              <a:rPr lang="en-AU" sz="2800" dirty="0">
+                <a:solidFill>
+                  <a:srgbClr val="0000FF"/>
+                </a:solidFill>
+                <a:latin typeface="Consolas" panose="020B0609020204030204" pitchFamily="49" charset="0"/>
+              </a:rPr>
+              <a:t>for</a:t>
+            </a:r>
+            <a:r>
+              <a:rPr lang="en-AU" sz="2800" dirty="0">
+                <a:solidFill>
+                  <a:srgbClr val="000000"/>
+                </a:solidFill>
+                <a:latin typeface="Consolas" panose="020B0609020204030204" pitchFamily="49" charset="0"/>
+              </a:rPr>
+              <a:t> (</a:t>
+            </a:r>
+            <a:r>
+              <a:rPr lang="en-AU" sz="2800" dirty="0">
+                <a:solidFill>
+                  <a:srgbClr val="0000FF"/>
+                </a:solidFill>
+                <a:latin typeface="Consolas" panose="020B0609020204030204" pitchFamily="49" charset="0"/>
+              </a:rPr>
+              <a:t>int</a:t>
+            </a:r>
+            <a:r>
+              <a:rPr lang="en-AU" sz="2800" dirty="0">
+                <a:solidFill>
+                  <a:srgbClr val="000000"/>
+                </a:solidFill>
+                <a:latin typeface="Consolas" panose="020B0609020204030204" pitchFamily="49" charset="0"/>
+              </a:rPr>
+              <a:t> </a:t>
+            </a:r>
+            <a:r>
+              <a:rPr lang="en-AU" sz="2800" dirty="0" err="1">
+                <a:solidFill>
+                  <a:srgbClr val="000000"/>
+                </a:solidFill>
+                <a:latin typeface="Consolas" panose="020B0609020204030204" pitchFamily="49" charset="0"/>
+              </a:rPr>
+              <a:t>i</a:t>
+            </a:r>
+            <a:r>
+              <a:rPr lang="en-AU" sz="2800" dirty="0">
+                <a:solidFill>
+                  <a:srgbClr val="000000"/>
+                </a:solidFill>
+                <a:latin typeface="Consolas" panose="020B0609020204030204" pitchFamily="49" charset="0"/>
+              </a:rPr>
+              <a:t> = 0; </a:t>
+            </a:r>
+            <a:r>
+              <a:rPr lang="en-AU" sz="2800" dirty="0" err="1">
+                <a:solidFill>
+                  <a:srgbClr val="000000"/>
+                </a:solidFill>
+                <a:latin typeface="Consolas" panose="020B0609020204030204" pitchFamily="49" charset="0"/>
+              </a:rPr>
+              <a:t>i</a:t>
+            </a:r>
+            <a:r>
+              <a:rPr lang="en-AU" sz="2800" dirty="0">
+                <a:solidFill>
+                  <a:srgbClr val="000000"/>
+                </a:solidFill>
+                <a:latin typeface="Consolas" panose="020B0609020204030204" pitchFamily="49" charset="0"/>
+              </a:rPr>
+              <a:t> &lt; </a:t>
+            </a:r>
+            <a:r>
+              <a:rPr lang="en-AU" sz="2800" dirty="0" err="1">
+                <a:solidFill>
+                  <a:srgbClr val="000000"/>
+                </a:solidFill>
+                <a:latin typeface="Consolas" panose="020B0609020204030204" pitchFamily="49" charset="0"/>
+              </a:rPr>
+              <a:t>expected.Count</a:t>
+            </a:r>
+            <a:r>
+              <a:rPr lang="en-AU" sz="2800" dirty="0">
+                <a:solidFill>
+                  <a:srgbClr val="000000"/>
+                </a:solidFill>
+                <a:latin typeface="Consolas" panose="020B0609020204030204" pitchFamily="49" charset="0"/>
+              </a:rPr>
+              <a:t>; </a:t>
+            </a:r>
+            <a:r>
+              <a:rPr lang="en-AU" sz="2800" dirty="0" err="1">
+                <a:solidFill>
+                  <a:srgbClr val="000000"/>
+                </a:solidFill>
+                <a:latin typeface="Consolas" panose="020B0609020204030204" pitchFamily="49" charset="0"/>
+              </a:rPr>
+              <a:t>i</a:t>
+            </a:r>
+            <a:r>
+              <a:rPr lang="en-AU" sz="2800" dirty="0">
+                <a:solidFill>
+                  <a:srgbClr val="000000"/>
+                </a:solidFill>
+                <a:latin typeface="Consolas" panose="020B0609020204030204" pitchFamily="49" charset="0"/>
+              </a:rPr>
+              <a:t>++)</a:t>
+            </a:r>
+          </a:p>
+          <a:p>
+            <a:pPr marL="0" indent="0">
+              <a:buNone/>
+            </a:pPr>
+            <a:r>
+              <a:rPr lang="en-AU" sz="2800" dirty="0">
+                <a:solidFill>
+                  <a:srgbClr val="000000"/>
+                </a:solidFill>
+                <a:latin typeface="Consolas" panose="020B0609020204030204" pitchFamily="49" charset="0"/>
+              </a:rPr>
+              <a:t>                {</a:t>
+            </a:r>
+          </a:p>
+          <a:p>
+            <a:pPr marL="0" indent="0">
+              <a:buNone/>
+            </a:pPr>
+            <a:r>
+              <a:rPr lang="en-AU" sz="2800" dirty="0">
+                <a:solidFill>
+                  <a:srgbClr val="000000"/>
+                </a:solidFill>
+                <a:latin typeface="Consolas" panose="020B0609020204030204" pitchFamily="49" charset="0"/>
+              </a:rPr>
+              <a:t>                    </a:t>
+            </a:r>
+            <a:r>
+              <a:rPr lang="en-AU" sz="2800" dirty="0" err="1">
+                <a:solidFill>
+                  <a:srgbClr val="000000"/>
+                </a:solidFill>
+                <a:latin typeface="Consolas" panose="020B0609020204030204" pitchFamily="49" charset="0"/>
+              </a:rPr>
+              <a:t>Assert.Equal</a:t>
+            </a:r>
+            <a:r>
+              <a:rPr lang="en-AU" sz="2800" dirty="0">
+                <a:solidFill>
+                  <a:srgbClr val="000000"/>
+                </a:solidFill>
+                <a:latin typeface="Consolas" panose="020B0609020204030204" pitchFamily="49" charset="0"/>
+              </a:rPr>
+              <a:t>(expected[</a:t>
+            </a:r>
+            <a:r>
+              <a:rPr lang="en-AU" sz="2800" dirty="0" err="1">
+                <a:solidFill>
+                  <a:srgbClr val="000000"/>
+                </a:solidFill>
+                <a:latin typeface="Consolas" panose="020B0609020204030204" pitchFamily="49" charset="0"/>
+              </a:rPr>
+              <a:t>i</a:t>
+            </a:r>
+            <a:r>
+              <a:rPr lang="en-AU" sz="2800" dirty="0">
+                <a:solidFill>
+                  <a:srgbClr val="000000"/>
+                </a:solidFill>
+                <a:latin typeface="Consolas" panose="020B0609020204030204" pitchFamily="49" charset="0"/>
+              </a:rPr>
+              <a:t>].</a:t>
+            </a:r>
+            <a:r>
+              <a:rPr lang="en-AU" sz="2800" dirty="0" err="1">
+                <a:solidFill>
+                  <a:srgbClr val="000000"/>
+                </a:solidFill>
+                <a:latin typeface="Consolas" panose="020B0609020204030204" pitchFamily="49" charset="0"/>
+              </a:rPr>
+              <a:t>PersonFirstName</a:t>
+            </a:r>
+            <a:r>
+              <a:rPr lang="en-AU" sz="2800" dirty="0">
+                <a:solidFill>
+                  <a:srgbClr val="000000"/>
+                </a:solidFill>
+                <a:latin typeface="Consolas" panose="020B0609020204030204" pitchFamily="49" charset="0"/>
+              </a:rPr>
+              <a:t>, actual[</a:t>
+            </a:r>
+            <a:r>
+              <a:rPr lang="en-AU" sz="2800" dirty="0" err="1">
+                <a:solidFill>
+                  <a:srgbClr val="000000"/>
+                </a:solidFill>
+                <a:latin typeface="Consolas" panose="020B0609020204030204" pitchFamily="49" charset="0"/>
+              </a:rPr>
+              <a:t>i</a:t>
+            </a:r>
+            <a:r>
+              <a:rPr lang="en-AU" sz="2800" dirty="0">
+                <a:solidFill>
+                  <a:srgbClr val="000000"/>
+                </a:solidFill>
+                <a:latin typeface="Consolas" panose="020B0609020204030204" pitchFamily="49" charset="0"/>
+              </a:rPr>
+              <a:t>].</a:t>
+            </a:r>
+            <a:r>
+              <a:rPr lang="en-AU" sz="2800" dirty="0" err="1">
+                <a:solidFill>
+                  <a:srgbClr val="000000"/>
+                </a:solidFill>
+                <a:latin typeface="Consolas" panose="020B0609020204030204" pitchFamily="49" charset="0"/>
+              </a:rPr>
+              <a:t>PersonFirstName</a:t>
+            </a:r>
+            <a:r>
+              <a:rPr lang="en-AU" sz="2800" dirty="0">
+                <a:solidFill>
+                  <a:srgbClr val="000000"/>
+                </a:solidFill>
+                <a:latin typeface="Consolas" panose="020B0609020204030204" pitchFamily="49" charset="0"/>
+              </a:rPr>
+              <a:t>);</a:t>
+            </a:r>
+          </a:p>
+          <a:p>
+            <a:pPr marL="0" indent="0">
+              <a:buNone/>
+            </a:pPr>
+            <a:r>
+              <a:rPr lang="en-AU" sz="2800" dirty="0">
+                <a:solidFill>
+                  <a:srgbClr val="000000"/>
+                </a:solidFill>
+                <a:latin typeface="Consolas" panose="020B0609020204030204" pitchFamily="49" charset="0"/>
+              </a:rPr>
+              <a:t>                    </a:t>
+            </a:r>
+            <a:r>
+              <a:rPr lang="en-AU" sz="2800" dirty="0" err="1">
+                <a:solidFill>
+                  <a:srgbClr val="000000"/>
+                </a:solidFill>
+                <a:latin typeface="Consolas" panose="020B0609020204030204" pitchFamily="49" charset="0"/>
+              </a:rPr>
+              <a:t>Assert.Equal</a:t>
+            </a:r>
+            <a:r>
+              <a:rPr lang="en-AU" sz="2800" dirty="0">
+                <a:solidFill>
+                  <a:srgbClr val="000000"/>
+                </a:solidFill>
+                <a:latin typeface="Consolas" panose="020B0609020204030204" pitchFamily="49" charset="0"/>
+              </a:rPr>
+              <a:t>(expected[</a:t>
+            </a:r>
+            <a:r>
+              <a:rPr lang="en-AU" sz="2800" dirty="0" err="1">
+                <a:solidFill>
+                  <a:srgbClr val="000000"/>
+                </a:solidFill>
+                <a:latin typeface="Consolas" panose="020B0609020204030204" pitchFamily="49" charset="0"/>
+              </a:rPr>
+              <a:t>i</a:t>
+            </a:r>
+            <a:r>
+              <a:rPr lang="en-AU" sz="2800" dirty="0">
+                <a:solidFill>
+                  <a:srgbClr val="000000"/>
+                </a:solidFill>
+                <a:latin typeface="Consolas" panose="020B0609020204030204" pitchFamily="49" charset="0"/>
+              </a:rPr>
+              <a:t>].</a:t>
+            </a:r>
+            <a:r>
+              <a:rPr lang="en-AU" sz="2800" dirty="0" err="1">
+                <a:solidFill>
+                  <a:srgbClr val="000000"/>
+                </a:solidFill>
+                <a:latin typeface="Consolas" panose="020B0609020204030204" pitchFamily="49" charset="0"/>
+              </a:rPr>
+              <a:t>PersonLastName</a:t>
+            </a:r>
+            <a:r>
+              <a:rPr lang="en-AU" sz="2800" dirty="0">
+                <a:solidFill>
+                  <a:srgbClr val="000000"/>
+                </a:solidFill>
+                <a:latin typeface="Consolas" panose="020B0609020204030204" pitchFamily="49" charset="0"/>
+              </a:rPr>
+              <a:t>, actual[</a:t>
+            </a:r>
+            <a:r>
+              <a:rPr lang="en-AU" sz="2800" dirty="0" err="1">
+                <a:solidFill>
+                  <a:srgbClr val="000000"/>
+                </a:solidFill>
+                <a:latin typeface="Consolas" panose="020B0609020204030204" pitchFamily="49" charset="0"/>
+              </a:rPr>
+              <a:t>i</a:t>
+            </a:r>
+            <a:r>
+              <a:rPr lang="en-AU" sz="2800" dirty="0">
+                <a:solidFill>
+                  <a:srgbClr val="000000"/>
+                </a:solidFill>
+                <a:latin typeface="Consolas" panose="020B0609020204030204" pitchFamily="49" charset="0"/>
+              </a:rPr>
+              <a:t>].</a:t>
+            </a:r>
+            <a:r>
+              <a:rPr lang="en-AU" sz="2800" dirty="0" err="1">
+                <a:solidFill>
+                  <a:srgbClr val="000000"/>
+                </a:solidFill>
+                <a:latin typeface="Consolas" panose="020B0609020204030204" pitchFamily="49" charset="0"/>
+              </a:rPr>
+              <a:t>PersonLastName</a:t>
+            </a:r>
+            <a:r>
+              <a:rPr lang="en-AU" sz="2800" dirty="0">
+                <a:solidFill>
+                  <a:srgbClr val="000000"/>
+                </a:solidFill>
+                <a:latin typeface="Consolas" panose="020B0609020204030204" pitchFamily="49" charset="0"/>
+              </a:rPr>
+              <a:t>);</a:t>
+            </a:r>
+          </a:p>
+          <a:p>
+            <a:pPr marL="0" indent="0">
+              <a:buNone/>
+            </a:pPr>
+            <a:r>
+              <a:rPr lang="en-AU" sz="2800" dirty="0">
+                <a:solidFill>
+                  <a:srgbClr val="000000"/>
+                </a:solidFill>
+                <a:latin typeface="Consolas" panose="020B0609020204030204" pitchFamily="49" charset="0"/>
+              </a:rPr>
+              <a:t>                }</a:t>
+            </a:r>
+          </a:p>
+          <a:p>
+            <a:pPr marL="0" indent="0">
+              <a:buNone/>
+            </a:pPr>
+            <a:r>
+              <a:rPr lang="en-AU" sz="2800" dirty="0">
+                <a:solidFill>
+                  <a:srgbClr val="000000"/>
+                </a:solidFill>
+                <a:latin typeface="Consolas" panose="020B0609020204030204" pitchFamily="49" charset="0"/>
+              </a:rPr>
+              <a:t>            }</a:t>
+            </a:r>
+          </a:p>
+        </p:txBody>
+      </p:sp>
+    </p:spTree>
+    <p:extLst>
+      <p:ext uri="{BB962C8B-B14F-4D97-AF65-F5344CB8AC3E}">
+        <p14:creationId xmlns:p14="http://schemas.microsoft.com/office/powerpoint/2010/main" val="2457689308"/>
+      </p:ext>
+    </p:extLst>
+  </p:cSld>
+  <p:clrMapOvr>
+    <a:masterClrMapping/>
+  </p:clrMapOvr>
+</p:sld>
+</file>
+
+<file path=ppt/slides/slide13.xml><?xml version="1.0" encoding="utf-8"?>
+<p:sld xmlns:a="http://schemas.openxmlformats.org/drawingml/2006/main" xmlns:r="http://schemas.openxmlformats.org/officeDocument/2006/relationships" xmlns:p="http://schemas.openxmlformats.org/presentationml/2006/main">
+  <p:cSld>
+    <p:spTree>
+      <p:nvGrpSpPr>
+        <p:cNvPr id="1" name=""/>
+        <p:cNvGrpSpPr/>
+        <p:nvPr/>
+      </p:nvGrpSpPr>
+      <p:grpSpPr>
+        <a:xfrm>
+          <a:off x="0" y="0"/>
+          <a:ext cx="0" cy="0"/>
+          <a:chOff x="0" y="0"/>
+          <a:chExt cx="0" cy="0"/>
+        </a:xfrm>
+      </p:grpSpPr>
+      <p:sp>
+        <p:nvSpPr>
+          <p:cNvPr id="2" name="Title 1">
+            <a:extLst>
+              <a:ext uri="{FF2B5EF4-FFF2-40B4-BE49-F238E27FC236}">
+                <a16:creationId xmlns:a16="http://schemas.microsoft.com/office/drawing/2014/main" id="{3244ADD6-AAA6-49EE-A0F8-17E1465E13A9}"/>
+              </a:ext>
+            </a:extLst>
+          </p:cNvPr>
+          <p:cNvSpPr>
+            <a:spLocks noGrp="1"/>
+          </p:cNvSpPr>
+          <p:nvPr>
+            <p:ph type="title"/>
+          </p:nvPr>
+        </p:nvSpPr>
+        <p:spPr/>
+        <p:txBody>
+          <a:bodyPr/>
+          <a:lstStyle/>
+          <a:p>
+            <a:r>
+              <a:rPr lang="en-AU" dirty="0"/>
+              <a:t>Sample List</a:t>
+            </a:r>
+          </a:p>
+        </p:txBody>
+      </p:sp>
+      <p:sp>
+        <p:nvSpPr>
+          <p:cNvPr id="3" name="Content Placeholder 2">
+            <a:extLst>
+              <a:ext uri="{FF2B5EF4-FFF2-40B4-BE49-F238E27FC236}">
+                <a16:creationId xmlns:a16="http://schemas.microsoft.com/office/drawing/2014/main" id="{9E41CAF8-FDA7-4A9F-9576-F2EFC7182582}"/>
+              </a:ext>
+            </a:extLst>
+          </p:cNvPr>
+          <p:cNvSpPr>
+            <a:spLocks noGrp="1"/>
+          </p:cNvSpPr>
+          <p:nvPr>
+            <p:ph idx="1"/>
+          </p:nvPr>
+        </p:nvSpPr>
+        <p:spPr/>
+        <p:txBody>
+          <a:bodyPr>
+            <a:normAutofit fontScale="55000" lnSpcReduction="20000"/>
+          </a:bodyPr>
+          <a:lstStyle/>
+          <a:p>
+            <a:pPr marL="0" indent="0">
+              <a:buNone/>
+            </a:pPr>
+            <a:r>
+              <a:rPr lang="en-AU" sz="2800" dirty="0">
+                <a:solidFill>
+                  <a:srgbClr val="0000FF"/>
+                </a:solidFill>
+                <a:latin typeface="Consolas" panose="020B0609020204030204" pitchFamily="49" charset="0"/>
+              </a:rPr>
+              <a:t>private</a:t>
+            </a:r>
+            <a:r>
+              <a:rPr lang="en-AU" sz="2800" dirty="0">
+                <a:solidFill>
+                  <a:srgbClr val="000000"/>
+                </a:solidFill>
+                <a:latin typeface="Consolas" panose="020B0609020204030204" pitchFamily="49" charset="0"/>
+              </a:rPr>
+              <a:t> List&lt;Person&gt; </a:t>
+            </a:r>
+            <a:r>
+              <a:rPr lang="en-AU" sz="2800" dirty="0" err="1">
+                <a:solidFill>
+                  <a:srgbClr val="000000"/>
+                </a:solidFill>
+                <a:latin typeface="Consolas" panose="020B0609020204030204" pitchFamily="49" charset="0"/>
+              </a:rPr>
+              <a:t>GetSamplePeople</a:t>
+            </a:r>
+            <a:r>
+              <a:rPr lang="en-AU" sz="2800" dirty="0">
+                <a:solidFill>
+                  <a:srgbClr val="000000"/>
+                </a:solidFill>
+                <a:latin typeface="Consolas" panose="020B0609020204030204" pitchFamily="49" charset="0"/>
+              </a:rPr>
+              <a:t>()</a:t>
+            </a:r>
+          </a:p>
+          <a:p>
+            <a:pPr marL="0" indent="0">
+              <a:buNone/>
+            </a:pPr>
+            <a:r>
+              <a:rPr lang="en-AU" sz="2800" dirty="0">
+                <a:solidFill>
+                  <a:srgbClr val="000000"/>
+                </a:solidFill>
+                <a:latin typeface="Consolas" panose="020B0609020204030204" pitchFamily="49" charset="0"/>
+              </a:rPr>
+              <a:t>        {</a:t>
+            </a:r>
+          </a:p>
+          <a:p>
+            <a:pPr marL="0" indent="0">
+              <a:buNone/>
+            </a:pPr>
+            <a:r>
+              <a:rPr lang="en-AU" sz="2800" dirty="0">
+                <a:solidFill>
+                  <a:srgbClr val="000000"/>
+                </a:solidFill>
+                <a:latin typeface="Consolas" panose="020B0609020204030204" pitchFamily="49" charset="0"/>
+              </a:rPr>
+              <a:t>            List&lt;Person&gt; output = </a:t>
+            </a:r>
+            <a:r>
+              <a:rPr lang="en-AU" sz="2800" dirty="0">
+                <a:solidFill>
+                  <a:srgbClr val="0000FF"/>
+                </a:solidFill>
+                <a:latin typeface="Consolas" panose="020B0609020204030204" pitchFamily="49" charset="0"/>
+              </a:rPr>
+              <a:t>new</a:t>
+            </a:r>
+            <a:r>
+              <a:rPr lang="en-AU" sz="2800" dirty="0">
+                <a:solidFill>
+                  <a:srgbClr val="000000"/>
+                </a:solidFill>
+                <a:latin typeface="Consolas" panose="020B0609020204030204" pitchFamily="49" charset="0"/>
+              </a:rPr>
+              <a:t> List&lt;Person&gt;</a:t>
+            </a:r>
+          </a:p>
+          <a:p>
+            <a:pPr marL="0" indent="0">
+              <a:buNone/>
+            </a:pPr>
+            <a:r>
+              <a:rPr lang="en-AU" sz="2800" dirty="0">
+                <a:solidFill>
+                  <a:srgbClr val="000000"/>
+                </a:solidFill>
+                <a:latin typeface="Consolas" panose="020B0609020204030204" pitchFamily="49" charset="0"/>
+              </a:rPr>
+              <a:t>            {</a:t>
+            </a:r>
+          </a:p>
+          <a:p>
+            <a:pPr marL="0" indent="0">
+              <a:buNone/>
+            </a:pPr>
+            <a:r>
+              <a:rPr lang="en-AU" sz="2800" dirty="0">
+                <a:solidFill>
+                  <a:srgbClr val="000000"/>
+                </a:solidFill>
+                <a:latin typeface="Consolas" panose="020B0609020204030204" pitchFamily="49" charset="0"/>
+              </a:rPr>
+              <a:t>                </a:t>
+            </a:r>
+            <a:r>
+              <a:rPr lang="en-AU" sz="2800" dirty="0">
+                <a:solidFill>
+                  <a:srgbClr val="0000FF"/>
+                </a:solidFill>
+                <a:latin typeface="Consolas" panose="020B0609020204030204" pitchFamily="49" charset="0"/>
+              </a:rPr>
+              <a:t>new</a:t>
+            </a:r>
+            <a:r>
+              <a:rPr lang="en-AU" sz="2800" dirty="0">
+                <a:solidFill>
+                  <a:srgbClr val="000000"/>
+                </a:solidFill>
+                <a:latin typeface="Consolas" panose="020B0609020204030204" pitchFamily="49" charset="0"/>
+              </a:rPr>
+              <a:t> Person</a:t>
+            </a:r>
+          </a:p>
+          <a:p>
+            <a:pPr marL="0" indent="0">
+              <a:buNone/>
+            </a:pPr>
+            <a:r>
+              <a:rPr lang="en-AU" sz="2800" dirty="0">
+                <a:solidFill>
+                  <a:srgbClr val="000000"/>
+                </a:solidFill>
+                <a:latin typeface="Consolas" panose="020B0609020204030204" pitchFamily="49" charset="0"/>
+              </a:rPr>
+              <a:t>                {</a:t>
+            </a:r>
+          </a:p>
+          <a:p>
+            <a:pPr marL="0" indent="0">
+              <a:buNone/>
+            </a:pPr>
+            <a:r>
+              <a:rPr lang="en-AU" sz="2800" dirty="0">
+                <a:solidFill>
+                  <a:srgbClr val="000000"/>
+                </a:solidFill>
+                <a:latin typeface="Consolas" panose="020B0609020204030204" pitchFamily="49" charset="0"/>
+              </a:rPr>
+              <a:t>                    </a:t>
+            </a:r>
+            <a:r>
+              <a:rPr lang="en-AU" sz="2800" dirty="0" err="1">
+                <a:solidFill>
+                  <a:srgbClr val="000000"/>
+                </a:solidFill>
+                <a:latin typeface="Consolas" panose="020B0609020204030204" pitchFamily="49" charset="0"/>
+              </a:rPr>
+              <a:t>PersonID</a:t>
+            </a:r>
+            <a:r>
+              <a:rPr lang="en-AU" sz="2800" dirty="0">
+                <a:solidFill>
+                  <a:srgbClr val="000000"/>
+                </a:solidFill>
+                <a:latin typeface="Consolas" panose="020B0609020204030204" pitchFamily="49" charset="0"/>
+              </a:rPr>
+              <a:t> = 0,</a:t>
+            </a:r>
+          </a:p>
+          <a:p>
+            <a:pPr marL="0" indent="0">
+              <a:buNone/>
+            </a:pPr>
+            <a:r>
+              <a:rPr lang="en-AU" sz="2800" dirty="0">
+                <a:solidFill>
+                  <a:srgbClr val="000000"/>
+                </a:solidFill>
+                <a:latin typeface="Consolas" panose="020B0609020204030204" pitchFamily="49" charset="0"/>
+              </a:rPr>
+              <a:t>                    </a:t>
+            </a:r>
+            <a:r>
+              <a:rPr lang="en-AU" sz="2800" dirty="0" err="1">
+                <a:solidFill>
+                  <a:srgbClr val="000000"/>
+                </a:solidFill>
+                <a:latin typeface="Consolas" panose="020B0609020204030204" pitchFamily="49" charset="0"/>
+              </a:rPr>
+              <a:t>PersonFirstName</a:t>
+            </a:r>
+            <a:r>
+              <a:rPr lang="en-AU" sz="2800" dirty="0">
+                <a:solidFill>
+                  <a:srgbClr val="000000"/>
+                </a:solidFill>
+                <a:latin typeface="Consolas" panose="020B0609020204030204" pitchFamily="49" charset="0"/>
+              </a:rPr>
+              <a:t> = </a:t>
+            </a:r>
+            <a:r>
+              <a:rPr lang="en-AU" sz="2800" dirty="0">
+                <a:solidFill>
+                  <a:srgbClr val="A31515"/>
+                </a:solidFill>
+                <a:latin typeface="Consolas" panose="020B0609020204030204" pitchFamily="49" charset="0"/>
+              </a:rPr>
+              <a:t>"</a:t>
+            </a:r>
+            <a:r>
+              <a:rPr lang="en-AU" sz="2800" dirty="0" err="1">
+                <a:solidFill>
+                  <a:srgbClr val="A31515"/>
+                </a:solidFill>
+                <a:latin typeface="Consolas" panose="020B0609020204030204" pitchFamily="49" charset="0"/>
+              </a:rPr>
+              <a:t>grewgre</a:t>
+            </a:r>
+            <a:r>
+              <a:rPr lang="en-AU" sz="2800" dirty="0">
+                <a:solidFill>
+                  <a:srgbClr val="A31515"/>
+                </a:solidFill>
+                <a:latin typeface="Consolas" panose="020B0609020204030204" pitchFamily="49" charset="0"/>
+              </a:rPr>
+              <a:t>"</a:t>
+            </a:r>
+            <a:r>
+              <a:rPr lang="en-AU" sz="2800" dirty="0">
+                <a:solidFill>
+                  <a:srgbClr val="000000"/>
+                </a:solidFill>
+                <a:latin typeface="Consolas" panose="020B0609020204030204" pitchFamily="49" charset="0"/>
+              </a:rPr>
+              <a:t>,</a:t>
+            </a:r>
+          </a:p>
+          <a:p>
+            <a:pPr marL="0" indent="0">
+              <a:buNone/>
+            </a:pPr>
+            <a:r>
+              <a:rPr lang="en-AU" sz="2800" dirty="0">
+                <a:solidFill>
+                  <a:srgbClr val="000000"/>
+                </a:solidFill>
+                <a:latin typeface="Consolas" panose="020B0609020204030204" pitchFamily="49" charset="0"/>
+              </a:rPr>
+              <a:t>                    </a:t>
+            </a:r>
+            <a:r>
+              <a:rPr lang="en-AU" sz="2800" dirty="0" err="1">
+                <a:solidFill>
+                  <a:srgbClr val="000000"/>
+                </a:solidFill>
+                <a:latin typeface="Consolas" panose="020B0609020204030204" pitchFamily="49" charset="0"/>
+              </a:rPr>
+              <a:t>PersonLastName</a:t>
+            </a:r>
+            <a:r>
+              <a:rPr lang="en-AU" sz="2800" dirty="0">
+                <a:solidFill>
+                  <a:srgbClr val="000000"/>
+                </a:solidFill>
+                <a:latin typeface="Consolas" panose="020B0609020204030204" pitchFamily="49" charset="0"/>
+              </a:rPr>
+              <a:t> = </a:t>
+            </a:r>
+            <a:r>
+              <a:rPr lang="en-AU" sz="2800" dirty="0">
+                <a:solidFill>
+                  <a:srgbClr val="A31515"/>
+                </a:solidFill>
+                <a:latin typeface="Consolas" panose="020B0609020204030204" pitchFamily="49" charset="0"/>
+              </a:rPr>
+              <a:t>"</a:t>
+            </a:r>
+            <a:r>
+              <a:rPr lang="en-AU" sz="2800" dirty="0" err="1">
+                <a:solidFill>
+                  <a:srgbClr val="A31515"/>
+                </a:solidFill>
+                <a:latin typeface="Consolas" panose="020B0609020204030204" pitchFamily="49" charset="0"/>
+              </a:rPr>
+              <a:t>rewgre</a:t>
+            </a:r>
+            <a:r>
+              <a:rPr lang="en-AU" sz="2800" dirty="0">
+                <a:solidFill>
+                  <a:srgbClr val="A31515"/>
+                </a:solidFill>
+                <a:latin typeface="Consolas" panose="020B0609020204030204" pitchFamily="49" charset="0"/>
+              </a:rPr>
+              <a:t>"</a:t>
+            </a:r>
+            <a:r>
+              <a:rPr lang="en-AU" sz="2800" dirty="0">
+                <a:solidFill>
+                  <a:srgbClr val="000000"/>
+                </a:solidFill>
+                <a:latin typeface="Consolas" panose="020B0609020204030204" pitchFamily="49" charset="0"/>
+              </a:rPr>
+              <a:t>,</a:t>
+            </a:r>
+          </a:p>
+          <a:p>
+            <a:pPr marL="0" indent="0">
+              <a:buNone/>
+            </a:pPr>
+            <a:r>
+              <a:rPr lang="en-AU" sz="2800" dirty="0">
+                <a:solidFill>
+                  <a:srgbClr val="000000"/>
+                </a:solidFill>
+                <a:latin typeface="Consolas" panose="020B0609020204030204" pitchFamily="49" charset="0"/>
+              </a:rPr>
+              <a:t>                    </a:t>
+            </a:r>
+            <a:r>
+              <a:rPr lang="en-AU" sz="2800" dirty="0" err="1">
+                <a:solidFill>
+                  <a:srgbClr val="000000"/>
+                </a:solidFill>
+                <a:latin typeface="Consolas" panose="020B0609020204030204" pitchFamily="49" charset="0"/>
+              </a:rPr>
+              <a:t>PersonEmail</a:t>
+            </a:r>
+            <a:r>
+              <a:rPr lang="en-AU" sz="2800" dirty="0">
+                <a:solidFill>
+                  <a:srgbClr val="000000"/>
+                </a:solidFill>
+                <a:latin typeface="Consolas" panose="020B0609020204030204" pitchFamily="49" charset="0"/>
+              </a:rPr>
+              <a:t> = </a:t>
+            </a:r>
+            <a:r>
+              <a:rPr lang="en-AU" sz="2800" dirty="0">
+                <a:solidFill>
+                  <a:srgbClr val="A31515"/>
+                </a:solidFill>
+                <a:latin typeface="Consolas" panose="020B0609020204030204" pitchFamily="49" charset="0"/>
+              </a:rPr>
+              <a:t>"</a:t>
+            </a:r>
+            <a:r>
+              <a:rPr lang="en-AU" sz="2800" dirty="0" err="1">
+                <a:solidFill>
+                  <a:srgbClr val="A31515"/>
+                </a:solidFill>
+                <a:latin typeface="Consolas" panose="020B0609020204030204" pitchFamily="49" charset="0"/>
+              </a:rPr>
+              <a:t>grewgre</a:t>
+            </a:r>
+            <a:r>
+              <a:rPr lang="en-AU" sz="2800" dirty="0">
+                <a:solidFill>
+                  <a:srgbClr val="A31515"/>
+                </a:solidFill>
+                <a:latin typeface="Consolas" panose="020B0609020204030204" pitchFamily="49" charset="0"/>
+              </a:rPr>
+              <a:t>"</a:t>
+            </a:r>
+            <a:r>
+              <a:rPr lang="en-AU" sz="2800" dirty="0">
+                <a:solidFill>
+                  <a:srgbClr val="000000"/>
+                </a:solidFill>
+                <a:latin typeface="Consolas" panose="020B0609020204030204" pitchFamily="49" charset="0"/>
+              </a:rPr>
+              <a:t>,</a:t>
+            </a:r>
+          </a:p>
+          <a:p>
+            <a:pPr marL="0" indent="0">
+              <a:buNone/>
+            </a:pPr>
+            <a:r>
+              <a:rPr lang="en-AU" sz="2800" dirty="0">
+                <a:solidFill>
+                  <a:srgbClr val="000000"/>
+                </a:solidFill>
+                <a:latin typeface="Consolas" panose="020B0609020204030204" pitchFamily="49" charset="0"/>
+              </a:rPr>
+              <a:t>                    </a:t>
+            </a:r>
+            <a:r>
+              <a:rPr lang="en-AU" sz="2800" dirty="0" err="1">
+                <a:solidFill>
+                  <a:srgbClr val="000000"/>
+                </a:solidFill>
+                <a:latin typeface="Consolas" panose="020B0609020204030204" pitchFamily="49" charset="0"/>
+              </a:rPr>
+              <a:t>PersonPhone</a:t>
+            </a:r>
+            <a:r>
+              <a:rPr lang="en-AU" sz="2800" dirty="0">
+                <a:solidFill>
+                  <a:srgbClr val="000000"/>
+                </a:solidFill>
+                <a:latin typeface="Consolas" panose="020B0609020204030204" pitchFamily="49" charset="0"/>
+              </a:rPr>
+              <a:t> = </a:t>
+            </a:r>
+            <a:r>
+              <a:rPr lang="en-AU" sz="2800" dirty="0">
+                <a:solidFill>
+                  <a:srgbClr val="A31515"/>
+                </a:solidFill>
+                <a:latin typeface="Consolas" panose="020B0609020204030204" pitchFamily="49" charset="0"/>
+              </a:rPr>
+              <a:t>"</a:t>
+            </a:r>
+            <a:r>
+              <a:rPr lang="en-AU" sz="2800" dirty="0" err="1">
+                <a:solidFill>
+                  <a:srgbClr val="A31515"/>
+                </a:solidFill>
+                <a:latin typeface="Consolas" panose="020B0609020204030204" pitchFamily="49" charset="0"/>
+              </a:rPr>
+              <a:t>ewgrewger</a:t>
+            </a:r>
+            <a:r>
+              <a:rPr lang="en-AU" sz="2800" dirty="0">
+                <a:solidFill>
+                  <a:srgbClr val="A31515"/>
+                </a:solidFill>
+                <a:latin typeface="Consolas" panose="020B0609020204030204" pitchFamily="49" charset="0"/>
+              </a:rPr>
+              <a:t>"</a:t>
+            </a:r>
+            <a:endParaRPr lang="en-AU" sz="2800" dirty="0">
+              <a:solidFill>
+                <a:srgbClr val="000000"/>
+              </a:solidFill>
+              <a:latin typeface="Consolas" panose="020B0609020204030204" pitchFamily="49" charset="0"/>
+            </a:endParaRPr>
+          </a:p>
+          <a:p>
+            <a:pPr marL="0" indent="0">
+              <a:buNone/>
+            </a:pPr>
+            <a:r>
+              <a:rPr lang="en-AU" sz="2800" dirty="0">
+                <a:solidFill>
+                  <a:srgbClr val="000000"/>
+                </a:solidFill>
+                <a:latin typeface="Consolas" panose="020B0609020204030204" pitchFamily="49" charset="0"/>
+              </a:rPr>
+              <a:t>                };</a:t>
+            </a:r>
+          </a:p>
+          <a:p>
+            <a:pPr marL="0" indent="0">
+              <a:buNone/>
+            </a:pPr>
+            <a:r>
+              <a:rPr lang="en-AU" sz="2800" dirty="0">
+                <a:solidFill>
+                  <a:srgbClr val="000000"/>
+                </a:solidFill>
+                <a:latin typeface="Consolas" panose="020B0609020204030204" pitchFamily="49" charset="0"/>
+              </a:rPr>
+              <a:t>            </a:t>
+            </a:r>
+            <a:r>
+              <a:rPr lang="en-AU" sz="2800" dirty="0">
+                <a:solidFill>
+                  <a:srgbClr val="0000FF"/>
+                </a:solidFill>
+                <a:latin typeface="Consolas" panose="020B0609020204030204" pitchFamily="49" charset="0"/>
+              </a:rPr>
+              <a:t>return</a:t>
+            </a:r>
+            <a:r>
+              <a:rPr lang="en-AU" sz="2800" dirty="0">
+                <a:solidFill>
+                  <a:srgbClr val="000000"/>
+                </a:solidFill>
+                <a:latin typeface="Consolas" panose="020B0609020204030204" pitchFamily="49" charset="0"/>
+              </a:rPr>
+              <a:t> output;</a:t>
+            </a:r>
+          </a:p>
+          <a:p>
+            <a:pPr marL="0" indent="0">
+              <a:buNone/>
+            </a:pPr>
+            <a:r>
+              <a:rPr lang="en-AU" sz="2800" dirty="0">
+                <a:solidFill>
+                  <a:srgbClr val="000000"/>
+                </a:solidFill>
+                <a:latin typeface="Consolas" panose="020B0609020204030204" pitchFamily="49" charset="0"/>
+              </a:rPr>
+              <a:t>        }</a:t>
+            </a:r>
+          </a:p>
+          <a:p>
+            <a:pPr marL="0" indent="0">
+              <a:buNone/>
+            </a:pPr>
+            <a:r>
+              <a:rPr lang="en-AU" sz="2800" dirty="0">
+                <a:solidFill>
+                  <a:srgbClr val="000000"/>
+                </a:solidFill>
+                <a:latin typeface="Consolas" panose="020B0609020204030204" pitchFamily="49" charset="0"/>
+              </a:rPr>
+              <a:t>    }</a:t>
+            </a:r>
+            <a:endParaRPr lang="en-AU" dirty="0"/>
+          </a:p>
+        </p:txBody>
+      </p:sp>
+    </p:spTree>
+    <p:extLst>
+      <p:ext uri="{BB962C8B-B14F-4D97-AF65-F5344CB8AC3E}">
+        <p14:creationId xmlns:p14="http://schemas.microsoft.com/office/powerpoint/2010/main" val="242723807"/>
+      </p:ext>
+    </p:extLst>
+  </p:cSld>
+  <p:clrMapOvr>
+    <a:masterClrMapping/>
+  </p:clrMapOvr>
+</p:sld>
+</file>
+
+<file path=ppt/slides/slide14.xml><?xml version="1.0" encoding="utf-8"?>
+<p:sld xmlns:a="http://schemas.openxmlformats.org/drawingml/2006/main" xmlns:r="http://schemas.openxmlformats.org/officeDocument/2006/relationships" xmlns:p="http://schemas.openxmlformats.org/presentationml/2006/main">
+  <p:cSld>
+    <p:spTree>
+      <p:nvGrpSpPr>
+        <p:cNvPr id="1" name=""/>
+        <p:cNvGrpSpPr/>
+        <p:nvPr/>
+      </p:nvGrpSpPr>
+      <p:grpSpPr>
+        <a:xfrm>
+          <a:off x="0" y="0"/>
+          <a:ext cx="0" cy="0"/>
+          <a:chOff x="0" y="0"/>
+          <a:chExt cx="0" cy="0"/>
+        </a:xfrm>
+      </p:grpSpPr>
+      <p:sp>
+        <p:nvSpPr>
+          <p:cNvPr id="2" name="Title 1">
+            <a:extLst>
+              <a:ext uri="{FF2B5EF4-FFF2-40B4-BE49-F238E27FC236}">
+                <a16:creationId xmlns:a16="http://schemas.microsoft.com/office/drawing/2014/main" id="{88518B33-E70E-4C60-91EF-A7B7A03F3E73}"/>
+              </a:ext>
+            </a:extLst>
+          </p:cNvPr>
+          <p:cNvSpPr>
+            <a:spLocks noGrp="1"/>
+          </p:cNvSpPr>
+          <p:nvPr>
+            <p:ph type="title"/>
+          </p:nvPr>
+        </p:nvSpPr>
+        <p:spPr/>
+        <p:txBody>
+          <a:bodyPr/>
+          <a:lstStyle/>
+          <a:p>
+            <a:r>
+              <a:rPr lang="en-AU" dirty="0"/>
+              <a:t>My experience with Unit and Mock testing</a:t>
+            </a:r>
+          </a:p>
+        </p:txBody>
+      </p:sp>
+      <p:sp>
+        <p:nvSpPr>
+          <p:cNvPr id="3" name="Content Placeholder 2">
+            <a:extLst>
+              <a:ext uri="{FF2B5EF4-FFF2-40B4-BE49-F238E27FC236}">
+                <a16:creationId xmlns:a16="http://schemas.microsoft.com/office/drawing/2014/main" id="{260A4E04-6D85-451E-8AAD-C924E46461EE}"/>
+              </a:ext>
+            </a:extLst>
+          </p:cNvPr>
+          <p:cNvSpPr>
+            <a:spLocks noGrp="1"/>
+          </p:cNvSpPr>
+          <p:nvPr>
+            <p:ph idx="1"/>
+          </p:nvPr>
+        </p:nvSpPr>
+        <p:spPr/>
+        <p:txBody>
+          <a:bodyPr>
+            <a:normAutofit/>
+          </a:bodyPr>
+          <a:lstStyle/>
+          <a:p>
+            <a:r>
+              <a:rPr lang="en-AU" sz="2000" dirty="0"/>
+              <a:t>Before implementation, I had no previous no knowledge of unit or mock testing and was rarely a topic during my university years as it was never assessed. Not even my coding YouTuber mentors had any videos on those topics.</a:t>
+            </a:r>
+          </a:p>
+          <a:p>
+            <a:r>
+              <a:rPr lang="en-AU" sz="2000" dirty="0"/>
+              <a:t>I was able to overcome this roadblock with the help of Tim Corey’s videos on </a:t>
+            </a:r>
+            <a:r>
+              <a:rPr lang="en-AU" sz="2000" dirty="0" err="1"/>
+              <a:t>xUnit</a:t>
+            </a:r>
+            <a:r>
+              <a:rPr lang="en-AU" sz="2000" dirty="0"/>
+              <a:t> and </a:t>
+            </a:r>
+            <a:r>
+              <a:rPr lang="en-AU" sz="2000" dirty="0" err="1"/>
+              <a:t>Moq</a:t>
+            </a:r>
+            <a:r>
+              <a:rPr lang="en-AU" sz="2000" dirty="0"/>
+              <a:t>. Those videos helped me out tremendously with finishing off my project.</a:t>
+            </a:r>
+          </a:p>
+          <a:p>
+            <a:r>
+              <a:rPr lang="en-AU" sz="2000" dirty="0"/>
+              <a:t>I discovered that while it was time consuming to build each unit test for each software component. It ensured me that every software component was achieving specified quality control.</a:t>
+            </a:r>
+          </a:p>
+          <a:p>
+            <a:r>
+              <a:rPr lang="en-AU" sz="2000" dirty="0"/>
+              <a:t>Unit and Mock Testing also simplified the debugging process and made code refactoring much more simple.</a:t>
+            </a:r>
+          </a:p>
+          <a:p>
+            <a:r>
+              <a:rPr lang="en-AU" sz="2000" dirty="0"/>
+              <a:t>Unit and Mock Testing should be used to detect any early bugs in the software during the development phase.</a:t>
+            </a:r>
+          </a:p>
+        </p:txBody>
+      </p:sp>
+    </p:spTree>
+    <p:extLst>
+      <p:ext uri="{BB962C8B-B14F-4D97-AF65-F5344CB8AC3E}">
+        <p14:creationId xmlns:p14="http://schemas.microsoft.com/office/powerpoint/2010/main" val="3199231867"/>
+      </p:ext>
+    </p:extLst>
+  </p:cSld>
+  <p:clrMapOvr>
+    <a:masterClrMapping/>
+  </p:clrMapOvr>
+</p:sld>
+</file>
+
+<file path=ppt/slides/slide15.xml><?xml version="1.0" encoding="utf-8"?>
 <p:sld xmlns:a="http://schemas.openxmlformats.org/drawingml/2006/main" xmlns:r="http://schemas.openxmlformats.org/officeDocument/2006/relationships" xmlns:p="http://schemas.openxmlformats.org/presentationml/2006/main">
   <p:cSld>
     <p:spTree>
@@ -4132,7 +7650,2994 @@
 </p:sld>
 </file>
 
-<file path=ppt/slides/slide11.xml><?xml version="1.0" encoding="utf-8"?>
+<file path=ppt/slides/slide16.xml><?xml version="1.0" encoding="utf-8"?>
+<p:sld xmlns:a="http://schemas.openxmlformats.org/drawingml/2006/main" xmlns:r="http://schemas.openxmlformats.org/officeDocument/2006/relationships" xmlns:p="http://schemas.openxmlformats.org/presentationml/2006/main">
+  <p:cSld>
+    <p:spTree>
+      <p:nvGrpSpPr>
+        <p:cNvPr id="1" name=""/>
+        <p:cNvGrpSpPr/>
+        <p:nvPr/>
+      </p:nvGrpSpPr>
+      <p:grpSpPr>
+        <a:xfrm>
+          <a:off x="0" y="0"/>
+          <a:ext cx="0" cy="0"/>
+          <a:chOff x="0" y="0"/>
+          <a:chExt cx="0" cy="0"/>
+        </a:xfrm>
+      </p:grpSpPr>
+      <p:sp>
+        <p:nvSpPr>
+          <p:cNvPr id="2" name="Title 1">
+            <a:extLst>
+              <a:ext uri="{FF2B5EF4-FFF2-40B4-BE49-F238E27FC236}">
+                <a16:creationId xmlns:a16="http://schemas.microsoft.com/office/drawing/2014/main" id="{0E9434A6-F991-4B65-B978-B79623C877A5}"/>
+              </a:ext>
+            </a:extLst>
+          </p:cNvPr>
+          <p:cNvSpPr>
+            <a:spLocks noGrp="1"/>
+          </p:cNvSpPr>
+          <p:nvPr>
+            <p:ph type="title"/>
+          </p:nvPr>
+        </p:nvSpPr>
+        <p:spPr/>
+        <p:txBody>
+          <a:bodyPr/>
+          <a:lstStyle/>
+          <a:p>
+            <a:r>
+              <a:rPr lang="en-AU" dirty="0"/>
+              <a:t>Conclusion</a:t>
+            </a:r>
+          </a:p>
+        </p:txBody>
+      </p:sp>
+      <p:sp>
+        <p:nvSpPr>
+          <p:cNvPr id="3" name="Content Placeholder 2">
+            <a:extLst>
+              <a:ext uri="{FF2B5EF4-FFF2-40B4-BE49-F238E27FC236}">
+                <a16:creationId xmlns:a16="http://schemas.microsoft.com/office/drawing/2014/main" id="{147E103A-CCDC-4E86-A2E5-32ABD2E72C52}"/>
+              </a:ext>
+            </a:extLst>
+          </p:cNvPr>
+          <p:cNvSpPr>
+            <a:spLocks noGrp="1"/>
+          </p:cNvSpPr>
+          <p:nvPr>
+            <p:ph idx="1"/>
+          </p:nvPr>
+        </p:nvSpPr>
+        <p:spPr/>
+        <p:txBody>
+          <a:bodyPr>
+            <a:normAutofit/>
+          </a:bodyPr>
+          <a:lstStyle/>
+          <a:p>
+            <a:r>
+              <a:rPr lang="en-AU" dirty="0"/>
+              <a:t>My overall thoughts.</a:t>
+            </a:r>
+          </a:p>
+          <a:p>
+            <a:endParaRPr lang="en-AU" dirty="0"/>
+          </a:p>
+        </p:txBody>
+      </p:sp>
+    </p:spTree>
+    <p:extLst>
+      <p:ext uri="{BB962C8B-B14F-4D97-AF65-F5344CB8AC3E}">
+        <p14:creationId xmlns:p14="http://schemas.microsoft.com/office/powerpoint/2010/main" val="48871430"/>
+      </p:ext>
+    </p:extLst>
+  </p:cSld>
+  <p:clrMapOvr>
+    <a:masterClrMapping/>
+  </p:clrMapOvr>
+</p:sld>
+</file>
+
+<file path=ppt/slides/slide17.xml><?xml version="1.0" encoding="utf-8"?>
+<p:sld xmlns:a="http://schemas.openxmlformats.org/drawingml/2006/main" xmlns:r="http://schemas.openxmlformats.org/officeDocument/2006/relationships" xmlns:p="http://schemas.openxmlformats.org/presentationml/2006/main">
+  <p:cSld>
+    <p:spTree>
+      <p:nvGrpSpPr>
+        <p:cNvPr id="1" name=""/>
+        <p:cNvGrpSpPr/>
+        <p:nvPr/>
+      </p:nvGrpSpPr>
+      <p:grpSpPr>
+        <a:xfrm>
+          <a:off x="0" y="0"/>
+          <a:ext cx="0" cy="0"/>
+          <a:chOff x="0" y="0"/>
+          <a:chExt cx="0" cy="0"/>
+        </a:xfrm>
+      </p:grpSpPr>
+      <p:sp>
+        <p:nvSpPr>
+          <p:cNvPr id="2" name="Title 1">
+            <a:extLst>
+              <a:ext uri="{FF2B5EF4-FFF2-40B4-BE49-F238E27FC236}">
+                <a16:creationId xmlns:a16="http://schemas.microsoft.com/office/drawing/2014/main" id="{5CEF6824-8784-4089-AD39-EAD045A005CC}"/>
+              </a:ext>
+            </a:extLst>
+          </p:cNvPr>
+          <p:cNvSpPr>
+            <a:spLocks noGrp="1"/>
+          </p:cNvSpPr>
+          <p:nvPr>
+            <p:ph type="title"/>
+          </p:nvPr>
+        </p:nvSpPr>
+        <p:spPr/>
+        <p:txBody>
+          <a:bodyPr/>
+          <a:lstStyle/>
+          <a:p>
+            <a:r>
+              <a:rPr lang="en-AU" dirty="0"/>
+              <a:t>Thank you for Listening</a:t>
+            </a:r>
+          </a:p>
+        </p:txBody>
+      </p:sp>
+      <p:sp>
+        <p:nvSpPr>
+          <p:cNvPr id="3" name="Content Placeholder 2">
+            <a:extLst>
+              <a:ext uri="{FF2B5EF4-FFF2-40B4-BE49-F238E27FC236}">
+                <a16:creationId xmlns:a16="http://schemas.microsoft.com/office/drawing/2014/main" id="{B68D4827-301C-4FB1-9184-11BEA2C9334E}"/>
+              </a:ext>
+            </a:extLst>
+          </p:cNvPr>
+          <p:cNvSpPr>
+            <a:spLocks noGrp="1"/>
+          </p:cNvSpPr>
+          <p:nvPr>
+            <p:ph idx="1"/>
+          </p:nvPr>
+        </p:nvSpPr>
+        <p:spPr/>
+        <p:txBody>
+          <a:bodyPr/>
+          <a:lstStyle/>
+          <a:p>
+            <a:r>
+              <a:rPr lang="en-AU" dirty="0"/>
+              <a:t>Any questions?</a:t>
+            </a:r>
+          </a:p>
+        </p:txBody>
+      </p:sp>
+    </p:spTree>
+    <p:extLst>
+      <p:ext uri="{BB962C8B-B14F-4D97-AF65-F5344CB8AC3E}">
+        <p14:creationId xmlns:p14="http://schemas.microsoft.com/office/powerpoint/2010/main" val="3530064586"/>
+      </p:ext>
+    </p:extLst>
+  </p:cSld>
+  <p:clrMapOvr>
+    <a:masterClrMapping/>
+  </p:clrMapOvr>
+</p:sld>
+</file>
+
+<file path=ppt/slides/slide2.xml><?xml version="1.0" encoding="utf-8"?>
+<p:sld xmlns:a="http://schemas.openxmlformats.org/drawingml/2006/main" xmlns:r="http://schemas.openxmlformats.org/officeDocument/2006/relationships" xmlns:p="http://schemas.openxmlformats.org/presentationml/2006/main">
+  <p:cSld>
+    <p:spTree>
+      <p:nvGrpSpPr>
+        <p:cNvPr id="1" name=""/>
+        <p:cNvGrpSpPr/>
+        <p:nvPr/>
+      </p:nvGrpSpPr>
+      <p:grpSpPr>
+        <a:xfrm>
+          <a:off x="0" y="0"/>
+          <a:ext cx="0" cy="0"/>
+          <a:chOff x="0" y="0"/>
+          <a:chExt cx="0" cy="0"/>
+        </a:xfrm>
+      </p:grpSpPr>
+      <p:sp>
+        <p:nvSpPr>
+          <p:cNvPr id="2" name="Title 1">
+            <a:extLst>
+              <a:ext uri="{FF2B5EF4-FFF2-40B4-BE49-F238E27FC236}">
+                <a16:creationId xmlns:a16="http://schemas.microsoft.com/office/drawing/2014/main" id="{E2D4E33F-37D9-4014-9A83-FD934F0A57CE}"/>
+              </a:ext>
+            </a:extLst>
+          </p:cNvPr>
+          <p:cNvSpPr>
+            <a:spLocks noGrp="1"/>
+          </p:cNvSpPr>
+          <p:nvPr>
+            <p:ph type="title"/>
+          </p:nvPr>
+        </p:nvSpPr>
+        <p:spPr/>
+        <p:txBody>
+          <a:bodyPr/>
+          <a:lstStyle/>
+          <a:p>
+            <a:r>
+              <a:rPr lang="en-AU" dirty="0"/>
+              <a:t>Agenda</a:t>
+            </a:r>
+          </a:p>
+        </p:txBody>
+      </p:sp>
+      <p:sp>
+        <p:nvSpPr>
+          <p:cNvPr id="3" name="Content Placeholder 2">
+            <a:extLst>
+              <a:ext uri="{FF2B5EF4-FFF2-40B4-BE49-F238E27FC236}">
+                <a16:creationId xmlns:a16="http://schemas.microsoft.com/office/drawing/2014/main" id="{E5D2E328-C345-4995-8A79-C049302BF3C4}"/>
+              </a:ext>
+            </a:extLst>
+          </p:cNvPr>
+          <p:cNvSpPr>
+            <a:spLocks noGrp="1"/>
+          </p:cNvSpPr>
+          <p:nvPr>
+            <p:ph idx="1"/>
+          </p:nvPr>
+        </p:nvSpPr>
+        <p:spPr/>
+        <p:txBody>
+          <a:bodyPr/>
+          <a:lstStyle/>
+          <a:p>
+            <a:r>
+              <a:rPr lang="en-AU" dirty="0"/>
+              <a:t>What is the project?</a:t>
+            </a:r>
+          </a:p>
+          <a:p>
+            <a:r>
+              <a:rPr lang="en-AU" dirty="0"/>
+              <a:t>UI demo</a:t>
+            </a:r>
+          </a:p>
+          <a:p>
+            <a:r>
+              <a:rPr lang="en-AU" dirty="0"/>
+              <a:t>What is Unit and Mock testing?</a:t>
+            </a:r>
+          </a:p>
+          <a:p>
+            <a:r>
+              <a:rPr lang="en-AU" dirty="0"/>
+              <a:t>My experience with </a:t>
+            </a:r>
+            <a:r>
+              <a:rPr lang="en-AU" dirty="0" err="1"/>
+              <a:t>xUnit</a:t>
+            </a:r>
+            <a:r>
+              <a:rPr lang="en-AU" dirty="0"/>
+              <a:t> and </a:t>
+            </a:r>
+            <a:r>
+              <a:rPr lang="en-AU" dirty="0" err="1"/>
+              <a:t>Moq</a:t>
+            </a:r>
+            <a:r>
+              <a:rPr lang="en-AU" dirty="0"/>
+              <a:t> testing</a:t>
+            </a:r>
+          </a:p>
+          <a:p>
+            <a:r>
+              <a:rPr lang="en-AU" dirty="0"/>
+              <a:t>Entity Framework vs Dapper</a:t>
+            </a:r>
+          </a:p>
+        </p:txBody>
+      </p:sp>
+    </p:spTree>
+    <p:extLst>
+      <p:ext uri="{BB962C8B-B14F-4D97-AF65-F5344CB8AC3E}">
+        <p14:creationId xmlns:p14="http://schemas.microsoft.com/office/powerpoint/2010/main" val="2382921116"/>
+      </p:ext>
+    </p:extLst>
+  </p:cSld>
+  <p:clrMapOvr>
+    <a:masterClrMapping/>
+  </p:clrMapOvr>
+</p:sld>
+</file>
+
+<file path=ppt/slides/slide3.xml><?xml version="1.0" encoding="utf-8"?>
+<p:sld xmlns:a="http://schemas.openxmlformats.org/drawingml/2006/main" xmlns:r="http://schemas.openxmlformats.org/officeDocument/2006/relationships" xmlns:p="http://schemas.openxmlformats.org/presentationml/2006/main">
+  <p:cSld>
+    <p:spTree>
+      <p:nvGrpSpPr>
+        <p:cNvPr id="1" name=""/>
+        <p:cNvGrpSpPr/>
+        <p:nvPr/>
+      </p:nvGrpSpPr>
+      <p:grpSpPr>
+        <a:xfrm>
+          <a:off x="0" y="0"/>
+          <a:ext cx="0" cy="0"/>
+          <a:chOff x="0" y="0"/>
+          <a:chExt cx="0" cy="0"/>
+        </a:xfrm>
+      </p:grpSpPr>
+      <p:sp>
+        <p:nvSpPr>
+          <p:cNvPr id="2" name="Title 1">
+            <a:extLst>
+              <a:ext uri="{FF2B5EF4-FFF2-40B4-BE49-F238E27FC236}">
+                <a16:creationId xmlns:a16="http://schemas.microsoft.com/office/drawing/2014/main" id="{88518B33-E70E-4C60-91EF-A7B7A03F3E73}"/>
+              </a:ext>
+            </a:extLst>
+          </p:cNvPr>
+          <p:cNvSpPr>
+            <a:spLocks noGrp="1"/>
+          </p:cNvSpPr>
+          <p:nvPr>
+            <p:ph type="title"/>
+          </p:nvPr>
+        </p:nvSpPr>
+        <p:spPr/>
+        <p:txBody>
+          <a:bodyPr/>
+          <a:lstStyle/>
+          <a:p>
+            <a:r>
+              <a:rPr lang="en-AU" dirty="0"/>
+              <a:t>What is the project?</a:t>
+            </a:r>
+          </a:p>
+        </p:txBody>
+      </p:sp>
+      <p:sp>
+        <p:nvSpPr>
+          <p:cNvPr id="3" name="Content Placeholder 2">
+            <a:extLst>
+              <a:ext uri="{FF2B5EF4-FFF2-40B4-BE49-F238E27FC236}">
+                <a16:creationId xmlns:a16="http://schemas.microsoft.com/office/drawing/2014/main" id="{260A4E04-6D85-451E-8AAD-C924E46461EE}"/>
+              </a:ext>
+            </a:extLst>
+          </p:cNvPr>
+          <p:cNvSpPr>
+            <a:spLocks noGrp="1"/>
+          </p:cNvSpPr>
+          <p:nvPr>
+            <p:ph idx="1"/>
+          </p:nvPr>
+        </p:nvSpPr>
+        <p:spPr/>
+        <p:txBody>
+          <a:bodyPr/>
+          <a:lstStyle/>
+          <a:p>
+            <a:r>
+              <a:rPr lang="en-AU" dirty="0"/>
+              <a:t>The project is Dashboard UI which incorporates the ability to create, read, update and delete people.</a:t>
+            </a:r>
+          </a:p>
+          <a:p>
+            <a:r>
+              <a:rPr lang="en-AU" dirty="0"/>
+              <a:t>The project was solved using C# and SQL. The SQL server was MSSQL and </a:t>
+            </a:r>
+          </a:p>
+          <a:p>
+            <a:r>
+              <a:rPr lang="en-AU" dirty="0"/>
+              <a:t>Testing was solved using </a:t>
+            </a:r>
+            <a:r>
+              <a:rPr lang="en-AU" dirty="0" err="1"/>
+              <a:t>xUnit</a:t>
+            </a:r>
+            <a:r>
+              <a:rPr lang="en-AU" dirty="0"/>
+              <a:t> and </a:t>
+            </a:r>
+            <a:r>
+              <a:rPr lang="en-AU" dirty="0" err="1"/>
+              <a:t>Moq</a:t>
+            </a:r>
+            <a:r>
+              <a:rPr lang="en-AU" dirty="0"/>
+              <a:t> testing.</a:t>
+            </a:r>
+          </a:p>
+        </p:txBody>
+      </p:sp>
+    </p:spTree>
+    <p:extLst>
+      <p:ext uri="{BB962C8B-B14F-4D97-AF65-F5344CB8AC3E}">
+        <p14:creationId xmlns:p14="http://schemas.microsoft.com/office/powerpoint/2010/main" val="1529232628"/>
+      </p:ext>
+    </p:extLst>
+  </p:cSld>
+  <p:clrMapOvr>
+    <a:masterClrMapping/>
+  </p:clrMapOvr>
+</p:sld>
+</file>
+
+<file path=ppt/slides/slide4.xml><?xml version="1.0" encoding="utf-8"?>
+<p:sld xmlns:a="http://schemas.openxmlformats.org/drawingml/2006/main" xmlns:r="http://schemas.openxmlformats.org/officeDocument/2006/relationships" xmlns:p="http://schemas.openxmlformats.org/presentationml/2006/main">
+  <p:cSld>
+    <p:bg>
+      <p:bgPr>
+        <a:solidFill>
+          <a:schemeClr val="bg1"/>
+        </a:solidFill>
+        <a:effectLst/>
+      </p:bgPr>
+    </p:bg>
+    <p:spTree>
+      <p:nvGrpSpPr>
+        <p:cNvPr id="1" name=""/>
+        <p:cNvGrpSpPr/>
+        <p:nvPr/>
+      </p:nvGrpSpPr>
+      <p:grpSpPr>
+        <a:xfrm>
+          <a:off x="0" y="0"/>
+          <a:ext cx="0" cy="0"/>
+          <a:chOff x="0" y="0"/>
+          <a:chExt cx="0" cy="0"/>
+        </a:xfrm>
+      </p:grpSpPr>
+      <p:sp useBgFill="1">
+        <p:nvSpPr>
+          <p:cNvPr id="15" name="Rectangle 14">
+            <a:extLst>
+              <a:ext uri="{FF2B5EF4-FFF2-40B4-BE49-F238E27FC236}">
+                <a16:creationId xmlns:a16="http://schemas.microsoft.com/office/drawing/2014/main" id="{53F29798-D584-4792-9B62-3F5F5C36D619}"/>
+              </a:ext>
+              <a:ext uri="{C183D7F6-B498-43B3-948B-1728B52AA6E4}">
+                <adec:decorative xmlns:adec="http://schemas.microsoft.com/office/drawing/2017/decorative" val="1"/>
+              </a:ext>
+            </a:extLst>
+          </p:cNvPr>
+          <p:cNvSpPr>
+            <a:spLocks noGrp="1" noRot="1" noChangeAspect="1" noMove="1" noResize="1" noEditPoints="1" noAdjustHandles="1" noChangeArrowheads="1" noChangeShapeType="1" noTextEdit="1"/>
+          </p:cNvSpPr>
+          <p:nvPr>
+            <p:extLst>
+              <p:ext uri="{386F3935-93C4-4BCD-93E2-E3B085C9AB24}">
+                <p16:designElem xmlns:p16="http://schemas.microsoft.com/office/powerpoint/2015/main" val="1"/>
+              </p:ext>
+            </p:extLst>
+          </p:nvPr>
+        </p:nvSpPr>
+        <p:spPr>
+          <a:xfrm>
+            <a:off x="0" y="0"/>
+            <a:ext cx="12188952" cy="6858000"/>
+          </a:xfrm>
+          <a:prstGeom prst="rect">
+            <a:avLst/>
+          </a:prstGeom>
+          <a:ln>
+            <a:noFill/>
+          </a:ln>
+        </p:spPr>
+        <p:style>
+          <a:lnRef idx="2">
+            <a:schemeClr val="accent1">
+              <a:shade val="50000"/>
+            </a:schemeClr>
+          </a:lnRef>
+          <a:fillRef idx="1">
+            <a:schemeClr val="accent1"/>
+          </a:fillRef>
+          <a:effectRef idx="0">
+            <a:schemeClr val="accent1"/>
+          </a:effectRef>
+          <a:fontRef idx="minor">
+            <a:schemeClr val="lt1"/>
+          </a:fontRef>
+        </p:style>
+        <p:txBody>
+          <a:bodyPr rtlCol="0" anchor="ctr"/>
+          <a:lstStyle/>
+          <a:p>
+            <a:pPr algn="ctr"/>
+            <a:endParaRPr lang="en-US"/>
+          </a:p>
+        </p:txBody>
+      </p:sp>
+      <p:sp>
+        <p:nvSpPr>
+          <p:cNvPr id="2" name="Title 1">
+            <a:extLst>
+              <a:ext uri="{FF2B5EF4-FFF2-40B4-BE49-F238E27FC236}">
+                <a16:creationId xmlns:a16="http://schemas.microsoft.com/office/drawing/2014/main" id="{DA00922E-529A-4A64-BF28-C102EC40323B}"/>
+              </a:ext>
+            </a:extLst>
+          </p:cNvPr>
+          <p:cNvSpPr>
+            <a:spLocks noGrp="1"/>
+          </p:cNvSpPr>
+          <p:nvPr>
+            <p:ph type="title"/>
+          </p:nvPr>
+        </p:nvSpPr>
+        <p:spPr>
+          <a:xfrm>
+            <a:off x="838200" y="184805"/>
+            <a:ext cx="10515600" cy="1505883"/>
+          </a:xfrm>
+        </p:spPr>
+        <p:txBody>
+          <a:bodyPr vert="horz" lIns="91440" tIns="45720" rIns="91440" bIns="45720" rtlCol="0" anchor="ctr">
+            <a:normAutofit/>
+          </a:bodyPr>
+          <a:lstStyle/>
+          <a:p>
+            <a:r>
+              <a:rPr lang="en-US" sz="5200" kern="1200" dirty="0">
+                <a:solidFill>
+                  <a:schemeClr val="tx1"/>
+                </a:solidFill>
+                <a:latin typeface="+mj-lt"/>
+                <a:ea typeface="+mj-ea"/>
+                <a:cs typeface="+mj-cs"/>
+              </a:rPr>
+              <a:t>UI demo</a:t>
+            </a:r>
+          </a:p>
+        </p:txBody>
+      </p:sp>
+      <p:pic>
+        <p:nvPicPr>
+          <p:cNvPr id="5" name="Picture 4" descr="The Dashboard will always load with the Read All query executed.&#10;">
+            <a:extLst>
+              <a:ext uri="{FF2B5EF4-FFF2-40B4-BE49-F238E27FC236}">
+                <a16:creationId xmlns:a16="http://schemas.microsoft.com/office/drawing/2014/main" id="{0525851C-855A-42CA-93C4-4C2AA44335B0}"/>
+              </a:ext>
+              <a:ext uri="{C183D7F6-B498-43B3-948B-1728B52AA6E4}">
+                <adec:decorative xmlns:adec="http://schemas.microsoft.com/office/drawing/2017/decorative" val="0"/>
+              </a:ext>
+            </a:extLst>
+          </p:cNvPr>
+          <p:cNvPicPr>
+            <a:picLocks noChangeAspect="1"/>
+          </p:cNvPicPr>
+          <p:nvPr/>
+        </p:nvPicPr>
+        <p:blipFill>
+          <a:blip r:embed="rId2">
+            <a:extLst>
+              <a:ext uri="{28A0092B-C50C-407E-A947-70E740481C1C}">
+                <a14:useLocalDpi xmlns:a14="http://schemas.microsoft.com/office/drawing/2010/main" val="0"/>
+              </a:ext>
+            </a:extLst>
+          </a:blip>
+          <a:stretch>
+            <a:fillRect/>
+          </a:stretch>
+        </p:blipFill>
+        <p:spPr>
+          <a:xfrm>
+            <a:off x="838200" y="1941787"/>
+            <a:ext cx="10512547" cy="4257580"/>
+          </a:xfrm>
+          <a:prstGeom prst="rect">
+            <a:avLst/>
+          </a:prstGeom>
+        </p:spPr>
+      </p:pic>
+    </p:spTree>
+    <p:extLst>
+      <p:ext uri="{BB962C8B-B14F-4D97-AF65-F5344CB8AC3E}">
+        <p14:creationId xmlns:p14="http://schemas.microsoft.com/office/powerpoint/2010/main" val="1143178418"/>
+      </p:ext>
+    </p:extLst>
+  </p:cSld>
+  <p:clrMapOvr>
+    <a:masterClrMapping/>
+  </p:clrMapOvr>
+</p:sld>
+</file>
+
+<file path=ppt/slides/slide5.xml><?xml version="1.0" encoding="utf-8"?>
+<p:sld xmlns:a="http://schemas.openxmlformats.org/drawingml/2006/main" xmlns:r="http://schemas.openxmlformats.org/officeDocument/2006/relationships" xmlns:p="http://schemas.openxmlformats.org/presentationml/2006/main">
+  <p:cSld>
+    <p:spTree>
+      <p:nvGrpSpPr>
+        <p:cNvPr id="1" name=""/>
+        <p:cNvGrpSpPr/>
+        <p:nvPr/>
+      </p:nvGrpSpPr>
+      <p:grpSpPr>
+        <a:xfrm>
+          <a:off x="0" y="0"/>
+          <a:ext cx="0" cy="0"/>
+          <a:chOff x="0" y="0"/>
+          <a:chExt cx="0" cy="0"/>
+        </a:xfrm>
+      </p:grpSpPr>
+      <p:sp>
+        <p:nvSpPr>
+          <p:cNvPr id="2" name="Title 1">
+            <a:extLst>
+              <a:ext uri="{FF2B5EF4-FFF2-40B4-BE49-F238E27FC236}">
+                <a16:creationId xmlns:a16="http://schemas.microsoft.com/office/drawing/2014/main" id="{549D7D31-BA83-4698-AA2C-007219E5F1FD}"/>
+              </a:ext>
+            </a:extLst>
+          </p:cNvPr>
+          <p:cNvSpPr>
+            <a:spLocks noGrp="1"/>
+          </p:cNvSpPr>
+          <p:nvPr>
+            <p:ph type="title"/>
+          </p:nvPr>
+        </p:nvSpPr>
+        <p:spPr/>
+        <p:txBody>
+          <a:bodyPr/>
+          <a:lstStyle/>
+          <a:p>
+            <a:r>
+              <a:rPr lang="en-AU" dirty="0"/>
+              <a:t>Architecture for “People Manager” App</a:t>
+            </a:r>
+          </a:p>
+        </p:txBody>
+      </p:sp>
+      <p:sp>
+        <p:nvSpPr>
+          <p:cNvPr id="4" name="Rectangle 3">
+            <a:extLst>
+              <a:ext uri="{FF2B5EF4-FFF2-40B4-BE49-F238E27FC236}">
+                <a16:creationId xmlns:a16="http://schemas.microsoft.com/office/drawing/2014/main" id="{9348A423-608A-4CDD-8EE8-28C52F23CF41}"/>
+              </a:ext>
+            </a:extLst>
+          </p:cNvPr>
+          <p:cNvSpPr/>
+          <p:nvPr/>
+        </p:nvSpPr>
+        <p:spPr>
+          <a:xfrm>
+            <a:off x="5587066" y="3429000"/>
+            <a:ext cx="1770077" cy="864066"/>
+          </a:xfrm>
+          <a:prstGeom prst="rect">
+            <a:avLst/>
+          </a:prstGeom>
+        </p:spPr>
+        <p:style>
+          <a:lnRef idx="2">
+            <a:schemeClr val="accent1">
+              <a:shade val="50000"/>
+            </a:schemeClr>
+          </a:lnRef>
+          <a:fillRef idx="1">
+            <a:schemeClr val="accent1"/>
+          </a:fillRef>
+          <a:effectRef idx="0">
+            <a:schemeClr val="accent1"/>
+          </a:effectRef>
+          <a:fontRef idx="minor">
+            <a:schemeClr val="lt1"/>
+          </a:fontRef>
+        </p:style>
+        <p:txBody>
+          <a:bodyPr rtlCol="0" anchor="ctr"/>
+          <a:lstStyle/>
+          <a:p>
+            <a:pPr algn="ctr"/>
+            <a:r>
+              <a:rPr lang="en-AU" dirty="0"/>
+              <a:t>UI</a:t>
+            </a:r>
+          </a:p>
+        </p:txBody>
+      </p:sp>
+      <p:sp>
+        <p:nvSpPr>
+          <p:cNvPr id="5" name="Cylinder 4">
+            <a:extLst>
+              <a:ext uri="{FF2B5EF4-FFF2-40B4-BE49-F238E27FC236}">
+                <a16:creationId xmlns:a16="http://schemas.microsoft.com/office/drawing/2014/main" id="{8D83286F-15ED-49E5-AC51-4DDA38FD5D49}"/>
+              </a:ext>
+            </a:extLst>
+          </p:cNvPr>
+          <p:cNvSpPr/>
+          <p:nvPr/>
+        </p:nvSpPr>
+        <p:spPr>
+          <a:xfrm>
+            <a:off x="2332140" y="3252957"/>
+            <a:ext cx="914400" cy="1216152"/>
+          </a:xfrm>
+          <a:prstGeom prst="can">
+            <a:avLst/>
+          </a:prstGeom>
+        </p:spPr>
+        <p:style>
+          <a:lnRef idx="2">
+            <a:schemeClr val="accent1">
+              <a:shade val="50000"/>
+            </a:schemeClr>
+          </a:lnRef>
+          <a:fillRef idx="1">
+            <a:schemeClr val="accent1"/>
+          </a:fillRef>
+          <a:effectRef idx="0">
+            <a:schemeClr val="accent1"/>
+          </a:effectRef>
+          <a:fontRef idx="minor">
+            <a:schemeClr val="lt1"/>
+          </a:fontRef>
+        </p:style>
+        <p:txBody>
+          <a:bodyPr rtlCol="0" anchor="ctr"/>
+          <a:lstStyle/>
+          <a:p>
+            <a:pPr algn="ctr"/>
+            <a:r>
+              <a:rPr lang="en-AU" dirty="0"/>
+              <a:t>DB</a:t>
+            </a:r>
+          </a:p>
+        </p:txBody>
+      </p:sp>
+      <p:cxnSp>
+        <p:nvCxnSpPr>
+          <p:cNvPr id="7" name="Straight Arrow Connector 6">
+            <a:extLst>
+              <a:ext uri="{FF2B5EF4-FFF2-40B4-BE49-F238E27FC236}">
+                <a16:creationId xmlns:a16="http://schemas.microsoft.com/office/drawing/2014/main" id="{2DEEB113-0410-479A-9CA2-4C79119E6DC0}"/>
+              </a:ext>
+            </a:extLst>
+          </p:cNvPr>
+          <p:cNvCxnSpPr>
+            <a:cxnSpLocks/>
+            <a:stCxn id="5" idx="4"/>
+            <a:endCxn id="4" idx="1"/>
+          </p:cNvCxnSpPr>
+          <p:nvPr/>
+        </p:nvCxnSpPr>
+        <p:spPr>
+          <a:xfrm>
+            <a:off x="3246540" y="3861033"/>
+            <a:ext cx="2340526" cy="0"/>
+          </a:xfrm>
+          <a:prstGeom prst="straightConnector1">
+            <a:avLst/>
+          </a:prstGeom>
+          <a:ln>
+            <a:headEnd type="triangle"/>
+            <a:tailEnd type="triangle"/>
+          </a:ln>
+        </p:spPr>
+        <p:style>
+          <a:lnRef idx="1">
+            <a:schemeClr val="accent1"/>
+          </a:lnRef>
+          <a:fillRef idx="0">
+            <a:schemeClr val="accent1"/>
+          </a:fillRef>
+          <a:effectRef idx="0">
+            <a:schemeClr val="accent1"/>
+          </a:effectRef>
+          <a:fontRef idx="minor">
+            <a:schemeClr val="tx1"/>
+          </a:fontRef>
+        </p:style>
+      </p:cxnSp>
+    </p:spTree>
+    <p:extLst>
+      <p:ext uri="{BB962C8B-B14F-4D97-AF65-F5344CB8AC3E}">
+        <p14:creationId xmlns:p14="http://schemas.microsoft.com/office/powerpoint/2010/main" val="2091341344"/>
+      </p:ext>
+    </p:extLst>
+  </p:cSld>
+  <p:clrMapOvr>
+    <a:masterClrMapping/>
+  </p:clrMapOvr>
+</p:sld>
+</file>
+
+<file path=ppt/slides/slide6.xml><?xml version="1.0" encoding="utf-8"?>
+<p:sld xmlns:a="http://schemas.openxmlformats.org/drawingml/2006/main" xmlns:r="http://schemas.openxmlformats.org/officeDocument/2006/relationships" xmlns:p="http://schemas.openxmlformats.org/presentationml/2006/main">
+  <p:cSld>
+    <p:spTree>
+      <p:nvGrpSpPr>
+        <p:cNvPr id="1" name=""/>
+        <p:cNvGrpSpPr/>
+        <p:nvPr/>
+      </p:nvGrpSpPr>
+      <p:grpSpPr>
+        <a:xfrm>
+          <a:off x="0" y="0"/>
+          <a:ext cx="0" cy="0"/>
+          <a:chOff x="0" y="0"/>
+          <a:chExt cx="0" cy="0"/>
+        </a:xfrm>
+      </p:grpSpPr>
+      <p:sp>
+        <p:nvSpPr>
+          <p:cNvPr id="2" name="Title 1">
+            <a:extLst>
+              <a:ext uri="{FF2B5EF4-FFF2-40B4-BE49-F238E27FC236}">
+                <a16:creationId xmlns:a16="http://schemas.microsoft.com/office/drawing/2014/main" id="{C63C1C91-4620-4B88-8BE7-67D7506A94C4}"/>
+              </a:ext>
+            </a:extLst>
+          </p:cNvPr>
+          <p:cNvSpPr>
+            <a:spLocks noGrp="1"/>
+          </p:cNvSpPr>
+          <p:nvPr>
+            <p:ph type="title"/>
+          </p:nvPr>
+        </p:nvSpPr>
+        <p:spPr>
+          <a:xfrm>
+            <a:off x="838200" y="545182"/>
+            <a:ext cx="10515600" cy="1325563"/>
+          </a:xfrm>
+        </p:spPr>
+        <p:txBody>
+          <a:bodyPr/>
+          <a:lstStyle/>
+          <a:p>
+            <a:r>
+              <a:rPr lang="en-AU" dirty="0"/>
+              <a:t>Create</a:t>
+            </a:r>
+          </a:p>
+        </p:txBody>
+      </p:sp>
+      <p:sp>
+        <p:nvSpPr>
+          <p:cNvPr id="4" name="TextBox 3">
+            <a:extLst>
+              <a:ext uri="{FF2B5EF4-FFF2-40B4-BE49-F238E27FC236}">
+                <a16:creationId xmlns:a16="http://schemas.microsoft.com/office/drawing/2014/main" id="{44C40A1B-3C12-4870-99F8-D61E97FD4C19}"/>
+              </a:ext>
+            </a:extLst>
+          </p:cNvPr>
+          <p:cNvSpPr txBox="1"/>
+          <p:nvPr/>
+        </p:nvSpPr>
+        <p:spPr>
+          <a:xfrm>
+            <a:off x="1704363" y="1481403"/>
+            <a:ext cx="8783274" cy="1569660"/>
+          </a:xfrm>
+          <a:prstGeom prst="rect">
+            <a:avLst/>
+          </a:prstGeom>
+          <a:noFill/>
+        </p:spPr>
+        <p:txBody>
+          <a:bodyPr wrap="square" rtlCol="0">
+            <a:spAutoFit/>
+          </a:bodyPr>
+          <a:lstStyle/>
+          <a:p>
+            <a:r>
+              <a:rPr lang="en-AU" sz="1200" dirty="0">
+                <a:solidFill>
+                  <a:srgbClr val="0000FF"/>
+                </a:solidFill>
+                <a:latin typeface="Consolas" panose="020B0609020204030204" pitchFamily="49" charset="0"/>
+              </a:rPr>
+              <a:t>using</a:t>
+            </a:r>
+            <a:r>
+              <a:rPr lang="en-AU" sz="1200" dirty="0">
+                <a:solidFill>
+                  <a:srgbClr val="000000"/>
+                </a:solidFill>
+                <a:latin typeface="Consolas" panose="020B0609020204030204" pitchFamily="49" charset="0"/>
+              </a:rPr>
+              <a:t> (</a:t>
+            </a:r>
+            <a:r>
+              <a:rPr lang="en-AU" sz="1200" dirty="0" err="1">
+                <a:solidFill>
+                  <a:srgbClr val="000000"/>
+                </a:solidFill>
+                <a:latin typeface="Consolas" panose="020B0609020204030204" pitchFamily="49" charset="0"/>
+              </a:rPr>
+              <a:t>IDbConnection</a:t>
+            </a:r>
+            <a:r>
+              <a:rPr lang="en-AU" sz="1200" dirty="0">
+                <a:solidFill>
+                  <a:srgbClr val="000000"/>
+                </a:solidFill>
+                <a:latin typeface="Consolas" panose="020B0609020204030204" pitchFamily="49" charset="0"/>
+              </a:rPr>
+              <a:t> connection = </a:t>
+            </a:r>
+            <a:r>
+              <a:rPr lang="en-AU" sz="1200" dirty="0">
+                <a:solidFill>
+                  <a:srgbClr val="0000FF"/>
+                </a:solidFill>
+                <a:latin typeface="Consolas" panose="020B0609020204030204" pitchFamily="49" charset="0"/>
+              </a:rPr>
+              <a:t>new</a:t>
+            </a:r>
+            <a:r>
+              <a:rPr lang="en-AU" sz="1200" dirty="0">
+                <a:solidFill>
+                  <a:srgbClr val="000000"/>
+                </a:solidFill>
+                <a:latin typeface="Consolas" panose="020B0609020204030204" pitchFamily="49" charset="0"/>
+              </a:rPr>
+              <a:t> </a:t>
+            </a:r>
+            <a:r>
+              <a:rPr lang="en-AU" sz="1200" dirty="0" err="1">
+                <a:solidFill>
+                  <a:srgbClr val="000000"/>
+                </a:solidFill>
+                <a:latin typeface="Consolas" panose="020B0609020204030204" pitchFamily="49" charset="0"/>
+              </a:rPr>
+              <a:t>SqlConnection</a:t>
+            </a:r>
+            <a:r>
+              <a:rPr lang="en-AU" sz="1200" dirty="0">
+                <a:solidFill>
+                  <a:srgbClr val="000000"/>
+                </a:solidFill>
+                <a:latin typeface="Consolas" panose="020B0609020204030204" pitchFamily="49" charset="0"/>
+              </a:rPr>
+              <a:t>(</a:t>
+            </a:r>
+            <a:r>
+              <a:rPr lang="en-AU" sz="1200" dirty="0" err="1">
+                <a:solidFill>
+                  <a:srgbClr val="000000"/>
+                </a:solidFill>
+                <a:latin typeface="Consolas" panose="020B0609020204030204" pitchFamily="49" charset="0"/>
+              </a:rPr>
+              <a:t>dbConnection</a:t>
+            </a:r>
+            <a:r>
+              <a:rPr lang="en-AU" sz="1200" dirty="0">
+                <a:solidFill>
+                  <a:srgbClr val="000000"/>
+                </a:solidFill>
+                <a:latin typeface="Consolas" panose="020B0609020204030204" pitchFamily="49" charset="0"/>
+              </a:rPr>
+              <a:t>))</a:t>
+            </a:r>
+          </a:p>
+          <a:p>
+            <a:r>
+              <a:rPr lang="en-AU" sz="1200" dirty="0">
+                <a:solidFill>
+                  <a:srgbClr val="000000"/>
+                </a:solidFill>
+                <a:latin typeface="Consolas" panose="020B0609020204030204" pitchFamily="49" charset="0"/>
+              </a:rPr>
+              <a:t>           {</a:t>
+            </a:r>
+          </a:p>
+          <a:p>
+            <a:r>
+              <a:rPr lang="en-AU" sz="1200" dirty="0">
+                <a:solidFill>
+                  <a:srgbClr val="000000"/>
+                </a:solidFill>
+                <a:latin typeface="Consolas" panose="020B0609020204030204" pitchFamily="49" charset="0"/>
+              </a:rPr>
+              <a:t>                List&lt;Person&gt; people = </a:t>
+            </a:r>
+            <a:r>
+              <a:rPr lang="en-AU" sz="1200" dirty="0">
+                <a:solidFill>
+                  <a:srgbClr val="0000FF"/>
+                </a:solidFill>
+                <a:latin typeface="Consolas" panose="020B0609020204030204" pitchFamily="49" charset="0"/>
+              </a:rPr>
+              <a:t>new</a:t>
+            </a:r>
+            <a:r>
+              <a:rPr lang="en-AU" sz="1200" dirty="0">
+                <a:solidFill>
+                  <a:srgbClr val="000000"/>
+                </a:solidFill>
+                <a:latin typeface="Consolas" panose="020B0609020204030204" pitchFamily="49" charset="0"/>
+              </a:rPr>
+              <a:t> List&lt;Person&gt;();</a:t>
+            </a:r>
+          </a:p>
+          <a:p>
+            <a:r>
+              <a:rPr lang="en-AU" sz="1200" dirty="0">
+                <a:solidFill>
+                  <a:srgbClr val="000000"/>
+                </a:solidFill>
+                <a:latin typeface="Consolas" panose="020B0609020204030204" pitchFamily="49" charset="0"/>
+              </a:rPr>
+              <a:t>                </a:t>
+            </a:r>
+            <a:r>
+              <a:rPr lang="en-AU" sz="1200" dirty="0" err="1">
+                <a:solidFill>
+                  <a:srgbClr val="000000"/>
+                </a:solidFill>
+                <a:latin typeface="Consolas" panose="020B0609020204030204" pitchFamily="49" charset="0"/>
+              </a:rPr>
+              <a:t>people.Add</a:t>
+            </a:r>
+            <a:r>
+              <a:rPr lang="en-AU" sz="1200" dirty="0">
+                <a:solidFill>
+                  <a:srgbClr val="000000"/>
+                </a:solidFill>
+                <a:latin typeface="Consolas" panose="020B0609020204030204" pitchFamily="49" charset="0"/>
+              </a:rPr>
+              <a:t>(</a:t>
+            </a:r>
+            <a:r>
+              <a:rPr lang="en-AU" sz="1200" dirty="0">
+                <a:solidFill>
+                  <a:srgbClr val="0000FF"/>
+                </a:solidFill>
+                <a:latin typeface="Consolas" panose="020B0609020204030204" pitchFamily="49" charset="0"/>
+              </a:rPr>
+              <a:t>new</a:t>
+            </a:r>
+            <a:r>
+              <a:rPr lang="en-AU" sz="1200" dirty="0">
+                <a:solidFill>
+                  <a:srgbClr val="000000"/>
+                </a:solidFill>
+                <a:latin typeface="Consolas" panose="020B0609020204030204" pitchFamily="49" charset="0"/>
+              </a:rPr>
+              <a:t> Person { </a:t>
+            </a:r>
+            <a:r>
+              <a:rPr lang="en-AU" sz="1200" dirty="0" err="1">
+                <a:solidFill>
+                  <a:srgbClr val="000000"/>
+                </a:solidFill>
+                <a:latin typeface="Consolas" panose="020B0609020204030204" pitchFamily="49" charset="0"/>
+              </a:rPr>
+              <a:t>PersonFirstName</a:t>
+            </a:r>
+            <a:r>
+              <a:rPr lang="en-AU" sz="1200" dirty="0">
+                <a:solidFill>
+                  <a:srgbClr val="000000"/>
+                </a:solidFill>
+                <a:latin typeface="Consolas" panose="020B0609020204030204" pitchFamily="49" charset="0"/>
+              </a:rPr>
+              <a:t> = </a:t>
+            </a:r>
+            <a:r>
+              <a:rPr lang="en-AU" sz="1200" dirty="0" err="1">
+                <a:solidFill>
+                  <a:srgbClr val="000000"/>
+                </a:solidFill>
+                <a:latin typeface="Consolas" panose="020B0609020204030204" pitchFamily="49" charset="0"/>
+              </a:rPr>
+              <a:t>personFirstName</a:t>
+            </a:r>
+            <a:r>
+              <a:rPr lang="en-AU" sz="1200" dirty="0">
+                <a:solidFill>
+                  <a:srgbClr val="000000"/>
+                </a:solidFill>
+                <a:latin typeface="Consolas" panose="020B0609020204030204" pitchFamily="49" charset="0"/>
+              </a:rPr>
+              <a:t>, </a:t>
+            </a:r>
+            <a:r>
+              <a:rPr lang="en-AU" sz="1200" dirty="0" err="1">
+                <a:solidFill>
+                  <a:srgbClr val="000000"/>
+                </a:solidFill>
+                <a:latin typeface="Consolas" panose="020B0609020204030204" pitchFamily="49" charset="0"/>
+              </a:rPr>
+              <a:t>PersonLastName</a:t>
+            </a:r>
+            <a:r>
+              <a:rPr lang="en-AU" sz="1200" dirty="0">
+                <a:solidFill>
+                  <a:srgbClr val="000000"/>
+                </a:solidFill>
+                <a:latin typeface="Consolas" panose="020B0609020204030204" pitchFamily="49" charset="0"/>
+              </a:rPr>
+              <a:t> = </a:t>
+            </a:r>
+            <a:r>
+              <a:rPr lang="en-AU" sz="1200" dirty="0" err="1">
+                <a:solidFill>
+                  <a:srgbClr val="000000"/>
+                </a:solidFill>
+                <a:latin typeface="Consolas" panose="020B0609020204030204" pitchFamily="49" charset="0"/>
+              </a:rPr>
+              <a:t>personLastName</a:t>
+            </a:r>
+            <a:r>
+              <a:rPr lang="en-AU" sz="1200" dirty="0">
+                <a:solidFill>
+                  <a:srgbClr val="000000"/>
+                </a:solidFill>
+                <a:latin typeface="Consolas" panose="020B0609020204030204" pitchFamily="49" charset="0"/>
+              </a:rPr>
+              <a:t>, </a:t>
+            </a:r>
+            <a:r>
+              <a:rPr lang="en-AU" sz="1200" dirty="0" err="1">
+                <a:solidFill>
+                  <a:srgbClr val="000000"/>
+                </a:solidFill>
+                <a:latin typeface="Consolas" panose="020B0609020204030204" pitchFamily="49" charset="0"/>
+              </a:rPr>
+              <a:t>PersonEmail</a:t>
+            </a:r>
+            <a:r>
+              <a:rPr lang="en-AU" sz="1200" dirty="0">
+                <a:solidFill>
+                  <a:srgbClr val="000000"/>
+                </a:solidFill>
+                <a:latin typeface="Consolas" panose="020B0609020204030204" pitchFamily="49" charset="0"/>
+              </a:rPr>
+              <a:t> = </a:t>
+            </a:r>
+            <a:r>
+              <a:rPr lang="en-AU" sz="1200" dirty="0" err="1">
+                <a:solidFill>
+                  <a:srgbClr val="000000"/>
+                </a:solidFill>
+                <a:latin typeface="Consolas" panose="020B0609020204030204" pitchFamily="49" charset="0"/>
+              </a:rPr>
+              <a:t>personEmail</a:t>
+            </a:r>
+            <a:r>
+              <a:rPr lang="en-AU" sz="1200" dirty="0">
+                <a:solidFill>
+                  <a:srgbClr val="000000"/>
+                </a:solidFill>
+                <a:latin typeface="Consolas" panose="020B0609020204030204" pitchFamily="49" charset="0"/>
+              </a:rPr>
+              <a:t>, </a:t>
+            </a:r>
+            <a:r>
+              <a:rPr lang="en-AU" sz="1200" dirty="0" err="1">
+                <a:solidFill>
+                  <a:srgbClr val="000000"/>
+                </a:solidFill>
+                <a:latin typeface="Consolas" panose="020B0609020204030204" pitchFamily="49" charset="0"/>
+              </a:rPr>
+              <a:t>PersonPhone</a:t>
+            </a:r>
+            <a:r>
+              <a:rPr lang="en-AU" sz="1200" dirty="0">
+                <a:solidFill>
+                  <a:srgbClr val="000000"/>
+                </a:solidFill>
+                <a:latin typeface="Consolas" panose="020B0609020204030204" pitchFamily="49" charset="0"/>
+              </a:rPr>
+              <a:t> = </a:t>
+            </a:r>
+            <a:r>
+              <a:rPr lang="en-AU" sz="1200" dirty="0" err="1">
+                <a:solidFill>
+                  <a:srgbClr val="000000"/>
+                </a:solidFill>
+                <a:latin typeface="Consolas" panose="020B0609020204030204" pitchFamily="49" charset="0"/>
+              </a:rPr>
+              <a:t>personPhone</a:t>
+            </a:r>
+            <a:r>
+              <a:rPr lang="en-AU" sz="1200" dirty="0">
+                <a:solidFill>
+                  <a:srgbClr val="000000"/>
+                </a:solidFill>
+                <a:latin typeface="Consolas" panose="020B0609020204030204" pitchFamily="49" charset="0"/>
+              </a:rPr>
+              <a:t> });</a:t>
+            </a:r>
+          </a:p>
+          <a:p>
+            <a:r>
+              <a:rPr lang="en-AU" sz="1200" dirty="0">
+                <a:solidFill>
+                  <a:srgbClr val="000000"/>
+                </a:solidFill>
+                <a:latin typeface="Consolas" panose="020B0609020204030204" pitchFamily="49" charset="0"/>
+              </a:rPr>
+              <a:t>                </a:t>
+            </a:r>
+            <a:r>
+              <a:rPr lang="en-AU" sz="1200" dirty="0" err="1">
+                <a:solidFill>
+                  <a:srgbClr val="000000"/>
+                </a:solidFill>
+                <a:latin typeface="Consolas" panose="020B0609020204030204" pitchFamily="49" charset="0"/>
+              </a:rPr>
+              <a:t>connection.Execute</a:t>
+            </a:r>
+            <a:r>
+              <a:rPr lang="en-AU" sz="1200" dirty="0">
+                <a:solidFill>
+                  <a:srgbClr val="000000"/>
+                </a:solidFill>
+                <a:latin typeface="Consolas" panose="020B0609020204030204" pitchFamily="49" charset="0"/>
+              </a:rPr>
+              <a:t>(</a:t>
+            </a:r>
+            <a:r>
+              <a:rPr lang="en-AU" sz="1200" dirty="0">
+                <a:solidFill>
+                  <a:srgbClr val="A31515"/>
+                </a:solidFill>
+                <a:latin typeface="Consolas" panose="020B0609020204030204" pitchFamily="49" charset="0"/>
+              </a:rPr>
+              <a:t>"</a:t>
+            </a:r>
+            <a:r>
+              <a:rPr lang="en-AU" sz="1200" dirty="0" err="1">
+                <a:solidFill>
+                  <a:srgbClr val="A31515"/>
+                </a:solidFill>
+                <a:latin typeface="Consolas" panose="020B0609020204030204" pitchFamily="49" charset="0"/>
+              </a:rPr>
+              <a:t>spPersonCRUD_Create</a:t>
+            </a:r>
+            <a:r>
+              <a:rPr lang="en-AU" sz="1200" dirty="0">
+                <a:solidFill>
+                  <a:srgbClr val="A31515"/>
+                </a:solidFill>
+                <a:latin typeface="Consolas" panose="020B0609020204030204" pitchFamily="49" charset="0"/>
+              </a:rPr>
+              <a:t> @personFirstName, @personLastName, @personEmail, @personPhone"</a:t>
+            </a:r>
+            <a:r>
+              <a:rPr lang="en-AU" sz="1200" dirty="0">
+                <a:solidFill>
+                  <a:srgbClr val="000000"/>
+                </a:solidFill>
+                <a:latin typeface="Consolas" panose="020B0609020204030204" pitchFamily="49" charset="0"/>
+              </a:rPr>
+              <a:t>, people);</a:t>
+            </a:r>
+          </a:p>
+          <a:p>
+            <a:r>
+              <a:rPr lang="en-AU" sz="1200" dirty="0">
+                <a:solidFill>
+                  <a:srgbClr val="000000"/>
+                </a:solidFill>
+                <a:latin typeface="Consolas" panose="020B0609020204030204" pitchFamily="49" charset="0"/>
+              </a:rPr>
+              <a:t>            }</a:t>
+            </a:r>
+          </a:p>
+        </p:txBody>
+      </p:sp>
+      <p:sp>
+        <p:nvSpPr>
+          <p:cNvPr id="5" name="Title 1">
+            <a:extLst>
+              <a:ext uri="{FF2B5EF4-FFF2-40B4-BE49-F238E27FC236}">
+                <a16:creationId xmlns:a16="http://schemas.microsoft.com/office/drawing/2014/main" id="{3FD1FB4E-00FB-4C7E-AC09-D8CB9B18CBA5}"/>
+              </a:ext>
+            </a:extLst>
+          </p:cNvPr>
+          <p:cNvSpPr txBox="1">
+            <a:spLocks/>
+          </p:cNvSpPr>
+          <p:nvPr/>
+        </p:nvSpPr>
+        <p:spPr>
+          <a:xfrm>
+            <a:off x="838200" y="3621948"/>
+            <a:ext cx="10515600" cy="1325563"/>
+          </a:xfrm>
+          <a:prstGeom prst="rect">
+            <a:avLst/>
+          </a:prstGeom>
+        </p:spPr>
+        <p:txBody>
+          <a:bodyPr vert="horz" lIns="91440" tIns="45720" rIns="91440" bIns="45720" rtlCol="0" anchor="ctr">
+            <a:normAutofit/>
+          </a:bodyPr>
+          <a:lstStyle>
+            <a:lvl1pPr algn="l" defTabSz="914400" rtl="0" eaLnBrk="1" latinLnBrk="0" hangingPunct="1">
+              <a:lnSpc>
+                <a:spcPct val="90000"/>
+              </a:lnSpc>
+              <a:spcBef>
+                <a:spcPct val="0"/>
+              </a:spcBef>
+              <a:buNone/>
+              <a:defRPr sz="4400" kern="1200">
+                <a:solidFill>
+                  <a:schemeClr val="tx1"/>
+                </a:solidFill>
+                <a:latin typeface="+mj-lt"/>
+                <a:ea typeface="+mj-ea"/>
+                <a:cs typeface="+mj-cs"/>
+              </a:defRPr>
+            </a:lvl1pPr>
+          </a:lstStyle>
+          <a:p>
+            <a:r>
+              <a:rPr lang="en-AU" dirty="0"/>
+              <a:t>Read</a:t>
+            </a:r>
+          </a:p>
+        </p:txBody>
+      </p:sp>
+      <p:sp>
+        <p:nvSpPr>
+          <p:cNvPr id="6" name="TextBox 5">
+            <a:extLst>
+              <a:ext uri="{FF2B5EF4-FFF2-40B4-BE49-F238E27FC236}">
+                <a16:creationId xmlns:a16="http://schemas.microsoft.com/office/drawing/2014/main" id="{352E4AD8-1CC5-4E21-8F3A-628E9EB6E3B3}"/>
+              </a:ext>
+            </a:extLst>
+          </p:cNvPr>
+          <p:cNvSpPr txBox="1"/>
+          <p:nvPr/>
+        </p:nvSpPr>
+        <p:spPr>
+          <a:xfrm>
+            <a:off x="1704363" y="4645451"/>
+            <a:ext cx="8783274" cy="830997"/>
+          </a:xfrm>
+          <a:prstGeom prst="rect">
+            <a:avLst/>
+          </a:prstGeom>
+          <a:noFill/>
+        </p:spPr>
+        <p:txBody>
+          <a:bodyPr wrap="square" rtlCol="0">
+            <a:spAutoFit/>
+          </a:bodyPr>
+          <a:lstStyle/>
+          <a:p>
+            <a:r>
+              <a:rPr lang="en-AU" sz="1200" dirty="0">
+                <a:solidFill>
+                  <a:srgbClr val="0000FF"/>
+                </a:solidFill>
+                <a:latin typeface="Consolas" panose="020B0609020204030204" pitchFamily="49" charset="0"/>
+              </a:rPr>
+              <a:t>using</a:t>
+            </a:r>
+            <a:r>
+              <a:rPr lang="en-AU" sz="1200" dirty="0">
+                <a:solidFill>
+                  <a:srgbClr val="000000"/>
+                </a:solidFill>
+                <a:latin typeface="Consolas" panose="020B0609020204030204" pitchFamily="49" charset="0"/>
+              </a:rPr>
+              <a:t> (</a:t>
+            </a:r>
+            <a:r>
+              <a:rPr lang="en-AU" sz="1200" dirty="0" err="1">
+                <a:solidFill>
+                  <a:srgbClr val="000000"/>
+                </a:solidFill>
+                <a:latin typeface="Consolas" panose="020B0609020204030204" pitchFamily="49" charset="0"/>
+              </a:rPr>
+              <a:t>IDbConnection</a:t>
+            </a:r>
+            <a:r>
+              <a:rPr lang="en-AU" sz="1200" dirty="0">
+                <a:solidFill>
+                  <a:srgbClr val="000000"/>
+                </a:solidFill>
+                <a:latin typeface="Consolas" panose="020B0609020204030204" pitchFamily="49" charset="0"/>
+              </a:rPr>
+              <a:t> connection = </a:t>
+            </a:r>
+            <a:r>
+              <a:rPr lang="en-AU" sz="1200" dirty="0">
+                <a:solidFill>
+                  <a:srgbClr val="0000FF"/>
+                </a:solidFill>
+                <a:latin typeface="Consolas" panose="020B0609020204030204" pitchFamily="49" charset="0"/>
+              </a:rPr>
+              <a:t>new</a:t>
+            </a:r>
+            <a:r>
+              <a:rPr lang="en-AU" sz="1200" dirty="0">
+                <a:solidFill>
+                  <a:srgbClr val="000000"/>
+                </a:solidFill>
+                <a:latin typeface="Consolas" panose="020B0609020204030204" pitchFamily="49" charset="0"/>
+              </a:rPr>
+              <a:t> </a:t>
+            </a:r>
+            <a:r>
+              <a:rPr lang="en-AU" sz="1200" dirty="0" err="1">
+                <a:solidFill>
+                  <a:srgbClr val="000000"/>
+                </a:solidFill>
+                <a:latin typeface="Consolas" panose="020B0609020204030204" pitchFamily="49" charset="0"/>
+              </a:rPr>
+              <a:t>SqlConnection</a:t>
+            </a:r>
+            <a:r>
+              <a:rPr lang="en-AU" sz="1200" dirty="0">
+                <a:solidFill>
+                  <a:srgbClr val="000000"/>
+                </a:solidFill>
+                <a:latin typeface="Consolas" panose="020B0609020204030204" pitchFamily="49" charset="0"/>
+              </a:rPr>
+              <a:t>(</a:t>
+            </a:r>
+            <a:r>
+              <a:rPr lang="en-AU" sz="1200" dirty="0" err="1">
+                <a:solidFill>
+                  <a:srgbClr val="000000"/>
+                </a:solidFill>
+                <a:latin typeface="Consolas" panose="020B0609020204030204" pitchFamily="49" charset="0"/>
+              </a:rPr>
+              <a:t>dbConnection</a:t>
+            </a:r>
+            <a:r>
+              <a:rPr lang="en-AU" sz="1200" dirty="0">
+                <a:solidFill>
+                  <a:srgbClr val="000000"/>
+                </a:solidFill>
+                <a:latin typeface="Consolas" panose="020B0609020204030204" pitchFamily="49" charset="0"/>
+              </a:rPr>
+              <a:t>))</a:t>
+            </a:r>
+          </a:p>
+          <a:p>
+            <a:r>
+              <a:rPr lang="en-AU" sz="1200" dirty="0">
+                <a:solidFill>
+                  <a:srgbClr val="000000"/>
+                </a:solidFill>
+                <a:latin typeface="Consolas" panose="020B0609020204030204" pitchFamily="49" charset="0"/>
+              </a:rPr>
+              <a:t>{</a:t>
+            </a:r>
+          </a:p>
+          <a:p>
+            <a:r>
+              <a:rPr lang="en-AU" sz="1200" dirty="0">
+                <a:solidFill>
+                  <a:srgbClr val="0000FF"/>
+                </a:solidFill>
+                <a:latin typeface="Consolas" panose="020B0609020204030204" pitchFamily="49" charset="0"/>
+              </a:rPr>
+              <a:t>	return</a:t>
+            </a:r>
+            <a:r>
+              <a:rPr lang="en-AU" sz="1200" dirty="0">
+                <a:solidFill>
+                  <a:srgbClr val="000000"/>
+                </a:solidFill>
+                <a:latin typeface="Consolas" panose="020B0609020204030204" pitchFamily="49" charset="0"/>
+              </a:rPr>
+              <a:t> </a:t>
+            </a:r>
+            <a:r>
+              <a:rPr lang="en-AU" sz="1200" dirty="0" err="1">
+                <a:solidFill>
+                  <a:srgbClr val="000000"/>
+                </a:solidFill>
+                <a:latin typeface="Consolas" panose="020B0609020204030204" pitchFamily="49" charset="0"/>
+              </a:rPr>
+              <a:t>connection.Query</a:t>
+            </a:r>
+            <a:r>
+              <a:rPr lang="en-AU" sz="1200" dirty="0">
+                <a:solidFill>
+                  <a:srgbClr val="000000"/>
+                </a:solidFill>
+                <a:latin typeface="Consolas" panose="020B0609020204030204" pitchFamily="49" charset="0"/>
+              </a:rPr>
+              <a:t>&lt;Person&gt;(</a:t>
+            </a:r>
+            <a:r>
+              <a:rPr lang="en-AU" sz="1200" dirty="0">
+                <a:solidFill>
+                  <a:srgbClr val="A31515"/>
+                </a:solidFill>
+                <a:latin typeface="Consolas" panose="020B0609020204030204" pitchFamily="49" charset="0"/>
+              </a:rPr>
+              <a:t>"</a:t>
+            </a:r>
+            <a:r>
+              <a:rPr lang="en-AU" sz="1200" dirty="0" err="1">
+                <a:solidFill>
+                  <a:srgbClr val="A31515"/>
+                </a:solidFill>
+                <a:latin typeface="Consolas" panose="020B0609020204030204" pitchFamily="49" charset="0"/>
+              </a:rPr>
+              <a:t>spPersonCRUD_ReadAll</a:t>
+            </a:r>
+            <a:r>
+              <a:rPr lang="en-AU" sz="1200" dirty="0">
+                <a:solidFill>
+                  <a:srgbClr val="A31515"/>
+                </a:solidFill>
+                <a:latin typeface="Consolas" panose="020B0609020204030204" pitchFamily="49" charset="0"/>
+              </a:rPr>
+              <a:t>"</a:t>
+            </a:r>
+            <a:r>
+              <a:rPr lang="en-AU" sz="1200" dirty="0">
+                <a:solidFill>
+                  <a:srgbClr val="000000"/>
+                </a:solidFill>
+                <a:latin typeface="Consolas" panose="020B0609020204030204" pitchFamily="49" charset="0"/>
+              </a:rPr>
+              <a:t>).</a:t>
+            </a:r>
+            <a:r>
+              <a:rPr lang="en-AU" sz="1200" dirty="0" err="1">
+                <a:solidFill>
+                  <a:srgbClr val="000000"/>
+                </a:solidFill>
+                <a:latin typeface="Consolas" panose="020B0609020204030204" pitchFamily="49" charset="0"/>
+              </a:rPr>
+              <a:t>ToList</a:t>
+            </a:r>
+            <a:r>
+              <a:rPr lang="en-AU" sz="1200" dirty="0">
+                <a:solidFill>
+                  <a:srgbClr val="000000"/>
+                </a:solidFill>
+                <a:latin typeface="Consolas" panose="020B0609020204030204" pitchFamily="49" charset="0"/>
+              </a:rPr>
+              <a:t>();</a:t>
+            </a:r>
+          </a:p>
+          <a:p>
+            <a:r>
+              <a:rPr lang="en-AU" sz="1200" dirty="0">
+                <a:solidFill>
+                  <a:srgbClr val="000000"/>
+                </a:solidFill>
+                <a:latin typeface="Consolas" panose="020B0609020204030204" pitchFamily="49" charset="0"/>
+              </a:rPr>
+              <a:t>}</a:t>
+            </a:r>
+            <a:endParaRPr lang="en-AU" sz="1050" dirty="0"/>
+          </a:p>
+        </p:txBody>
+      </p:sp>
+    </p:spTree>
+    <p:extLst>
+      <p:ext uri="{BB962C8B-B14F-4D97-AF65-F5344CB8AC3E}">
+        <p14:creationId xmlns:p14="http://schemas.microsoft.com/office/powerpoint/2010/main" val="1329094582"/>
+      </p:ext>
+    </p:extLst>
+  </p:cSld>
+  <p:clrMapOvr>
+    <a:masterClrMapping/>
+  </p:clrMapOvr>
+</p:sld>
+</file>
+
+<file path=ppt/slides/slide7.xml><?xml version="1.0" encoding="utf-8"?>
+<p:sld xmlns:a="http://schemas.openxmlformats.org/drawingml/2006/main" xmlns:r="http://schemas.openxmlformats.org/officeDocument/2006/relationships" xmlns:p="http://schemas.openxmlformats.org/presentationml/2006/main">
+  <p:cSld>
+    <p:spTree>
+      <p:nvGrpSpPr>
+        <p:cNvPr id="1" name=""/>
+        <p:cNvGrpSpPr/>
+        <p:nvPr/>
+      </p:nvGrpSpPr>
+      <p:grpSpPr>
+        <a:xfrm>
+          <a:off x="0" y="0"/>
+          <a:ext cx="0" cy="0"/>
+          <a:chOff x="0" y="0"/>
+          <a:chExt cx="0" cy="0"/>
+        </a:xfrm>
+      </p:grpSpPr>
+      <p:sp>
+        <p:nvSpPr>
+          <p:cNvPr id="7" name="Title 1">
+            <a:extLst>
+              <a:ext uri="{FF2B5EF4-FFF2-40B4-BE49-F238E27FC236}">
+                <a16:creationId xmlns:a16="http://schemas.microsoft.com/office/drawing/2014/main" id="{91F51EE0-890A-4080-A16A-5A844C09CEBB}"/>
+              </a:ext>
+            </a:extLst>
+          </p:cNvPr>
+          <p:cNvSpPr>
+            <a:spLocks noGrp="1"/>
+          </p:cNvSpPr>
+          <p:nvPr>
+            <p:ph type="title"/>
+          </p:nvPr>
+        </p:nvSpPr>
+        <p:spPr>
+          <a:xfrm>
+            <a:off x="838200" y="167677"/>
+            <a:ext cx="10515600" cy="1325563"/>
+          </a:xfrm>
+        </p:spPr>
+        <p:txBody>
+          <a:bodyPr/>
+          <a:lstStyle/>
+          <a:p>
+            <a:r>
+              <a:rPr lang="en-AU" dirty="0"/>
+              <a:t>Update</a:t>
+            </a:r>
+          </a:p>
+        </p:txBody>
+      </p:sp>
+      <p:sp>
+        <p:nvSpPr>
+          <p:cNvPr id="8" name="Title 1">
+            <a:extLst>
+              <a:ext uri="{FF2B5EF4-FFF2-40B4-BE49-F238E27FC236}">
+                <a16:creationId xmlns:a16="http://schemas.microsoft.com/office/drawing/2014/main" id="{BAE079C9-D1DB-411E-B521-06AD0F29D371}"/>
+              </a:ext>
+            </a:extLst>
+          </p:cNvPr>
+          <p:cNvSpPr txBox="1">
+            <a:spLocks/>
+          </p:cNvSpPr>
+          <p:nvPr/>
+        </p:nvSpPr>
+        <p:spPr>
+          <a:xfrm>
+            <a:off x="838200" y="3185720"/>
+            <a:ext cx="10515600" cy="1325563"/>
+          </a:xfrm>
+          <a:prstGeom prst="rect">
+            <a:avLst/>
+          </a:prstGeom>
+        </p:spPr>
+        <p:txBody>
+          <a:bodyPr vert="horz" lIns="91440" tIns="45720" rIns="91440" bIns="45720" rtlCol="0" anchor="ctr">
+            <a:normAutofit/>
+          </a:bodyPr>
+          <a:lstStyle>
+            <a:lvl1pPr algn="l" defTabSz="914400" rtl="0" eaLnBrk="1" latinLnBrk="0" hangingPunct="1">
+              <a:lnSpc>
+                <a:spcPct val="90000"/>
+              </a:lnSpc>
+              <a:spcBef>
+                <a:spcPct val="0"/>
+              </a:spcBef>
+              <a:buNone/>
+              <a:defRPr sz="4400" kern="1200">
+                <a:solidFill>
+                  <a:schemeClr val="tx1"/>
+                </a:solidFill>
+                <a:latin typeface="+mj-lt"/>
+                <a:ea typeface="+mj-ea"/>
+                <a:cs typeface="+mj-cs"/>
+              </a:defRPr>
+            </a:lvl1pPr>
+          </a:lstStyle>
+          <a:p>
+            <a:r>
+              <a:rPr lang="en-AU" dirty="0"/>
+              <a:t>Delete</a:t>
+            </a:r>
+          </a:p>
+        </p:txBody>
+      </p:sp>
+      <p:sp>
+        <p:nvSpPr>
+          <p:cNvPr id="9" name="TextBox 8">
+            <a:extLst>
+              <a:ext uri="{FF2B5EF4-FFF2-40B4-BE49-F238E27FC236}">
+                <a16:creationId xmlns:a16="http://schemas.microsoft.com/office/drawing/2014/main" id="{A873DF60-EF65-4552-848F-50315BE06504}"/>
+              </a:ext>
+            </a:extLst>
+          </p:cNvPr>
+          <p:cNvSpPr txBox="1"/>
+          <p:nvPr/>
+        </p:nvSpPr>
+        <p:spPr>
+          <a:xfrm>
+            <a:off x="1704363" y="1216777"/>
+            <a:ext cx="8783274" cy="1569660"/>
+          </a:xfrm>
+          <a:prstGeom prst="rect">
+            <a:avLst/>
+          </a:prstGeom>
+          <a:noFill/>
+        </p:spPr>
+        <p:txBody>
+          <a:bodyPr wrap="square" rtlCol="0">
+            <a:spAutoFit/>
+          </a:bodyPr>
+          <a:lstStyle/>
+          <a:p>
+            <a:r>
+              <a:rPr lang="en-AU" sz="1200" dirty="0">
+                <a:solidFill>
+                  <a:srgbClr val="0000FF"/>
+                </a:solidFill>
+                <a:latin typeface="Consolas" panose="020B0609020204030204" pitchFamily="49" charset="0"/>
+              </a:rPr>
+              <a:t>using</a:t>
+            </a:r>
+            <a:r>
+              <a:rPr lang="en-AU" sz="1200" dirty="0">
+                <a:solidFill>
+                  <a:srgbClr val="000000"/>
+                </a:solidFill>
+                <a:latin typeface="Consolas" panose="020B0609020204030204" pitchFamily="49" charset="0"/>
+              </a:rPr>
+              <a:t> (</a:t>
+            </a:r>
+            <a:r>
+              <a:rPr lang="en-AU" sz="1200" dirty="0" err="1">
+                <a:solidFill>
+                  <a:srgbClr val="000000"/>
+                </a:solidFill>
+                <a:latin typeface="Consolas" panose="020B0609020204030204" pitchFamily="49" charset="0"/>
+              </a:rPr>
+              <a:t>IDbConnection</a:t>
+            </a:r>
+            <a:r>
+              <a:rPr lang="en-AU" sz="1200" dirty="0">
+                <a:solidFill>
+                  <a:srgbClr val="000000"/>
+                </a:solidFill>
+                <a:latin typeface="Consolas" panose="020B0609020204030204" pitchFamily="49" charset="0"/>
+              </a:rPr>
+              <a:t> connection = </a:t>
+            </a:r>
+            <a:r>
+              <a:rPr lang="en-AU" sz="1200" dirty="0">
+                <a:solidFill>
+                  <a:srgbClr val="0000FF"/>
+                </a:solidFill>
+                <a:latin typeface="Consolas" panose="020B0609020204030204" pitchFamily="49" charset="0"/>
+              </a:rPr>
+              <a:t>new</a:t>
+            </a:r>
+            <a:r>
+              <a:rPr lang="en-AU" sz="1200" dirty="0">
+                <a:solidFill>
+                  <a:srgbClr val="000000"/>
+                </a:solidFill>
+                <a:latin typeface="Consolas" panose="020B0609020204030204" pitchFamily="49" charset="0"/>
+              </a:rPr>
+              <a:t> </a:t>
+            </a:r>
+            <a:r>
+              <a:rPr lang="en-AU" sz="1200" dirty="0" err="1">
+                <a:solidFill>
+                  <a:srgbClr val="000000"/>
+                </a:solidFill>
+                <a:latin typeface="Consolas" panose="020B0609020204030204" pitchFamily="49" charset="0"/>
+              </a:rPr>
+              <a:t>SqlConnection</a:t>
+            </a:r>
+            <a:r>
+              <a:rPr lang="en-AU" sz="1200" dirty="0">
+                <a:solidFill>
+                  <a:srgbClr val="000000"/>
+                </a:solidFill>
+                <a:latin typeface="Consolas" panose="020B0609020204030204" pitchFamily="49" charset="0"/>
+              </a:rPr>
+              <a:t>(</a:t>
+            </a:r>
+            <a:r>
+              <a:rPr lang="en-AU" sz="1200" dirty="0" err="1">
+                <a:solidFill>
+                  <a:srgbClr val="000000"/>
+                </a:solidFill>
+                <a:latin typeface="Consolas" panose="020B0609020204030204" pitchFamily="49" charset="0"/>
+              </a:rPr>
+              <a:t>dbConnection</a:t>
+            </a:r>
+            <a:r>
+              <a:rPr lang="en-AU" sz="1200" dirty="0">
+                <a:solidFill>
+                  <a:srgbClr val="000000"/>
+                </a:solidFill>
+                <a:latin typeface="Consolas" panose="020B0609020204030204" pitchFamily="49" charset="0"/>
+              </a:rPr>
+              <a:t>))</a:t>
+            </a:r>
+          </a:p>
+          <a:p>
+            <a:r>
+              <a:rPr lang="en-AU" sz="1200" dirty="0">
+                <a:solidFill>
+                  <a:srgbClr val="000000"/>
+                </a:solidFill>
+                <a:latin typeface="Consolas" panose="020B0609020204030204" pitchFamily="49" charset="0"/>
+              </a:rPr>
+              <a:t>            {</a:t>
+            </a:r>
+          </a:p>
+          <a:p>
+            <a:r>
+              <a:rPr lang="en-AU" sz="1200" dirty="0">
+                <a:solidFill>
+                  <a:srgbClr val="000000"/>
+                </a:solidFill>
+                <a:latin typeface="Consolas" panose="020B0609020204030204" pitchFamily="49" charset="0"/>
+              </a:rPr>
+              <a:t>                List&lt;Person&gt; people = </a:t>
+            </a:r>
+            <a:r>
+              <a:rPr lang="en-AU" sz="1200" dirty="0">
+                <a:solidFill>
+                  <a:srgbClr val="0000FF"/>
+                </a:solidFill>
+                <a:latin typeface="Consolas" panose="020B0609020204030204" pitchFamily="49" charset="0"/>
+              </a:rPr>
+              <a:t>new</a:t>
+            </a:r>
+            <a:r>
+              <a:rPr lang="en-AU" sz="1200" dirty="0">
+                <a:solidFill>
+                  <a:srgbClr val="000000"/>
+                </a:solidFill>
+                <a:latin typeface="Consolas" panose="020B0609020204030204" pitchFamily="49" charset="0"/>
+              </a:rPr>
+              <a:t> List&lt;Person&gt;();</a:t>
+            </a:r>
+          </a:p>
+          <a:p>
+            <a:r>
+              <a:rPr lang="en-AU" sz="1200" dirty="0">
+                <a:solidFill>
+                  <a:srgbClr val="000000"/>
+                </a:solidFill>
+                <a:latin typeface="Consolas" panose="020B0609020204030204" pitchFamily="49" charset="0"/>
+              </a:rPr>
+              <a:t>                </a:t>
+            </a:r>
+            <a:r>
+              <a:rPr lang="en-AU" sz="1200" dirty="0" err="1">
+                <a:solidFill>
+                  <a:srgbClr val="000000"/>
+                </a:solidFill>
+                <a:latin typeface="Consolas" panose="020B0609020204030204" pitchFamily="49" charset="0"/>
+              </a:rPr>
+              <a:t>people.Add</a:t>
+            </a:r>
+            <a:r>
+              <a:rPr lang="en-AU" sz="1200" dirty="0">
+                <a:solidFill>
+                  <a:srgbClr val="000000"/>
+                </a:solidFill>
+                <a:latin typeface="Consolas" panose="020B0609020204030204" pitchFamily="49" charset="0"/>
+              </a:rPr>
+              <a:t>(</a:t>
+            </a:r>
+            <a:r>
+              <a:rPr lang="en-AU" sz="1200" dirty="0">
+                <a:solidFill>
+                  <a:srgbClr val="0000FF"/>
+                </a:solidFill>
+                <a:latin typeface="Consolas" panose="020B0609020204030204" pitchFamily="49" charset="0"/>
+              </a:rPr>
+              <a:t>new</a:t>
+            </a:r>
+            <a:r>
+              <a:rPr lang="en-AU" sz="1200" dirty="0">
+                <a:solidFill>
+                  <a:srgbClr val="000000"/>
+                </a:solidFill>
+                <a:latin typeface="Consolas" panose="020B0609020204030204" pitchFamily="49" charset="0"/>
+              </a:rPr>
+              <a:t> Person { </a:t>
+            </a:r>
+            <a:r>
+              <a:rPr lang="en-AU" sz="1200" dirty="0" err="1">
+                <a:solidFill>
+                  <a:srgbClr val="000000"/>
+                </a:solidFill>
+                <a:latin typeface="Consolas" panose="020B0609020204030204" pitchFamily="49" charset="0"/>
+              </a:rPr>
+              <a:t>PersonID</a:t>
+            </a:r>
+            <a:r>
+              <a:rPr lang="en-AU" sz="1200" dirty="0">
+                <a:solidFill>
+                  <a:srgbClr val="000000"/>
+                </a:solidFill>
+                <a:latin typeface="Consolas" panose="020B0609020204030204" pitchFamily="49" charset="0"/>
+              </a:rPr>
+              <a:t> = </a:t>
+            </a:r>
+            <a:r>
+              <a:rPr lang="en-AU" sz="1200" dirty="0" err="1">
+                <a:solidFill>
+                  <a:srgbClr val="000000"/>
+                </a:solidFill>
+                <a:latin typeface="Consolas" panose="020B0609020204030204" pitchFamily="49" charset="0"/>
+              </a:rPr>
+              <a:t>personID</a:t>
+            </a:r>
+            <a:r>
+              <a:rPr lang="en-AU" sz="1200" dirty="0">
+                <a:solidFill>
+                  <a:srgbClr val="000000"/>
+                </a:solidFill>
+                <a:latin typeface="Consolas" panose="020B0609020204030204" pitchFamily="49" charset="0"/>
+              </a:rPr>
+              <a:t>, </a:t>
+            </a:r>
+            <a:r>
+              <a:rPr lang="en-AU" sz="1200" dirty="0" err="1">
+                <a:solidFill>
+                  <a:srgbClr val="000000"/>
+                </a:solidFill>
+                <a:latin typeface="Consolas" panose="020B0609020204030204" pitchFamily="49" charset="0"/>
+              </a:rPr>
+              <a:t>PersonFirstName</a:t>
+            </a:r>
+            <a:r>
+              <a:rPr lang="en-AU" sz="1200" dirty="0">
+                <a:solidFill>
+                  <a:srgbClr val="000000"/>
+                </a:solidFill>
+                <a:latin typeface="Consolas" panose="020B0609020204030204" pitchFamily="49" charset="0"/>
+              </a:rPr>
+              <a:t> = </a:t>
+            </a:r>
+            <a:r>
+              <a:rPr lang="en-AU" sz="1200" dirty="0" err="1">
+                <a:solidFill>
+                  <a:srgbClr val="000000"/>
+                </a:solidFill>
+                <a:latin typeface="Consolas" panose="020B0609020204030204" pitchFamily="49" charset="0"/>
+              </a:rPr>
+              <a:t>personFirstName</a:t>
+            </a:r>
+            <a:r>
+              <a:rPr lang="en-AU" sz="1200" dirty="0">
+                <a:solidFill>
+                  <a:srgbClr val="000000"/>
+                </a:solidFill>
+                <a:latin typeface="Consolas" panose="020B0609020204030204" pitchFamily="49" charset="0"/>
+              </a:rPr>
+              <a:t>, </a:t>
+            </a:r>
+            <a:r>
+              <a:rPr lang="en-AU" sz="1200" dirty="0" err="1">
+                <a:solidFill>
+                  <a:srgbClr val="000000"/>
+                </a:solidFill>
+                <a:latin typeface="Consolas" panose="020B0609020204030204" pitchFamily="49" charset="0"/>
+              </a:rPr>
+              <a:t>PersonLastName</a:t>
+            </a:r>
+            <a:r>
+              <a:rPr lang="en-AU" sz="1200" dirty="0">
+                <a:solidFill>
+                  <a:srgbClr val="000000"/>
+                </a:solidFill>
+                <a:latin typeface="Consolas" panose="020B0609020204030204" pitchFamily="49" charset="0"/>
+              </a:rPr>
+              <a:t> = </a:t>
+            </a:r>
+            <a:r>
+              <a:rPr lang="en-AU" sz="1200" dirty="0" err="1">
+                <a:solidFill>
+                  <a:srgbClr val="000000"/>
+                </a:solidFill>
+                <a:latin typeface="Consolas" panose="020B0609020204030204" pitchFamily="49" charset="0"/>
+              </a:rPr>
+              <a:t>personLastName</a:t>
+            </a:r>
+            <a:r>
+              <a:rPr lang="en-AU" sz="1200" dirty="0">
+                <a:solidFill>
+                  <a:srgbClr val="000000"/>
+                </a:solidFill>
+                <a:latin typeface="Consolas" panose="020B0609020204030204" pitchFamily="49" charset="0"/>
+              </a:rPr>
+              <a:t>, </a:t>
+            </a:r>
+            <a:r>
+              <a:rPr lang="en-AU" sz="1200" dirty="0" err="1">
+                <a:solidFill>
+                  <a:srgbClr val="000000"/>
+                </a:solidFill>
+                <a:latin typeface="Consolas" panose="020B0609020204030204" pitchFamily="49" charset="0"/>
+              </a:rPr>
+              <a:t>PersonEmail</a:t>
+            </a:r>
+            <a:r>
+              <a:rPr lang="en-AU" sz="1200" dirty="0">
+                <a:solidFill>
+                  <a:srgbClr val="000000"/>
+                </a:solidFill>
+                <a:latin typeface="Consolas" panose="020B0609020204030204" pitchFamily="49" charset="0"/>
+              </a:rPr>
+              <a:t> = </a:t>
+            </a:r>
+            <a:r>
+              <a:rPr lang="en-AU" sz="1200" dirty="0" err="1">
+                <a:solidFill>
+                  <a:srgbClr val="000000"/>
+                </a:solidFill>
+                <a:latin typeface="Consolas" panose="020B0609020204030204" pitchFamily="49" charset="0"/>
+              </a:rPr>
+              <a:t>personEmail</a:t>
+            </a:r>
+            <a:r>
+              <a:rPr lang="en-AU" sz="1200" dirty="0">
+                <a:solidFill>
+                  <a:srgbClr val="000000"/>
+                </a:solidFill>
+                <a:latin typeface="Consolas" panose="020B0609020204030204" pitchFamily="49" charset="0"/>
+              </a:rPr>
+              <a:t>, </a:t>
+            </a:r>
+            <a:r>
+              <a:rPr lang="en-AU" sz="1200" dirty="0" err="1">
+                <a:solidFill>
+                  <a:srgbClr val="000000"/>
+                </a:solidFill>
+                <a:latin typeface="Consolas" panose="020B0609020204030204" pitchFamily="49" charset="0"/>
+              </a:rPr>
+              <a:t>PersonPhone</a:t>
+            </a:r>
+            <a:r>
+              <a:rPr lang="en-AU" sz="1200" dirty="0">
+                <a:solidFill>
+                  <a:srgbClr val="000000"/>
+                </a:solidFill>
+                <a:latin typeface="Consolas" panose="020B0609020204030204" pitchFamily="49" charset="0"/>
+              </a:rPr>
+              <a:t> = </a:t>
+            </a:r>
+            <a:r>
+              <a:rPr lang="en-AU" sz="1200" dirty="0" err="1">
+                <a:solidFill>
+                  <a:srgbClr val="000000"/>
+                </a:solidFill>
+                <a:latin typeface="Consolas" panose="020B0609020204030204" pitchFamily="49" charset="0"/>
+              </a:rPr>
+              <a:t>personPhone</a:t>
+            </a:r>
+            <a:r>
+              <a:rPr lang="en-AU" sz="1200" dirty="0">
+                <a:solidFill>
+                  <a:srgbClr val="000000"/>
+                </a:solidFill>
+                <a:latin typeface="Consolas" panose="020B0609020204030204" pitchFamily="49" charset="0"/>
+              </a:rPr>
+              <a:t> });</a:t>
+            </a:r>
+          </a:p>
+          <a:p>
+            <a:r>
+              <a:rPr lang="en-AU" sz="1200" dirty="0">
+                <a:solidFill>
+                  <a:srgbClr val="000000"/>
+                </a:solidFill>
+                <a:latin typeface="Consolas" panose="020B0609020204030204" pitchFamily="49" charset="0"/>
+              </a:rPr>
+              <a:t>                </a:t>
+            </a:r>
+            <a:r>
+              <a:rPr lang="en-AU" sz="1200" dirty="0" err="1">
+                <a:solidFill>
+                  <a:srgbClr val="000000"/>
+                </a:solidFill>
+                <a:latin typeface="Consolas" panose="020B0609020204030204" pitchFamily="49" charset="0"/>
+              </a:rPr>
+              <a:t>connection.Execute</a:t>
+            </a:r>
+            <a:r>
+              <a:rPr lang="en-AU" sz="1200" dirty="0">
+                <a:solidFill>
+                  <a:srgbClr val="000000"/>
+                </a:solidFill>
+                <a:latin typeface="Consolas" panose="020B0609020204030204" pitchFamily="49" charset="0"/>
+              </a:rPr>
+              <a:t>(</a:t>
+            </a:r>
+            <a:r>
+              <a:rPr lang="en-AU" sz="1200" dirty="0">
+                <a:solidFill>
+                  <a:srgbClr val="A31515"/>
+                </a:solidFill>
+                <a:latin typeface="Consolas" panose="020B0609020204030204" pitchFamily="49" charset="0"/>
+              </a:rPr>
+              <a:t>"</a:t>
+            </a:r>
+            <a:r>
+              <a:rPr lang="en-AU" sz="1200" dirty="0" err="1">
+                <a:solidFill>
+                  <a:srgbClr val="A31515"/>
+                </a:solidFill>
+                <a:latin typeface="Consolas" panose="020B0609020204030204" pitchFamily="49" charset="0"/>
+              </a:rPr>
+              <a:t>spPersonCRUD_Update</a:t>
+            </a:r>
+            <a:r>
+              <a:rPr lang="en-AU" sz="1200" dirty="0">
+                <a:solidFill>
+                  <a:srgbClr val="A31515"/>
+                </a:solidFill>
+                <a:latin typeface="Consolas" panose="020B0609020204030204" pitchFamily="49" charset="0"/>
+              </a:rPr>
+              <a:t> @personID, @personFirstName, @personLastName, @personEmail, @personPhone"</a:t>
+            </a:r>
+            <a:r>
+              <a:rPr lang="en-AU" sz="1200" dirty="0">
+                <a:solidFill>
+                  <a:srgbClr val="000000"/>
+                </a:solidFill>
+                <a:latin typeface="Consolas" panose="020B0609020204030204" pitchFamily="49" charset="0"/>
+              </a:rPr>
+              <a:t>, people);</a:t>
+            </a:r>
+          </a:p>
+          <a:p>
+            <a:r>
+              <a:rPr lang="en-AU" sz="1200" dirty="0">
+                <a:solidFill>
+                  <a:srgbClr val="000000"/>
+                </a:solidFill>
+                <a:latin typeface="Consolas" panose="020B0609020204030204" pitchFamily="49" charset="0"/>
+              </a:rPr>
+              <a:t>            }</a:t>
+            </a:r>
+          </a:p>
+        </p:txBody>
+      </p:sp>
+      <p:sp>
+        <p:nvSpPr>
+          <p:cNvPr id="10" name="TextBox 9">
+            <a:extLst>
+              <a:ext uri="{FF2B5EF4-FFF2-40B4-BE49-F238E27FC236}">
+                <a16:creationId xmlns:a16="http://schemas.microsoft.com/office/drawing/2014/main" id="{C3FE0BA2-AEE0-46F9-9968-A96A8DD44694}"/>
+              </a:ext>
+            </a:extLst>
+          </p:cNvPr>
+          <p:cNvSpPr txBox="1"/>
+          <p:nvPr/>
+        </p:nvSpPr>
+        <p:spPr>
+          <a:xfrm>
+            <a:off x="1704363" y="4149102"/>
+            <a:ext cx="8783274" cy="1200329"/>
+          </a:xfrm>
+          <a:prstGeom prst="rect">
+            <a:avLst/>
+          </a:prstGeom>
+          <a:noFill/>
+        </p:spPr>
+        <p:txBody>
+          <a:bodyPr wrap="square" rtlCol="0">
+            <a:spAutoFit/>
+          </a:bodyPr>
+          <a:lstStyle/>
+          <a:p>
+            <a:r>
+              <a:rPr lang="en-AU" sz="1200" dirty="0">
+                <a:solidFill>
+                  <a:srgbClr val="0000FF"/>
+                </a:solidFill>
+                <a:latin typeface="Consolas" panose="020B0609020204030204" pitchFamily="49" charset="0"/>
+              </a:rPr>
+              <a:t>using</a:t>
+            </a:r>
+            <a:r>
+              <a:rPr lang="en-AU" sz="1200" dirty="0">
+                <a:solidFill>
+                  <a:srgbClr val="000000"/>
+                </a:solidFill>
+                <a:latin typeface="Consolas" panose="020B0609020204030204" pitchFamily="49" charset="0"/>
+              </a:rPr>
+              <a:t> (</a:t>
+            </a:r>
+            <a:r>
+              <a:rPr lang="en-AU" sz="1200" dirty="0" err="1">
+                <a:solidFill>
+                  <a:srgbClr val="000000"/>
+                </a:solidFill>
+                <a:latin typeface="Consolas" panose="020B0609020204030204" pitchFamily="49" charset="0"/>
+              </a:rPr>
+              <a:t>IDbConnection</a:t>
+            </a:r>
+            <a:r>
+              <a:rPr lang="en-AU" sz="1200" dirty="0">
+                <a:solidFill>
+                  <a:srgbClr val="000000"/>
+                </a:solidFill>
+                <a:latin typeface="Consolas" panose="020B0609020204030204" pitchFamily="49" charset="0"/>
+              </a:rPr>
+              <a:t> connection = </a:t>
+            </a:r>
+            <a:r>
+              <a:rPr lang="en-AU" sz="1200" dirty="0">
+                <a:solidFill>
+                  <a:srgbClr val="0000FF"/>
+                </a:solidFill>
+                <a:latin typeface="Consolas" panose="020B0609020204030204" pitchFamily="49" charset="0"/>
+              </a:rPr>
+              <a:t>new</a:t>
+            </a:r>
+            <a:r>
+              <a:rPr lang="en-AU" sz="1200" dirty="0">
+                <a:solidFill>
+                  <a:srgbClr val="000000"/>
+                </a:solidFill>
+                <a:latin typeface="Consolas" panose="020B0609020204030204" pitchFamily="49" charset="0"/>
+              </a:rPr>
+              <a:t> </a:t>
+            </a:r>
+            <a:r>
+              <a:rPr lang="en-AU" sz="1200" dirty="0" err="1">
+                <a:solidFill>
+                  <a:srgbClr val="000000"/>
+                </a:solidFill>
+                <a:latin typeface="Consolas" panose="020B0609020204030204" pitchFamily="49" charset="0"/>
+              </a:rPr>
+              <a:t>SqlConnection</a:t>
+            </a:r>
+            <a:r>
+              <a:rPr lang="en-AU" sz="1200" dirty="0">
+                <a:solidFill>
+                  <a:srgbClr val="000000"/>
+                </a:solidFill>
+                <a:latin typeface="Consolas" panose="020B0609020204030204" pitchFamily="49" charset="0"/>
+              </a:rPr>
+              <a:t>(</a:t>
+            </a:r>
+            <a:r>
+              <a:rPr lang="en-AU" sz="1200" dirty="0" err="1">
+                <a:solidFill>
+                  <a:srgbClr val="000000"/>
+                </a:solidFill>
+                <a:latin typeface="Consolas" panose="020B0609020204030204" pitchFamily="49" charset="0"/>
+              </a:rPr>
+              <a:t>dbConnection</a:t>
+            </a:r>
+            <a:r>
+              <a:rPr lang="en-AU" sz="1200" dirty="0">
+                <a:solidFill>
+                  <a:srgbClr val="000000"/>
+                </a:solidFill>
+                <a:latin typeface="Consolas" panose="020B0609020204030204" pitchFamily="49" charset="0"/>
+              </a:rPr>
+              <a:t>))</a:t>
+            </a:r>
+          </a:p>
+          <a:p>
+            <a:r>
+              <a:rPr lang="en-AU" sz="1200" dirty="0">
+                <a:solidFill>
+                  <a:srgbClr val="000000"/>
+                </a:solidFill>
+                <a:latin typeface="Consolas" panose="020B0609020204030204" pitchFamily="49" charset="0"/>
+              </a:rPr>
+              <a:t>{</a:t>
+            </a:r>
+          </a:p>
+          <a:p>
+            <a:r>
+              <a:rPr lang="en-AU" sz="1200" dirty="0">
+                <a:solidFill>
+                  <a:srgbClr val="000000"/>
+                </a:solidFill>
+                <a:latin typeface="Consolas" panose="020B0609020204030204" pitchFamily="49" charset="0"/>
+              </a:rPr>
+              <a:t>                List&lt;Person&gt; people = </a:t>
+            </a:r>
+            <a:r>
+              <a:rPr lang="en-AU" sz="1200" dirty="0">
+                <a:solidFill>
+                  <a:srgbClr val="0000FF"/>
+                </a:solidFill>
+                <a:latin typeface="Consolas" panose="020B0609020204030204" pitchFamily="49" charset="0"/>
+              </a:rPr>
+              <a:t>new</a:t>
+            </a:r>
+            <a:r>
+              <a:rPr lang="en-AU" sz="1200" dirty="0">
+                <a:solidFill>
+                  <a:srgbClr val="000000"/>
+                </a:solidFill>
+                <a:latin typeface="Consolas" panose="020B0609020204030204" pitchFamily="49" charset="0"/>
+              </a:rPr>
+              <a:t> List&lt;Person&gt;();</a:t>
+            </a:r>
+          </a:p>
+          <a:p>
+            <a:r>
+              <a:rPr lang="en-AU" sz="1200" dirty="0">
+                <a:solidFill>
+                  <a:srgbClr val="000000"/>
+                </a:solidFill>
+                <a:latin typeface="Consolas" panose="020B0609020204030204" pitchFamily="49" charset="0"/>
+              </a:rPr>
+              <a:t>                </a:t>
+            </a:r>
+            <a:r>
+              <a:rPr lang="en-AU" sz="1200" dirty="0" err="1">
+                <a:solidFill>
+                  <a:srgbClr val="000000"/>
+                </a:solidFill>
+                <a:latin typeface="Consolas" panose="020B0609020204030204" pitchFamily="49" charset="0"/>
+              </a:rPr>
+              <a:t>people.Add</a:t>
+            </a:r>
+            <a:r>
+              <a:rPr lang="en-AU" sz="1200" dirty="0">
+                <a:solidFill>
+                  <a:srgbClr val="000000"/>
+                </a:solidFill>
+                <a:latin typeface="Consolas" panose="020B0609020204030204" pitchFamily="49" charset="0"/>
+              </a:rPr>
+              <a:t>(</a:t>
+            </a:r>
+            <a:r>
+              <a:rPr lang="en-AU" sz="1200" dirty="0">
+                <a:solidFill>
+                  <a:srgbClr val="0000FF"/>
+                </a:solidFill>
+                <a:latin typeface="Consolas" panose="020B0609020204030204" pitchFamily="49" charset="0"/>
+              </a:rPr>
+              <a:t>new</a:t>
+            </a:r>
+            <a:r>
+              <a:rPr lang="en-AU" sz="1200" dirty="0">
+                <a:solidFill>
+                  <a:srgbClr val="000000"/>
+                </a:solidFill>
+                <a:latin typeface="Consolas" panose="020B0609020204030204" pitchFamily="49" charset="0"/>
+              </a:rPr>
+              <a:t> Person { </a:t>
+            </a:r>
+            <a:r>
+              <a:rPr lang="en-AU" sz="1200" dirty="0" err="1">
+                <a:solidFill>
+                  <a:srgbClr val="000000"/>
+                </a:solidFill>
+                <a:latin typeface="Consolas" panose="020B0609020204030204" pitchFamily="49" charset="0"/>
+              </a:rPr>
+              <a:t>PersonID</a:t>
+            </a:r>
+            <a:r>
+              <a:rPr lang="en-AU" sz="1200" dirty="0">
+                <a:solidFill>
+                  <a:srgbClr val="000000"/>
+                </a:solidFill>
+                <a:latin typeface="Consolas" panose="020B0609020204030204" pitchFamily="49" charset="0"/>
+              </a:rPr>
+              <a:t> = </a:t>
+            </a:r>
+            <a:r>
+              <a:rPr lang="en-AU" sz="1200" dirty="0" err="1">
+                <a:solidFill>
+                  <a:srgbClr val="000000"/>
+                </a:solidFill>
+                <a:latin typeface="Consolas" panose="020B0609020204030204" pitchFamily="49" charset="0"/>
+              </a:rPr>
+              <a:t>personID</a:t>
+            </a:r>
+            <a:r>
+              <a:rPr lang="en-AU" sz="1200" dirty="0">
+                <a:solidFill>
+                  <a:srgbClr val="000000"/>
+                </a:solidFill>
+                <a:latin typeface="Consolas" panose="020B0609020204030204" pitchFamily="49" charset="0"/>
+              </a:rPr>
+              <a:t> });</a:t>
+            </a:r>
+          </a:p>
+          <a:p>
+            <a:r>
+              <a:rPr lang="en-AU" sz="1200" dirty="0">
+                <a:solidFill>
+                  <a:srgbClr val="000000"/>
+                </a:solidFill>
+                <a:latin typeface="Consolas" panose="020B0609020204030204" pitchFamily="49" charset="0"/>
+              </a:rPr>
+              <a:t>                </a:t>
+            </a:r>
+            <a:r>
+              <a:rPr lang="en-AU" sz="1200" dirty="0" err="1">
+                <a:solidFill>
+                  <a:srgbClr val="000000"/>
+                </a:solidFill>
+                <a:latin typeface="Consolas" panose="020B0609020204030204" pitchFamily="49" charset="0"/>
+              </a:rPr>
+              <a:t>connection.Execute</a:t>
+            </a:r>
+            <a:r>
+              <a:rPr lang="en-AU" sz="1200" dirty="0">
+                <a:solidFill>
+                  <a:srgbClr val="000000"/>
+                </a:solidFill>
+                <a:latin typeface="Consolas" panose="020B0609020204030204" pitchFamily="49" charset="0"/>
+              </a:rPr>
+              <a:t>(</a:t>
+            </a:r>
+            <a:r>
+              <a:rPr lang="en-AU" sz="1200" dirty="0">
+                <a:solidFill>
+                  <a:srgbClr val="A31515"/>
+                </a:solidFill>
+                <a:latin typeface="Consolas" panose="020B0609020204030204" pitchFamily="49" charset="0"/>
+              </a:rPr>
+              <a:t>"</a:t>
+            </a:r>
+            <a:r>
+              <a:rPr lang="en-AU" sz="1200" dirty="0" err="1">
+                <a:solidFill>
+                  <a:srgbClr val="A31515"/>
+                </a:solidFill>
+                <a:latin typeface="Consolas" panose="020B0609020204030204" pitchFamily="49" charset="0"/>
+              </a:rPr>
+              <a:t>spPersonCRUD_Delete</a:t>
+            </a:r>
+            <a:r>
+              <a:rPr lang="en-AU" sz="1200" dirty="0">
+                <a:solidFill>
+                  <a:srgbClr val="A31515"/>
+                </a:solidFill>
+                <a:latin typeface="Consolas" panose="020B0609020204030204" pitchFamily="49" charset="0"/>
+              </a:rPr>
+              <a:t> @personID"</a:t>
+            </a:r>
+            <a:r>
+              <a:rPr lang="en-AU" sz="1200" dirty="0">
+                <a:solidFill>
+                  <a:srgbClr val="000000"/>
+                </a:solidFill>
+                <a:latin typeface="Consolas" panose="020B0609020204030204" pitchFamily="49" charset="0"/>
+              </a:rPr>
+              <a:t>, people);</a:t>
+            </a:r>
+          </a:p>
+          <a:p>
+            <a:r>
+              <a:rPr lang="en-AU" sz="1200" dirty="0">
+                <a:solidFill>
+                  <a:srgbClr val="000000"/>
+                </a:solidFill>
+                <a:latin typeface="Consolas" panose="020B0609020204030204" pitchFamily="49" charset="0"/>
+              </a:rPr>
+              <a:t>}</a:t>
+            </a:r>
+          </a:p>
+        </p:txBody>
+      </p:sp>
+    </p:spTree>
+    <p:extLst>
+      <p:ext uri="{BB962C8B-B14F-4D97-AF65-F5344CB8AC3E}">
+        <p14:creationId xmlns:p14="http://schemas.microsoft.com/office/powerpoint/2010/main" val="995960522"/>
+      </p:ext>
+    </p:extLst>
+  </p:cSld>
+  <p:clrMapOvr>
+    <a:masterClrMapping/>
+  </p:clrMapOvr>
+</p:sld>
+</file>
+
+<file path=ppt/slides/slide8.xml><?xml version="1.0" encoding="utf-8"?>
+<p:sld xmlns:a="http://schemas.openxmlformats.org/drawingml/2006/main" xmlns:r="http://schemas.openxmlformats.org/officeDocument/2006/relationships" xmlns:p="http://schemas.openxmlformats.org/presentationml/2006/main">
+  <p:cSld>
+    <p:spTree>
+      <p:nvGrpSpPr>
+        <p:cNvPr id="1" name=""/>
+        <p:cNvGrpSpPr/>
+        <p:nvPr/>
+      </p:nvGrpSpPr>
+      <p:grpSpPr>
+        <a:xfrm>
+          <a:off x="0" y="0"/>
+          <a:ext cx="0" cy="0"/>
+          <a:chOff x="0" y="0"/>
+          <a:chExt cx="0" cy="0"/>
+        </a:xfrm>
+      </p:grpSpPr>
+      <p:sp>
+        <p:nvSpPr>
+          <p:cNvPr id="7" name="Title 1">
+            <a:extLst>
+              <a:ext uri="{FF2B5EF4-FFF2-40B4-BE49-F238E27FC236}">
+                <a16:creationId xmlns:a16="http://schemas.microsoft.com/office/drawing/2014/main" id="{91F51EE0-890A-4080-A16A-5A844C09CEBB}"/>
+              </a:ext>
+            </a:extLst>
+          </p:cNvPr>
+          <p:cNvSpPr>
+            <a:spLocks noGrp="1"/>
+          </p:cNvSpPr>
+          <p:nvPr>
+            <p:ph type="title"/>
+          </p:nvPr>
+        </p:nvSpPr>
+        <p:spPr>
+          <a:xfrm>
+            <a:off x="838200" y="167677"/>
+            <a:ext cx="10515600" cy="1325563"/>
+          </a:xfrm>
+        </p:spPr>
+        <p:txBody>
+          <a:bodyPr/>
+          <a:lstStyle/>
+          <a:p>
+            <a:r>
+              <a:rPr lang="en-AU" dirty="0"/>
+              <a:t>Search</a:t>
+            </a:r>
+          </a:p>
+        </p:txBody>
+      </p:sp>
+      <p:sp>
+        <p:nvSpPr>
+          <p:cNvPr id="9" name="TextBox 8">
+            <a:extLst>
+              <a:ext uri="{FF2B5EF4-FFF2-40B4-BE49-F238E27FC236}">
+                <a16:creationId xmlns:a16="http://schemas.microsoft.com/office/drawing/2014/main" id="{A873DF60-EF65-4552-848F-50315BE06504}"/>
+              </a:ext>
+            </a:extLst>
+          </p:cNvPr>
+          <p:cNvSpPr txBox="1"/>
+          <p:nvPr/>
+        </p:nvSpPr>
+        <p:spPr>
+          <a:xfrm>
+            <a:off x="1704363" y="1216777"/>
+            <a:ext cx="8783274" cy="1384995"/>
+          </a:xfrm>
+          <a:prstGeom prst="rect">
+            <a:avLst/>
+          </a:prstGeom>
+          <a:noFill/>
+        </p:spPr>
+        <p:txBody>
+          <a:bodyPr wrap="square" rtlCol="0">
+            <a:spAutoFit/>
+          </a:bodyPr>
+          <a:lstStyle/>
+          <a:p>
+            <a:r>
+              <a:rPr lang="en-AU" sz="1200" dirty="0">
+                <a:solidFill>
+                  <a:srgbClr val="0000FF"/>
+                </a:solidFill>
+                <a:latin typeface="Consolas" panose="020B0609020204030204" pitchFamily="49" charset="0"/>
+              </a:rPr>
+              <a:t>using</a:t>
+            </a:r>
+            <a:r>
+              <a:rPr lang="en-AU" sz="1200" dirty="0">
+                <a:solidFill>
+                  <a:srgbClr val="000000"/>
+                </a:solidFill>
+                <a:latin typeface="Consolas" panose="020B0609020204030204" pitchFamily="49" charset="0"/>
+              </a:rPr>
+              <a:t> (</a:t>
+            </a:r>
+            <a:r>
+              <a:rPr lang="en-AU" sz="1200" dirty="0" err="1">
+                <a:solidFill>
+                  <a:srgbClr val="000000"/>
+                </a:solidFill>
+                <a:latin typeface="Consolas" panose="020B0609020204030204" pitchFamily="49" charset="0"/>
+              </a:rPr>
+              <a:t>IDbConnection</a:t>
+            </a:r>
+            <a:r>
+              <a:rPr lang="en-AU" sz="1200" dirty="0">
+                <a:solidFill>
+                  <a:srgbClr val="000000"/>
+                </a:solidFill>
+                <a:latin typeface="Consolas" panose="020B0609020204030204" pitchFamily="49" charset="0"/>
+              </a:rPr>
+              <a:t> </a:t>
+            </a:r>
+            <a:r>
+              <a:rPr lang="en-AU" sz="1200" dirty="0" err="1">
+                <a:solidFill>
+                  <a:srgbClr val="000000"/>
+                </a:solidFill>
+                <a:latin typeface="Consolas" panose="020B0609020204030204" pitchFamily="49" charset="0"/>
+              </a:rPr>
+              <a:t>db</a:t>
+            </a:r>
+            <a:r>
+              <a:rPr lang="en-AU" sz="1200" dirty="0">
+                <a:solidFill>
+                  <a:srgbClr val="000000"/>
+                </a:solidFill>
+                <a:latin typeface="Consolas" panose="020B0609020204030204" pitchFamily="49" charset="0"/>
+              </a:rPr>
+              <a:t> = </a:t>
+            </a:r>
+            <a:r>
+              <a:rPr lang="en-AU" sz="1200" dirty="0">
+                <a:solidFill>
+                  <a:srgbClr val="0000FF"/>
+                </a:solidFill>
+                <a:latin typeface="Consolas" panose="020B0609020204030204" pitchFamily="49" charset="0"/>
+              </a:rPr>
+              <a:t>new</a:t>
+            </a:r>
+            <a:r>
+              <a:rPr lang="en-AU" sz="1200" dirty="0">
+                <a:solidFill>
+                  <a:srgbClr val="000000"/>
+                </a:solidFill>
+                <a:latin typeface="Consolas" panose="020B0609020204030204" pitchFamily="49" charset="0"/>
+              </a:rPr>
+              <a:t> </a:t>
+            </a:r>
+            <a:r>
+              <a:rPr lang="en-AU" sz="1200" dirty="0" err="1">
+                <a:solidFill>
+                  <a:srgbClr val="000000"/>
+                </a:solidFill>
+                <a:latin typeface="Consolas" panose="020B0609020204030204" pitchFamily="49" charset="0"/>
+              </a:rPr>
+              <a:t>SqlConnection</a:t>
+            </a:r>
+            <a:r>
+              <a:rPr lang="en-AU" sz="1200" dirty="0">
+                <a:solidFill>
+                  <a:srgbClr val="000000"/>
+                </a:solidFill>
+                <a:latin typeface="Consolas" panose="020B0609020204030204" pitchFamily="49" charset="0"/>
+              </a:rPr>
+              <a:t>(</a:t>
+            </a:r>
+            <a:r>
+              <a:rPr lang="en-AU" sz="1200" dirty="0" err="1">
+                <a:solidFill>
+                  <a:srgbClr val="000000"/>
+                </a:solidFill>
+                <a:latin typeface="Consolas" panose="020B0609020204030204" pitchFamily="49" charset="0"/>
+              </a:rPr>
+              <a:t>dbConnection</a:t>
+            </a:r>
+            <a:r>
+              <a:rPr lang="en-AU" sz="1200" dirty="0">
+                <a:solidFill>
+                  <a:srgbClr val="000000"/>
+                </a:solidFill>
+                <a:latin typeface="Consolas" panose="020B0609020204030204" pitchFamily="49" charset="0"/>
+              </a:rPr>
+              <a:t>))</a:t>
+            </a:r>
+          </a:p>
+          <a:p>
+            <a:r>
+              <a:rPr lang="en-AU" sz="1200" dirty="0">
+                <a:solidFill>
+                  <a:srgbClr val="000000"/>
+                </a:solidFill>
+                <a:latin typeface="Consolas" panose="020B0609020204030204" pitchFamily="49" charset="0"/>
+              </a:rPr>
+              <a:t>            {</a:t>
+            </a:r>
+          </a:p>
+          <a:p>
+            <a:r>
+              <a:rPr lang="en-AU" sz="1200" dirty="0">
+                <a:solidFill>
+                  <a:srgbClr val="000000"/>
+                </a:solidFill>
+                <a:latin typeface="Consolas" panose="020B0609020204030204" pitchFamily="49" charset="0"/>
+              </a:rPr>
+              <a:t>                </a:t>
+            </a:r>
+            <a:r>
+              <a:rPr lang="en-AU" sz="1200" dirty="0" err="1">
+                <a:solidFill>
+                  <a:srgbClr val="000000"/>
+                </a:solidFill>
+                <a:latin typeface="Consolas" panose="020B0609020204030204" pitchFamily="49" charset="0"/>
+              </a:rPr>
+              <a:t>DynamicParameters</a:t>
+            </a:r>
+            <a:r>
+              <a:rPr lang="en-AU" sz="1200" dirty="0">
+                <a:solidFill>
+                  <a:srgbClr val="000000"/>
+                </a:solidFill>
+                <a:latin typeface="Consolas" panose="020B0609020204030204" pitchFamily="49" charset="0"/>
+              </a:rPr>
+              <a:t> parameters = </a:t>
+            </a:r>
+            <a:r>
+              <a:rPr lang="en-AU" sz="1200" dirty="0">
+                <a:solidFill>
+                  <a:srgbClr val="0000FF"/>
+                </a:solidFill>
+                <a:latin typeface="Consolas" panose="020B0609020204030204" pitchFamily="49" charset="0"/>
+              </a:rPr>
+              <a:t>new</a:t>
+            </a:r>
+            <a:r>
+              <a:rPr lang="en-AU" sz="1200" dirty="0">
+                <a:solidFill>
+                  <a:srgbClr val="000000"/>
+                </a:solidFill>
+                <a:latin typeface="Consolas" panose="020B0609020204030204" pitchFamily="49" charset="0"/>
+              </a:rPr>
+              <a:t> </a:t>
+            </a:r>
+            <a:r>
+              <a:rPr lang="en-AU" sz="1200" dirty="0" err="1">
+                <a:solidFill>
+                  <a:srgbClr val="000000"/>
+                </a:solidFill>
+                <a:latin typeface="Consolas" panose="020B0609020204030204" pitchFamily="49" charset="0"/>
+              </a:rPr>
+              <a:t>DynamicParameters</a:t>
+            </a:r>
+            <a:r>
+              <a:rPr lang="en-AU" sz="1200" dirty="0">
+                <a:solidFill>
+                  <a:srgbClr val="000000"/>
+                </a:solidFill>
+                <a:latin typeface="Consolas" panose="020B0609020204030204" pitchFamily="49" charset="0"/>
+              </a:rPr>
+              <a:t>();</a:t>
+            </a:r>
+          </a:p>
+          <a:p>
+            <a:r>
+              <a:rPr lang="en-AU" sz="1200" dirty="0">
+                <a:solidFill>
+                  <a:srgbClr val="000000"/>
+                </a:solidFill>
+                <a:latin typeface="Consolas" panose="020B0609020204030204" pitchFamily="49" charset="0"/>
+              </a:rPr>
+              <a:t>                </a:t>
+            </a:r>
+            <a:r>
+              <a:rPr lang="en-AU" sz="1200" dirty="0" err="1">
+                <a:solidFill>
+                  <a:srgbClr val="000000"/>
+                </a:solidFill>
+                <a:latin typeface="Consolas" panose="020B0609020204030204" pitchFamily="49" charset="0"/>
+              </a:rPr>
+              <a:t>parameters.Add</a:t>
+            </a:r>
+            <a:r>
+              <a:rPr lang="en-AU" sz="1200" dirty="0">
+                <a:solidFill>
+                  <a:srgbClr val="000000"/>
+                </a:solidFill>
+                <a:latin typeface="Consolas" panose="020B0609020204030204" pitchFamily="49" charset="0"/>
+              </a:rPr>
+              <a:t>(</a:t>
+            </a:r>
+            <a:r>
+              <a:rPr lang="en-AU" sz="1200" dirty="0">
+                <a:solidFill>
+                  <a:srgbClr val="A31515"/>
+                </a:solidFill>
+                <a:latin typeface="Consolas" panose="020B0609020204030204" pitchFamily="49" charset="0"/>
+              </a:rPr>
+              <a:t>"@</a:t>
+            </a:r>
+            <a:r>
+              <a:rPr lang="en-AU" sz="1200" dirty="0" err="1">
+                <a:solidFill>
+                  <a:srgbClr val="A31515"/>
+                </a:solidFill>
+                <a:latin typeface="Consolas" panose="020B0609020204030204" pitchFamily="49" charset="0"/>
+              </a:rPr>
+              <a:t>SearchFirstName</a:t>
+            </a:r>
+            <a:r>
+              <a:rPr lang="en-AU" sz="1200" dirty="0">
+                <a:solidFill>
+                  <a:srgbClr val="A31515"/>
+                </a:solidFill>
+                <a:latin typeface="Consolas" panose="020B0609020204030204" pitchFamily="49" charset="0"/>
+              </a:rPr>
+              <a:t>"</a:t>
+            </a:r>
+            <a:r>
+              <a:rPr lang="en-AU" sz="1200" dirty="0">
+                <a:solidFill>
+                  <a:srgbClr val="000000"/>
+                </a:solidFill>
+                <a:latin typeface="Consolas" panose="020B0609020204030204" pitchFamily="49" charset="0"/>
+              </a:rPr>
+              <a:t>, </a:t>
+            </a:r>
+            <a:r>
+              <a:rPr lang="en-AU" sz="1200" dirty="0" err="1">
+                <a:solidFill>
+                  <a:srgbClr val="000000"/>
+                </a:solidFill>
+                <a:latin typeface="Consolas" panose="020B0609020204030204" pitchFamily="49" charset="0"/>
+              </a:rPr>
+              <a:t>personFirstName</a:t>
+            </a:r>
+            <a:r>
+              <a:rPr lang="en-AU" sz="1200" dirty="0">
+                <a:solidFill>
+                  <a:srgbClr val="000000"/>
+                </a:solidFill>
+                <a:latin typeface="Consolas" panose="020B0609020204030204" pitchFamily="49" charset="0"/>
+              </a:rPr>
+              <a:t>);</a:t>
+            </a:r>
+          </a:p>
+          <a:p>
+            <a:r>
+              <a:rPr lang="en-AU" sz="1200" dirty="0">
+                <a:solidFill>
+                  <a:srgbClr val="000000"/>
+                </a:solidFill>
+                <a:latin typeface="Consolas" panose="020B0609020204030204" pitchFamily="49" charset="0"/>
+              </a:rPr>
+              <a:t>                </a:t>
+            </a:r>
+            <a:r>
+              <a:rPr lang="en-AU" sz="1200" dirty="0">
+                <a:solidFill>
+                  <a:srgbClr val="0000FF"/>
+                </a:solidFill>
+                <a:latin typeface="Consolas" panose="020B0609020204030204" pitchFamily="49" charset="0"/>
+              </a:rPr>
+              <a:t>return</a:t>
+            </a:r>
+            <a:r>
+              <a:rPr lang="en-AU" sz="1200" dirty="0">
+                <a:solidFill>
+                  <a:srgbClr val="000000"/>
+                </a:solidFill>
+                <a:latin typeface="Consolas" panose="020B0609020204030204" pitchFamily="49" charset="0"/>
+              </a:rPr>
+              <a:t> </a:t>
+            </a:r>
+            <a:r>
+              <a:rPr lang="en-AU" sz="1200" dirty="0" err="1">
+                <a:solidFill>
+                  <a:srgbClr val="000000"/>
+                </a:solidFill>
+                <a:latin typeface="Consolas" panose="020B0609020204030204" pitchFamily="49" charset="0"/>
+              </a:rPr>
+              <a:t>db.Query</a:t>
+            </a:r>
+            <a:r>
+              <a:rPr lang="en-AU" sz="1200" dirty="0">
+                <a:solidFill>
+                  <a:srgbClr val="000000"/>
+                </a:solidFill>
+                <a:latin typeface="Consolas" panose="020B0609020204030204" pitchFamily="49" charset="0"/>
+              </a:rPr>
+              <a:t>&lt;Person&gt;(</a:t>
+            </a:r>
+            <a:r>
+              <a:rPr lang="en-AU" sz="1200" dirty="0">
+                <a:solidFill>
+                  <a:srgbClr val="A31515"/>
+                </a:solidFill>
+                <a:latin typeface="Consolas" panose="020B0609020204030204" pitchFamily="49" charset="0"/>
+              </a:rPr>
+              <a:t>"</a:t>
+            </a:r>
+            <a:r>
+              <a:rPr lang="en-AU" sz="1200" dirty="0" err="1">
+                <a:solidFill>
+                  <a:srgbClr val="A31515"/>
+                </a:solidFill>
+                <a:latin typeface="Consolas" panose="020B0609020204030204" pitchFamily="49" charset="0"/>
+              </a:rPr>
+              <a:t>spPersonCRUD_SearchFirstName</a:t>
+            </a:r>
+            <a:r>
+              <a:rPr lang="en-AU" sz="1200" dirty="0">
+                <a:solidFill>
+                  <a:srgbClr val="A31515"/>
+                </a:solidFill>
+                <a:latin typeface="Consolas" panose="020B0609020204030204" pitchFamily="49" charset="0"/>
+              </a:rPr>
+              <a:t>"</a:t>
+            </a:r>
+            <a:r>
+              <a:rPr lang="en-AU" sz="1200" dirty="0">
+                <a:solidFill>
+                  <a:srgbClr val="000000"/>
+                </a:solidFill>
+                <a:latin typeface="Consolas" panose="020B0609020204030204" pitchFamily="49" charset="0"/>
+              </a:rPr>
+              <a:t>, parameters, </a:t>
+            </a:r>
+            <a:r>
+              <a:rPr lang="en-AU" sz="1200" dirty="0" err="1">
+                <a:solidFill>
+                  <a:srgbClr val="000000"/>
+                </a:solidFill>
+                <a:latin typeface="Consolas" panose="020B0609020204030204" pitchFamily="49" charset="0"/>
+              </a:rPr>
+              <a:t>commandType</a:t>
+            </a:r>
+            <a:r>
+              <a:rPr lang="en-AU" sz="1200" dirty="0">
+                <a:solidFill>
+                  <a:srgbClr val="000000"/>
+                </a:solidFill>
+                <a:latin typeface="Consolas" panose="020B0609020204030204" pitchFamily="49" charset="0"/>
+              </a:rPr>
+              <a:t>: </a:t>
+            </a:r>
+            <a:r>
+              <a:rPr lang="en-AU" sz="1200" dirty="0" err="1">
+                <a:solidFill>
+                  <a:srgbClr val="000000"/>
+                </a:solidFill>
+                <a:latin typeface="Consolas" panose="020B0609020204030204" pitchFamily="49" charset="0"/>
+              </a:rPr>
+              <a:t>CommandType.StoredProcedure</a:t>
+            </a:r>
+            <a:r>
+              <a:rPr lang="en-AU" sz="1200" dirty="0">
+                <a:solidFill>
+                  <a:srgbClr val="000000"/>
+                </a:solidFill>
+                <a:latin typeface="Consolas" panose="020B0609020204030204" pitchFamily="49" charset="0"/>
+              </a:rPr>
+              <a:t>).</a:t>
+            </a:r>
+            <a:r>
+              <a:rPr lang="en-AU" sz="1200" dirty="0" err="1">
+                <a:solidFill>
+                  <a:srgbClr val="000000"/>
+                </a:solidFill>
+                <a:latin typeface="Consolas" panose="020B0609020204030204" pitchFamily="49" charset="0"/>
+              </a:rPr>
+              <a:t>ToList</a:t>
+            </a:r>
+            <a:r>
+              <a:rPr lang="en-AU" sz="1200" dirty="0">
+                <a:solidFill>
+                  <a:srgbClr val="000000"/>
+                </a:solidFill>
+                <a:latin typeface="Consolas" panose="020B0609020204030204" pitchFamily="49" charset="0"/>
+              </a:rPr>
+              <a:t>&lt;Person&gt;();</a:t>
+            </a:r>
+          </a:p>
+          <a:p>
+            <a:r>
+              <a:rPr lang="en-AU" sz="1200" dirty="0">
+                <a:solidFill>
+                  <a:srgbClr val="000000"/>
+                </a:solidFill>
+                <a:latin typeface="Consolas" panose="020B0609020204030204" pitchFamily="49" charset="0"/>
+              </a:rPr>
+              <a:t>            }</a:t>
+            </a:r>
+          </a:p>
+        </p:txBody>
+      </p:sp>
+    </p:spTree>
+    <p:extLst>
+      <p:ext uri="{BB962C8B-B14F-4D97-AF65-F5344CB8AC3E}">
+        <p14:creationId xmlns:p14="http://schemas.microsoft.com/office/powerpoint/2010/main" val="1428045071"/>
+      </p:ext>
+    </p:extLst>
+  </p:cSld>
+  <p:clrMapOvr>
+    <a:masterClrMapping/>
+  </p:clrMapOvr>
+</p:sld>
+</file>
+
+<file path=ppt/slides/slide9.xml><?xml version="1.0" encoding="utf-8"?>
 <p:sld xmlns:a="http://schemas.openxmlformats.org/drawingml/2006/main" xmlns:r="http://schemas.openxmlformats.org/officeDocument/2006/relationships" xmlns:p="http://schemas.openxmlformats.org/presentationml/2006/main">
   <p:cSld>
     <p:spTree>
@@ -4552,1610 +11057,6 @@
 </p:sld>
 </file>
 
-<file path=ppt/slides/slide12.xml><?xml version="1.0" encoding="utf-8"?>
-<p:sld xmlns:a="http://schemas.openxmlformats.org/drawingml/2006/main" xmlns:r="http://schemas.openxmlformats.org/officeDocument/2006/relationships" xmlns:p="http://schemas.openxmlformats.org/presentationml/2006/main">
-  <p:cSld>
-    <p:spTree>
-      <p:nvGrpSpPr>
-        <p:cNvPr id="1" name=""/>
-        <p:cNvGrpSpPr/>
-        <p:nvPr/>
-      </p:nvGrpSpPr>
-      <p:grpSpPr>
-        <a:xfrm>
-          <a:off x="0" y="0"/>
-          <a:ext cx="0" cy="0"/>
-          <a:chOff x="0" y="0"/>
-          <a:chExt cx="0" cy="0"/>
-        </a:xfrm>
-      </p:grpSpPr>
-      <p:sp>
-        <p:nvSpPr>
-          <p:cNvPr id="2" name="Title 1">
-            <a:extLst>
-              <a:ext uri="{FF2B5EF4-FFF2-40B4-BE49-F238E27FC236}">
-                <a16:creationId xmlns:a16="http://schemas.microsoft.com/office/drawing/2014/main" id="{88518B33-E70E-4C60-91EF-A7B7A03F3E73}"/>
-              </a:ext>
-            </a:extLst>
-          </p:cNvPr>
-          <p:cNvSpPr>
-            <a:spLocks noGrp="1"/>
-          </p:cNvSpPr>
-          <p:nvPr>
-            <p:ph type="title"/>
-          </p:nvPr>
-        </p:nvSpPr>
-        <p:spPr/>
-        <p:txBody>
-          <a:bodyPr/>
-          <a:lstStyle/>
-          <a:p>
-            <a:r>
-              <a:rPr lang="en-AU" dirty="0"/>
-              <a:t>My experience with Unit and Mock testing</a:t>
-            </a:r>
-          </a:p>
-        </p:txBody>
-      </p:sp>
-      <p:sp>
-        <p:nvSpPr>
-          <p:cNvPr id="3" name="Content Placeholder 2">
-            <a:extLst>
-              <a:ext uri="{FF2B5EF4-FFF2-40B4-BE49-F238E27FC236}">
-                <a16:creationId xmlns:a16="http://schemas.microsoft.com/office/drawing/2014/main" id="{260A4E04-6D85-451E-8AAD-C924E46461EE}"/>
-              </a:ext>
-            </a:extLst>
-          </p:cNvPr>
-          <p:cNvSpPr>
-            <a:spLocks noGrp="1"/>
-          </p:cNvSpPr>
-          <p:nvPr>
-            <p:ph idx="1"/>
-          </p:nvPr>
-        </p:nvSpPr>
-        <p:spPr/>
-        <p:txBody>
-          <a:bodyPr>
-            <a:normAutofit/>
-          </a:bodyPr>
-          <a:lstStyle/>
-          <a:p>
-            <a:r>
-              <a:rPr lang="en-AU" sz="2000" dirty="0"/>
-              <a:t>Before implementation, I had no previous no knowledge of unit or mock testing and was rarely a topic during my university years as it was never assessed. Not even my coding YouTuber mentors had any videos on those topics.</a:t>
-            </a:r>
-          </a:p>
-          <a:p>
-            <a:r>
-              <a:rPr lang="en-AU" sz="2000" dirty="0"/>
-              <a:t>I was able to overcome this roadblock with the help of Tim Corey’s videos on </a:t>
-            </a:r>
-            <a:r>
-              <a:rPr lang="en-AU" sz="2000" dirty="0" err="1"/>
-              <a:t>xUnit</a:t>
-            </a:r>
-            <a:r>
-              <a:rPr lang="en-AU" sz="2000" dirty="0"/>
-              <a:t> and </a:t>
-            </a:r>
-            <a:r>
-              <a:rPr lang="en-AU" sz="2000" dirty="0" err="1"/>
-              <a:t>Moq</a:t>
-            </a:r>
-            <a:r>
-              <a:rPr lang="en-AU" sz="2000" dirty="0"/>
-              <a:t>. Those videos helped me out tremendously with finishing off my project.</a:t>
-            </a:r>
-          </a:p>
-          <a:p>
-            <a:r>
-              <a:rPr lang="en-AU" sz="2000" dirty="0"/>
-              <a:t>I discovered that while it was time consuming to build each unit test for each software component. It ensured me that every software component was achieving specified quality control.</a:t>
-            </a:r>
-          </a:p>
-          <a:p>
-            <a:r>
-              <a:rPr lang="en-AU" sz="2000" dirty="0"/>
-              <a:t>Unit and Mock Testing also simplified the debugging process and made code refactoring much more simple.</a:t>
-            </a:r>
-          </a:p>
-          <a:p>
-            <a:r>
-              <a:rPr lang="en-AU" sz="2000" dirty="0"/>
-              <a:t>Unit and Mock Testing should be used to detect any early bugs in the software during the development phase.</a:t>
-            </a:r>
-          </a:p>
-        </p:txBody>
-      </p:sp>
-    </p:spTree>
-    <p:extLst>
-      <p:ext uri="{BB962C8B-B14F-4D97-AF65-F5344CB8AC3E}">
-        <p14:creationId xmlns:p14="http://schemas.microsoft.com/office/powerpoint/2010/main" val="3199231867"/>
-      </p:ext>
-    </p:extLst>
-  </p:cSld>
-  <p:clrMapOvr>
-    <a:masterClrMapping/>
-  </p:clrMapOvr>
-</p:sld>
-</file>
-
-<file path=ppt/slides/slide13.xml><?xml version="1.0" encoding="utf-8"?>
-<p:sld xmlns:a="http://schemas.openxmlformats.org/drawingml/2006/main" xmlns:r="http://schemas.openxmlformats.org/officeDocument/2006/relationships" xmlns:p="http://schemas.openxmlformats.org/presentationml/2006/main">
-  <p:cSld>
-    <p:spTree>
-      <p:nvGrpSpPr>
-        <p:cNvPr id="1" name=""/>
-        <p:cNvGrpSpPr/>
-        <p:nvPr/>
-      </p:nvGrpSpPr>
-      <p:grpSpPr>
-        <a:xfrm>
-          <a:off x="0" y="0"/>
-          <a:ext cx="0" cy="0"/>
-          <a:chOff x="0" y="0"/>
-          <a:chExt cx="0" cy="0"/>
-        </a:xfrm>
-      </p:grpSpPr>
-      <p:sp>
-        <p:nvSpPr>
-          <p:cNvPr id="2" name="Title 1">
-            <a:extLst>
-              <a:ext uri="{FF2B5EF4-FFF2-40B4-BE49-F238E27FC236}">
-                <a16:creationId xmlns:a16="http://schemas.microsoft.com/office/drawing/2014/main" id="{0E9434A6-F991-4B65-B978-B79623C877A5}"/>
-              </a:ext>
-            </a:extLst>
-          </p:cNvPr>
-          <p:cNvSpPr>
-            <a:spLocks noGrp="1"/>
-          </p:cNvSpPr>
-          <p:nvPr>
-            <p:ph type="title"/>
-          </p:nvPr>
-        </p:nvSpPr>
-        <p:spPr/>
-        <p:txBody>
-          <a:bodyPr/>
-          <a:lstStyle/>
-          <a:p>
-            <a:r>
-              <a:rPr lang="en-AU" dirty="0"/>
-              <a:t>Conclusion</a:t>
-            </a:r>
-          </a:p>
-        </p:txBody>
-      </p:sp>
-      <p:sp>
-        <p:nvSpPr>
-          <p:cNvPr id="3" name="Content Placeholder 2">
-            <a:extLst>
-              <a:ext uri="{FF2B5EF4-FFF2-40B4-BE49-F238E27FC236}">
-                <a16:creationId xmlns:a16="http://schemas.microsoft.com/office/drawing/2014/main" id="{147E103A-CCDC-4E86-A2E5-32ABD2E72C52}"/>
-              </a:ext>
-            </a:extLst>
-          </p:cNvPr>
-          <p:cNvSpPr>
-            <a:spLocks noGrp="1"/>
-          </p:cNvSpPr>
-          <p:nvPr>
-            <p:ph idx="1"/>
-          </p:nvPr>
-        </p:nvSpPr>
-        <p:spPr/>
-        <p:txBody>
-          <a:bodyPr>
-            <a:normAutofit/>
-          </a:bodyPr>
-          <a:lstStyle/>
-          <a:p>
-            <a:r>
-              <a:rPr lang="en-AU" dirty="0"/>
-              <a:t>My overall thoughts.</a:t>
-            </a:r>
-          </a:p>
-          <a:p>
-            <a:endParaRPr lang="en-AU" dirty="0"/>
-          </a:p>
-        </p:txBody>
-      </p:sp>
-    </p:spTree>
-    <p:extLst>
-      <p:ext uri="{BB962C8B-B14F-4D97-AF65-F5344CB8AC3E}">
-        <p14:creationId xmlns:p14="http://schemas.microsoft.com/office/powerpoint/2010/main" val="48871430"/>
-      </p:ext>
-    </p:extLst>
-  </p:cSld>
-  <p:clrMapOvr>
-    <a:masterClrMapping/>
-  </p:clrMapOvr>
-</p:sld>
-</file>
-
-<file path=ppt/slides/slide14.xml><?xml version="1.0" encoding="utf-8"?>
-<p:sld xmlns:a="http://schemas.openxmlformats.org/drawingml/2006/main" xmlns:r="http://schemas.openxmlformats.org/officeDocument/2006/relationships" xmlns:p="http://schemas.openxmlformats.org/presentationml/2006/main">
-  <p:cSld>
-    <p:spTree>
-      <p:nvGrpSpPr>
-        <p:cNvPr id="1" name=""/>
-        <p:cNvGrpSpPr/>
-        <p:nvPr/>
-      </p:nvGrpSpPr>
-      <p:grpSpPr>
-        <a:xfrm>
-          <a:off x="0" y="0"/>
-          <a:ext cx="0" cy="0"/>
-          <a:chOff x="0" y="0"/>
-          <a:chExt cx="0" cy="0"/>
-        </a:xfrm>
-      </p:grpSpPr>
-      <p:sp>
-        <p:nvSpPr>
-          <p:cNvPr id="2" name="Title 1">
-            <a:extLst>
-              <a:ext uri="{FF2B5EF4-FFF2-40B4-BE49-F238E27FC236}">
-                <a16:creationId xmlns:a16="http://schemas.microsoft.com/office/drawing/2014/main" id="{5CEF6824-8784-4089-AD39-EAD045A005CC}"/>
-              </a:ext>
-            </a:extLst>
-          </p:cNvPr>
-          <p:cNvSpPr>
-            <a:spLocks noGrp="1"/>
-          </p:cNvSpPr>
-          <p:nvPr>
-            <p:ph type="title"/>
-          </p:nvPr>
-        </p:nvSpPr>
-        <p:spPr/>
-        <p:txBody>
-          <a:bodyPr/>
-          <a:lstStyle/>
-          <a:p>
-            <a:r>
-              <a:rPr lang="en-AU" dirty="0"/>
-              <a:t>Thank you for Listening</a:t>
-            </a:r>
-          </a:p>
-        </p:txBody>
-      </p:sp>
-      <p:sp>
-        <p:nvSpPr>
-          <p:cNvPr id="3" name="Content Placeholder 2">
-            <a:extLst>
-              <a:ext uri="{FF2B5EF4-FFF2-40B4-BE49-F238E27FC236}">
-                <a16:creationId xmlns:a16="http://schemas.microsoft.com/office/drawing/2014/main" id="{B68D4827-301C-4FB1-9184-11BEA2C9334E}"/>
-              </a:ext>
-            </a:extLst>
-          </p:cNvPr>
-          <p:cNvSpPr>
-            <a:spLocks noGrp="1"/>
-          </p:cNvSpPr>
-          <p:nvPr>
-            <p:ph idx="1"/>
-          </p:nvPr>
-        </p:nvSpPr>
-        <p:spPr/>
-        <p:txBody>
-          <a:bodyPr/>
-          <a:lstStyle/>
-          <a:p>
-            <a:r>
-              <a:rPr lang="en-AU" dirty="0"/>
-              <a:t>Any questions?</a:t>
-            </a:r>
-          </a:p>
-        </p:txBody>
-      </p:sp>
-    </p:spTree>
-    <p:extLst>
-      <p:ext uri="{BB962C8B-B14F-4D97-AF65-F5344CB8AC3E}">
-        <p14:creationId xmlns:p14="http://schemas.microsoft.com/office/powerpoint/2010/main" val="3530064586"/>
-      </p:ext>
-    </p:extLst>
-  </p:cSld>
-  <p:clrMapOvr>
-    <a:masterClrMapping/>
-  </p:clrMapOvr>
-</p:sld>
-</file>
-
-<file path=ppt/slides/slide2.xml><?xml version="1.0" encoding="utf-8"?>
-<p:sld xmlns:a="http://schemas.openxmlformats.org/drawingml/2006/main" xmlns:r="http://schemas.openxmlformats.org/officeDocument/2006/relationships" xmlns:p="http://schemas.openxmlformats.org/presentationml/2006/main">
-  <p:cSld>
-    <p:spTree>
-      <p:nvGrpSpPr>
-        <p:cNvPr id="1" name=""/>
-        <p:cNvGrpSpPr/>
-        <p:nvPr/>
-      </p:nvGrpSpPr>
-      <p:grpSpPr>
-        <a:xfrm>
-          <a:off x="0" y="0"/>
-          <a:ext cx="0" cy="0"/>
-          <a:chOff x="0" y="0"/>
-          <a:chExt cx="0" cy="0"/>
-        </a:xfrm>
-      </p:grpSpPr>
-      <p:sp>
-        <p:nvSpPr>
-          <p:cNvPr id="2" name="Title 1">
-            <a:extLst>
-              <a:ext uri="{FF2B5EF4-FFF2-40B4-BE49-F238E27FC236}">
-                <a16:creationId xmlns:a16="http://schemas.microsoft.com/office/drawing/2014/main" id="{E2D4E33F-37D9-4014-9A83-FD934F0A57CE}"/>
-              </a:ext>
-            </a:extLst>
-          </p:cNvPr>
-          <p:cNvSpPr>
-            <a:spLocks noGrp="1"/>
-          </p:cNvSpPr>
-          <p:nvPr>
-            <p:ph type="title"/>
-          </p:nvPr>
-        </p:nvSpPr>
-        <p:spPr/>
-        <p:txBody>
-          <a:bodyPr/>
-          <a:lstStyle/>
-          <a:p>
-            <a:r>
-              <a:rPr lang="en-AU" dirty="0"/>
-              <a:t>Agenda</a:t>
-            </a:r>
-          </a:p>
-        </p:txBody>
-      </p:sp>
-      <p:sp>
-        <p:nvSpPr>
-          <p:cNvPr id="3" name="Content Placeholder 2">
-            <a:extLst>
-              <a:ext uri="{FF2B5EF4-FFF2-40B4-BE49-F238E27FC236}">
-                <a16:creationId xmlns:a16="http://schemas.microsoft.com/office/drawing/2014/main" id="{E5D2E328-C345-4995-8A79-C049302BF3C4}"/>
-              </a:ext>
-            </a:extLst>
-          </p:cNvPr>
-          <p:cNvSpPr>
-            <a:spLocks noGrp="1"/>
-          </p:cNvSpPr>
-          <p:nvPr>
-            <p:ph idx="1"/>
-          </p:nvPr>
-        </p:nvSpPr>
-        <p:spPr/>
-        <p:txBody>
-          <a:bodyPr/>
-          <a:lstStyle/>
-          <a:p>
-            <a:r>
-              <a:rPr lang="en-AU" dirty="0"/>
-              <a:t>What is the project?</a:t>
-            </a:r>
-          </a:p>
-          <a:p>
-            <a:r>
-              <a:rPr lang="en-AU" dirty="0"/>
-              <a:t>Slide by Slide demo</a:t>
-            </a:r>
-          </a:p>
-          <a:p>
-            <a:r>
-              <a:rPr lang="en-AU" dirty="0"/>
-              <a:t>Entity Framework vs Dapper</a:t>
-            </a:r>
-          </a:p>
-          <a:p>
-            <a:r>
-              <a:rPr lang="en-AU" dirty="0"/>
-              <a:t>What is Unit and Mock testing?</a:t>
-            </a:r>
-          </a:p>
-          <a:p>
-            <a:r>
-              <a:rPr lang="en-AU" dirty="0"/>
-              <a:t>My experience with </a:t>
-            </a:r>
-            <a:r>
-              <a:rPr lang="en-AU" dirty="0" err="1"/>
-              <a:t>xUnit</a:t>
-            </a:r>
-            <a:r>
-              <a:rPr lang="en-AU" dirty="0"/>
-              <a:t> and </a:t>
-            </a:r>
-            <a:r>
-              <a:rPr lang="en-AU" dirty="0" err="1"/>
-              <a:t>Moq</a:t>
-            </a:r>
-            <a:r>
-              <a:rPr lang="en-AU" dirty="0"/>
-              <a:t> testing</a:t>
-            </a:r>
-          </a:p>
-        </p:txBody>
-      </p:sp>
-    </p:spTree>
-    <p:extLst>
-      <p:ext uri="{BB962C8B-B14F-4D97-AF65-F5344CB8AC3E}">
-        <p14:creationId xmlns:p14="http://schemas.microsoft.com/office/powerpoint/2010/main" val="2382921116"/>
-      </p:ext>
-    </p:extLst>
-  </p:cSld>
-  <p:clrMapOvr>
-    <a:masterClrMapping/>
-  </p:clrMapOvr>
-</p:sld>
-</file>
-
-<file path=ppt/slides/slide3.xml><?xml version="1.0" encoding="utf-8"?>
-<p:sld xmlns:a="http://schemas.openxmlformats.org/drawingml/2006/main" xmlns:r="http://schemas.openxmlformats.org/officeDocument/2006/relationships" xmlns:p="http://schemas.openxmlformats.org/presentationml/2006/main">
-  <p:cSld>
-    <p:spTree>
-      <p:nvGrpSpPr>
-        <p:cNvPr id="1" name=""/>
-        <p:cNvGrpSpPr/>
-        <p:nvPr/>
-      </p:nvGrpSpPr>
-      <p:grpSpPr>
-        <a:xfrm>
-          <a:off x="0" y="0"/>
-          <a:ext cx="0" cy="0"/>
-          <a:chOff x="0" y="0"/>
-          <a:chExt cx="0" cy="0"/>
-        </a:xfrm>
-      </p:grpSpPr>
-      <p:sp>
-        <p:nvSpPr>
-          <p:cNvPr id="2" name="Title 1">
-            <a:extLst>
-              <a:ext uri="{FF2B5EF4-FFF2-40B4-BE49-F238E27FC236}">
-                <a16:creationId xmlns:a16="http://schemas.microsoft.com/office/drawing/2014/main" id="{88518B33-E70E-4C60-91EF-A7B7A03F3E73}"/>
-              </a:ext>
-            </a:extLst>
-          </p:cNvPr>
-          <p:cNvSpPr>
-            <a:spLocks noGrp="1"/>
-          </p:cNvSpPr>
-          <p:nvPr>
-            <p:ph type="title"/>
-          </p:nvPr>
-        </p:nvSpPr>
-        <p:spPr/>
-        <p:txBody>
-          <a:bodyPr/>
-          <a:lstStyle/>
-          <a:p>
-            <a:r>
-              <a:rPr lang="en-AU" dirty="0"/>
-              <a:t>What is the project?</a:t>
-            </a:r>
-          </a:p>
-        </p:txBody>
-      </p:sp>
-      <p:sp>
-        <p:nvSpPr>
-          <p:cNvPr id="3" name="Content Placeholder 2">
-            <a:extLst>
-              <a:ext uri="{FF2B5EF4-FFF2-40B4-BE49-F238E27FC236}">
-                <a16:creationId xmlns:a16="http://schemas.microsoft.com/office/drawing/2014/main" id="{260A4E04-6D85-451E-8AAD-C924E46461EE}"/>
-              </a:ext>
-            </a:extLst>
-          </p:cNvPr>
-          <p:cNvSpPr>
-            <a:spLocks noGrp="1"/>
-          </p:cNvSpPr>
-          <p:nvPr>
-            <p:ph idx="1"/>
-          </p:nvPr>
-        </p:nvSpPr>
-        <p:spPr/>
-        <p:txBody>
-          <a:bodyPr/>
-          <a:lstStyle/>
-          <a:p>
-            <a:r>
-              <a:rPr lang="en-AU" dirty="0"/>
-              <a:t>The project is Dashboard UI which incorporates the ability to create, read, update and delete people.</a:t>
-            </a:r>
-          </a:p>
-          <a:p>
-            <a:r>
-              <a:rPr lang="en-AU" dirty="0"/>
-              <a:t>The project was solved using C# and SQL. The SQL server was MSSQL and </a:t>
-            </a:r>
-          </a:p>
-          <a:p>
-            <a:r>
-              <a:rPr lang="en-AU" dirty="0"/>
-              <a:t>Testing was solved using </a:t>
-            </a:r>
-            <a:r>
-              <a:rPr lang="en-AU" dirty="0" err="1"/>
-              <a:t>xUnit</a:t>
-            </a:r>
-            <a:r>
-              <a:rPr lang="en-AU" dirty="0"/>
-              <a:t> and </a:t>
-            </a:r>
-            <a:r>
-              <a:rPr lang="en-AU" dirty="0" err="1"/>
-              <a:t>Moq</a:t>
-            </a:r>
-            <a:r>
-              <a:rPr lang="en-AU" dirty="0"/>
-              <a:t> testing.</a:t>
-            </a:r>
-          </a:p>
-        </p:txBody>
-      </p:sp>
-    </p:spTree>
-    <p:extLst>
-      <p:ext uri="{BB962C8B-B14F-4D97-AF65-F5344CB8AC3E}">
-        <p14:creationId xmlns:p14="http://schemas.microsoft.com/office/powerpoint/2010/main" val="1529232628"/>
-      </p:ext>
-    </p:extLst>
-  </p:cSld>
-  <p:clrMapOvr>
-    <a:masterClrMapping/>
-  </p:clrMapOvr>
-</p:sld>
-</file>
-
-<file path=ppt/slides/slide4.xml><?xml version="1.0" encoding="utf-8"?>
-<p:sld xmlns:a="http://schemas.openxmlformats.org/drawingml/2006/main" xmlns:r="http://schemas.openxmlformats.org/officeDocument/2006/relationships" xmlns:p="http://schemas.openxmlformats.org/presentationml/2006/main">
-  <p:cSld>
-    <p:bg>
-      <p:bgPr>
-        <a:solidFill>
-          <a:schemeClr val="bg1"/>
-        </a:solidFill>
-        <a:effectLst/>
-      </p:bgPr>
-    </p:bg>
-    <p:spTree>
-      <p:nvGrpSpPr>
-        <p:cNvPr id="1" name=""/>
-        <p:cNvGrpSpPr/>
-        <p:nvPr/>
-      </p:nvGrpSpPr>
-      <p:grpSpPr>
-        <a:xfrm>
-          <a:off x="0" y="0"/>
-          <a:ext cx="0" cy="0"/>
-          <a:chOff x="0" y="0"/>
-          <a:chExt cx="0" cy="0"/>
-        </a:xfrm>
-      </p:grpSpPr>
-      <p:sp useBgFill="1">
-        <p:nvSpPr>
-          <p:cNvPr id="15" name="Rectangle 14">
-            <a:extLst>
-              <a:ext uri="{FF2B5EF4-FFF2-40B4-BE49-F238E27FC236}">
-                <a16:creationId xmlns:a16="http://schemas.microsoft.com/office/drawing/2014/main" id="{53F29798-D584-4792-9B62-3F5F5C36D619}"/>
-              </a:ext>
-              <a:ext uri="{C183D7F6-B498-43B3-948B-1728B52AA6E4}">
-                <adec:decorative xmlns:adec="http://schemas.microsoft.com/office/drawing/2017/decorative" val="1"/>
-              </a:ext>
-            </a:extLst>
-          </p:cNvPr>
-          <p:cNvSpPr>
-            <a:spLocks noGrp="1" noRot="1" noChangeAspect="1" noMove="1" noResize="1" noEditPoints="1" noAdjustHandles="1" noChangeArrowheads="1" noChangeShapeType="1" noTextEdit="1"/>
-          </p:cNvSpPr>
-          <p:nvPr>
-            <p:extLst>
-              <p:ext uri="{386F3935-93C4-4BCD-93E2-E3B085C9AB24}">
-                <p16:designElem xmlns:p16="http://schemas.microsoft.com/office/powerpoint/2015/main" val="1"/>
-              </p:ext>
-            </p:extLst>
-          </p:nvPr>
-        </p:nvSpPr>
-        <p:spPr>
-          <a:xfrm>
-            <a:off x="0" y="0"/>
-            <a:ext cx="12188952" cy="6858000"/>
-          </a:xfrm>
-          <a:prstGeom prst="rect">
-            <a:avLst/>
-          </a:prstGeom>
-          <a:ln>
-            <a:noFill/>
-          </a:ln>
-        </p:spPr>
-        <p:style>
-          <a:lnRef idx="2">
-            <a:schemeClr val="accent1">
-              <a:shade val="50000"/>
-            </a:schemeClr>
-          </a:lnRef>
-          <a:fillRef idx="1">
-            <a:schemeClr val="accent1"/>
-          </a:fillRef>
-          <a:effectRef idx="0">
-            <a:schemeClr val="accent1"/>
-          </a:effectRef>
-          <a:fontRef idx="minor">
-            <a:schemeClr val="lt1"/>
-          </a:fontRef>
-        </p:style>
-        <p:txBody>
-          <a:bodyPr rtlCol="0" anchor="ctr"/>
-          <a:lstStyle/>
-          <a:p>
-            <a:pPr algn="ctr"/>
-            <a:endParaRPr lang="en-US"/>
-          </a:p>
-        </p:txBody>
-      </p:sp>
-      <p:sp>
-        <p:nvSpPr>
-          <p:cNvPr id="2" name="Title 1">
-            <a:extLst>
-              <a:ext uri="{FF2B5EF4-FFF2-40B4-BE49-F238E27FC236}">
-                <a16:creationId xmlns:a16="http://schemas.microsoft.com/office/drawing/2014/main" id="{DA00922E-529A-4A64-BF28-C102EC40323B}"/>
-              </a:ext>
-            </a:extLst>
-          </p:cNvPr>
-          <p:cNvSpPr>
-            <a:spLocks noGrp="1"/>
-          </p:cNvSpPr>
-          <p:nvPr>
-            <p:ph type="title"/>
-          </p:nvPr>
-        </p:nvSpPr>
-        <p:spPr>
-          <a:xfrm>
-            <a:off x="838200" y="184805"/>
-            <a:ext cx="10515600" cy="1505883"/>
-          </a:xfrm>
-        </p:spPr>
-        <p:txBody>
-          <a:bodyPr vert="horz" lIns="91440" tIns="45720" rIns="91440" bIns="45720" rtlCol="0" anchor="ctr">
-            <a:normAutofit/>
-          </a:bodyPr>
-          <a:lstStyle/>
-          <a:p>
-            <a:r>
-              <a:rPr lang="en-US" sz="5200" kern="1200">
-                <a:solidFill>
-                  <a:schemeClr val="tx1"/>
-                </a:solidFill>
-                <a:latin typeface="+mj-lt"/>
-                <a:ea typeface="+mj-ea"/>
-                <a:cs typeface="+mj-cs"/>
-              </a:rPr>
-              <a:t>Slide by Slide demo</a:t>
-            </a:r>
-          </a:p>
-        </p:txBody>
-      </p:sp>
-      <p:pic>
-        <p:nvPicPr>
-          <p:cNvPr id="5" name="Picture 4" descr="The Dashboard will always load with the Read All query executed.&#10;">
-            <a:extLst>
-              <a:ext uri="{FF2B5EF4-FFF2-40B4-BE49-F238E27FC236}">
-                <a16:creationId xmlns:a16="http://schemas.microsoft.com/office/drawing/2014/main" id="{0525851C-855A-42CA-93C4-4C2AA44335B0}"/>
-              </a:ext>
-              <a:ext uri="{C183D7F6-B498-43B3-948B-1728B52AA6E4}">
-                <adec:decorative xmlns:adec="http://schemas.microsoft.com/office/drawing/2017/decorative" val="0"/>
-              </a:ext>
-            </a:extLst>
-          </p:cNvPr>
-          <p:cNvPicPr>
-            <a:picLocks noChangeAspect="1"/>
-          </p:cNvPicPr>
-          <p:nvPr/>
-        </p:nvPicPr>
-        <p:blipFill>
-          <a:blip r:embed="rId2">
-            <a:extLst>
-              <a:ext uri="{28A0092B-C50C-407E-A947-70E740481C1C}">
-                <a14:useLocalDpi xmlns:a14="http://schemas.microsoft.com/office/drawing/2010/main" val="0"/>
-              </a:ext>
-            </a:extLst>
-          </a:blip>
-          <a:stretch>
-            <a:fillRect/>
-          </a:stretch>
-        </p:blipFill>
-        <p:spPr>
-          <a:xfrm>
-            <a:off x="838200" y="1941787"/>
-            <a:ext cx="10512547" cy="4257580"/>
-          </a:xfrm>
-          <a:prstGeom prst="rect">
-            <a:avLst/>
-          </a:prstGeom>
-        </p:spPr>
-      </p:pic>
-    </p:spTree>
-    <p:extLst>
-      <p:ext uri="{BB962C8B-B14F-4D97-AF65-F5344CB8AC3E}">
-        <p14:creationId xmlns:p14="http://schemas.microsoft.com/office/powerpoint/2010/main" val="1143178418"/>
-      </p:ext>
-    </p:extLst>
-  </p:cSld>
-  <p:clrMapOvr>
-    <a:masterClrMapping/>
-  </p:clrMapOvr>
-</p:sld>
-</file>
-
-<file path=ppt/slides/slide5.xml><?xml version="1.0" encoding="utf-8"?>
-<p:sld xmlns:a="http://schemas.openxmlformats.org/drawingml/2006/main" xmlns:r="http://schemas.openxmlformats.org/officeDocument/2006/relationships" xmlns:p="http://schemas.openxmlformats.org/presentationml/2006/main">
-  <p:cSld>
-    <p:bg>
-      <p:bgPr>
-        <a:solidFill>
-          <a:schemeClr val="bg1"/>
-        </a:solidFill>
-        <a:effectLst/>
-      </p:bgPr>
-    </p:bg>
-    <p:spTree>
-      <p:nvGrpSpPr>
-        <p:cNvPr id="1" name=""/>
-        <p:cNvGrpSpPr/>
-        <p:nvPr/>
-      </p:nvGrpSpPr>
-      <p:grpSpPr>
-        <a:xfrm>
-          <a:off x="0" y="0"/>
-          <a:ext cx="0" cy="0"/>
-          <a:chOff x="0" y="0"/>
-          <a:chExt cx="0" cy="0"/>
-        </a:xfrm>
-      </p:grpSpPr>
-      <p:sp useBgFill="1">
-        <p:nvSpPr>
-          <p:cNvPr id="9" name="Rectangle 8">
-            <a:extLst>
-              <a:ext uri="{FF2B5EF4-FFF2-40B4-BE49-F238E27FC236}">
-                <a16:creationId xmlns:a16="http://schemas.microsoft.com/office/drawing/2014/main" id="{53F29798-D584-4792-9B62-3F5F5C36D619}"/>
-              </a:ext>
-              <a:ext uri="{C183D7F6-B498-43B3-948B-1728B52AA6E4}">
-                <adec:decorative xmlns:adec="http://schemas.microsoft.com/office/drawing/2017/decorative" val="1"/>
-              </a:ext>
-            </a:extLst>
-          </p:cNvPr>
-          <p:cNvSpPr>
-            <a:spLocks noGrp="1" noRot="1" noChangeAspect="1" noMove="1" noResize="1" noEditPoints="1" noAdjustHandles="1" noChangeArrowheads="1" noChangeShapeType="1" noTextEdit="1"/>
-          </p:cNvSpPr>
-          <p:nvPr>
-            <p:extLst>
-              <p:ext uri="{386F3935-93C4-4BCD-93E2-E3B085C9AB24}">
-                <p16:designElem xmlns:p16="http://schemas.microsoft.com/office/powerpoint/2015/main" val="1"/>
-              </p:ext>
-            </p:extLst>
-          </p:nvPr>
-        </p:nvSpPr>
-        <p:spPr>
-          <a:xfrm>
-            <a:off x="0" y="0"/>
-            <a:ext cx="12188952" cy="6858000"/>
-          </a:xfrm>
-          <a:prstGeom prst="rect">
-            <a:avLst/>
-          </a:prstGeom>
-          <a:ln>
-            <a:noFill/>
-          </a:ln>
-        </p:spPr>
-        <p:style>
-          <a:lnRef idx="2">
-            <a:schemeClr val="accent1">
-              <a:shade val="50000"/>
-            </a:schemeClr>
-          </a:lnRef>
-          <a:fillRef idx="1">
-            <a:schemeClr val="accent1"/>
-          </a:fillRef>
-          <a:effectRef idx="0">
-            <a:schemeClr val="accent1"/>
-          </a:effectRef>
-          <a:fontRef idx="minor">
-            <a:schemeClr val="lt1"/>
-          </a:fontRef>
-        </p:style>
-        <p:txBody>
-          <a:bodyPr rtlCol="0" anchor="ctr"/>
-          <a:lstStyle/>
-          <a:p>
-            <a:pPr algn="ctr"/>
-            <a:endParaRPr lang="en-US"/>
-          </a:p>
-        </p:txBody>
-      </p:sp>
-      <p:sp>
-        <p:nvSpPr>
-          <p:cNvPr id="2" name="Title 1">
-            <a:extLst>
-              <a:ext uri="{FF2B5EF4-FFF2-40B4-BE49-F238E27FC236}">
-                <a16:creationId xmlns:a16="http://schemas.microsoft.com/office/drawing/2014/main" id="{DA00922E-529A-4A64-BF28-C102EC40323B}"/>
-              </a:ext>
-            </a:extLst>
-          </p:cNvPr>
-          <p:cNvSpPr>
-            <a:spLocks noGrp="1"/>
-          </p:cNvSpPr>
-          <p:nvPr>
-            <p:ph type="title"/>
-          </p:nvPr>
-        </p:nvSpPr>
-        <p:spPr>
-          <a:xfrm>
-            <a:off x="838200" y="184805"/>
-            <a:ext cx="10515600" cy="1505883"/>
-          </a:xfrm>
-        </p:spPr>
-        <p:txBody>
-          <a:bodyPr vert="horz" lIns="91440" tIns="45720" rIns="91440" bIns="45720" rtlCol="0" anchor="ctr">
-            <a:normAutofit/>
-          </a:bodyPr>
-          <a:lstStyle/>
-          <a:p>
-            <a:r>
-              <a:rPr lang="en-US" sz="5200" kern="1200">
-                <a:solidFill>
-                  <a:schemeClr val="tx1"/>
-                </a:solidFill>
-                <a:latin typeface="+mj-lt"/>
-                <a:ea typeface="+mj-ea"/>
-                <a:cs typeface="+mj-cs"/>
-              </a:rPr>
-              <a:t>Slide by Slide demo</a:t>
-            </a:r>
-          </a:p>
-        </p:txBody>
-      </p:sp>
-      <p:pic>
-        <p:nvPicPr>
-          <p:cNvPr id="4" name="Picture 3" descr="Graphical user interface&#10;&#10;Description automatically generated">
-            <a:extLst>
-              <a:ext uri="{FF2B5EF4-FFF2-40B4-BE49-F238E27FC236}">
-                <a16:creationId xmlns:a16="http://schemas.microsoft.com/office/drawing/2014/main" id="{AC6E10CA-8954-4997-8B65-35CD055646BA}"/>
-              </a:ext>
-            </a:extLst>
-          </p:cNvPr>
-          <p:cNvPicPr>
-            <a:picLocks noChangeAspect="1"/>
-          </p:cNvPicPr>
-          <p:nvPr/>
-        </p:nvPicPr>
-        <p:blipFill>
-          <a:blip r:embed="rId2">
-            <a:extLst>
-              <a:ext uri="{28A0092B-C50C-407E-A947-70E740481C1C}">
-                <a14:useLocalDpi xmlns:a14="http://schemas.microsoft.com/office/drawing/2010/main" val="0"/>
-              </a:ext>
-            </a:extLst>
-          </a:blip>
-          <a:stretch>
-            <a:fillRect/>
-          </a:stretch>
-        </p:blipFill>
-        <p:spPr>
-          <a:xfrm>
-            <a:off x="838200" y="1941787"/>
-            <a:ext cx="10512547" cy="4257580"/>
-          </a:xfrm>
-          <a:prstGeom prst="rect">
-            <a:avLst/>
-          </a:prstGeom>
-        </p:spPr>
-      </p:pic>
-    </p:spTree>
-    <p:extLst>
-      <p:ext uri="{BB962C8B-B14F-4D97-AF65-F5344CB8AC3E}">
-        <p14:creationId xmlns:p14="http://schemas.microsoft.com/office/powerpoint/2010/main" val="2135422798"/>
-      </p:ext>
-    </p:extLst>
-  </p:cSld>
-  <p:clrMapOvr>
-    <a:masterClrMapping/>
-  </p:clrMapOvr>
-</p:sld>
-</file>
-
-<file path=ppt/slides/slide6.xml><?xml version="1.0" encoding="utf-8"?>
-<p:sld xmlns:a="http://schemas.openxmlformats.org/drawingml/2006/main" xmlns:r="http://schemas.openxmlformats.org/officeDocument/2006/relationships" xmlns:p="http://schemas.openxmlformats.org/presentationml/2006/main">
-  <p:cSld>
-    <p:bg>
-      <p:bgPr>
-        <a:solidFill>
-          <a:schemeClr val="bg1"/>
-        </a:solidFill>
-        <a:effectLst/>
-      </p:bgPr>
-    </p:bg>
-    <p:spTree>
-      <p:nvGrpSpPr>
-        <p:cNvPr id="1" name=""/>
-        <p:cNvGrpSpPr/>
-        <p:nvPr/>
-      </p:nvGrpSpPr>
-      <p:grpSpPr>
-        <a:xfrm>
-          <a:off x="0" y="0"/>
-          <a:ext cx="0" cy="0"/>
-          <a:chOff x="0" y="0"/>
-          <a:chExt cx="0" cy="0"/>
-        </a:xfrm>
-      </p:grpSpPr>
-      <p:sp useBgFill="1">
-        <p:nvSpPr>
-          <p:cNvPr id="9" name="Rectangle 8">
-            <a:extLst>
-              <a:ext uri="{FF2B5EF4-FFF2-40B4-BE49-F238E27FC236}">
-                <a16:creationId xmlns:a16="http://schemas.microsoft.com/office/drawing/2014/main" id="{53F29798-D584-4792-9B62-3F5F5C36D619}"/>
-              </a:ext>
-              <a:ext uri="{C183D7F6-B498-43B3-948B-1728B52AA6E4}">
-                <adec:decorative xmlns:adec="http://schemas.microsoft.com/office/drawing/2017/decorative" val="1"/>
-              </a:ext>
-            </a:extLst>
-          </p:cNvPr>
-          <p:cNvSpPr>
-            <a:spLocks noGrp="1" noRot="1" noChangeAspect="1" noMove="1" noResize="1" noEditPoints="1" noAdjustHandles="1" noChangeArrowheads="1" noChangeShapeType="1" noTextEdit="1"/>
-          </p:cNvSpPr>
-          <p:nvPr>
-            <p:extLst>
-              <p:ext uri="{386F3935-93C4-4BCD-93E2-E3B085C9AB24}">
-                <p16:designElem xmlns:p16="http://schemas.microsoft.com/office/powerpoint/2015/main" val="1"/>
-              </p:ext>
-            </p:extLst>
-          </p:nvPr>
-        </p:nvSpPr>
-        <p:spPr>
-          <a:xfrm>
-            <a:off x="0" y="0"/>
-            <a:ext cx="12188952" cy="6858000"/>
-          </a:xfrm>
-          <a:prstGeom prst="rect">
-            <a:avLst/>
-          </a:prstGeom>
-          <a:ln>
-            <a:noFill/>
-          </a:ln>
-        </p:spPr>
-        <p:style>
-          <a:lnRef idx="2">
-            <a:schemeClr val="accent1">
-              <a:shade val="50000"/>
-            </a:schemeClr>
-          </a:lnRef>
-          <a:fillRef idx="1">
-            <a:schemeClr val="accent1"/>
-          </a:fillRef>
-          <a:effectRef idx="0">
-            <a:schemeClr val="accent1"/>
-          </a:effectRef>
-          <a:fontRef idx="minor">
-            <a:schemeClr val="lt1"/>
-          </a:fontRef>
-        </p:style>
-        <p:txBody>
-          <a:bodyPr rtlCol="0" anchor="ctr"/>
-          <a:lstStyle/>
-          <a:p>
-            <a:pPr algn="ctr"/>
-            <a:endParaRPr lang="en-US"/>
-          </a:p>
-        </p:txBody>
-      </p:sp>
-      <p:sp>
-        <p:nvSpPr>
-          <p:cNvPr id="2" name="Title 1">
-            <a:extLst>
-              <a:ext uri="{FF2B5EF4-FFF2-40B4-BE49-F238E27FC236}">
-                <a16:creationId xmlns:a16="http://schemas.microsoft.com/office/drawing/2014/main" id="{DA00922E-529A-4A64-BF28-C102EC40323B}"/>
-              </a:ext>
-            </a:extLst>
-          </p:cNvPr>
-          <p:cNvSpPr>
-            <a:spLocks noGrp="1"/>
-          </p:cNvSpPr>
-          <p:nvPr>
-            <p:ph type="title"/>
-          </p:nvPr>
-        </p:nvSpPr>
-        <p:spPr>
-          <a:xfrm>
-            <a:off x="838200" y="184805"/>
-            <a:ext cx="10515600" cy="1505883"/>
-          </a:xfrm>
-        </p:spPr>
-        <p:txBody>
-          <a:bodyPr vert="horz" lIns="91440" tIns="45720" rIns="91440" bIns="45720" rtlCol="0" anchor="ctr">
-            <a:normAutofit/>
-          </a:bodyPr>
-          <a:lstStyle/>
-          <a:p>
-            <a:r>
-              <a:rPr lang="en-US" sz="5200" kern="1200">
-                <a:solidFill>
-                  <a:schemeClr val="tx1"/>
-                </a:solidFill>
-                <a:latin typeface="+mj-lt"/>
-                <a:ea typeface="+mj-ea"/>
-                <a:cs typeface="+mj-cs"/>
-              </a:rPr>
-              <a:t>Slide by Slide demo</a:t>
-            </a:r>
-          </a:p>
-        </p:txBody>
-      </p:sp>
-      <p:pic>
-        <p:nvPicPr>
-          <p:cNvPr id="4" name="Picture 3" descr="Graphical user interface&#10;&#10;Description automatically generated">
-            <a:extLst>
-              <a:ext uri="{FF2B5EF4-FFF2-40B4-BE49-F238E27FC236}">
-                <a16:creationId xmlns:a16="http://schemas.microsoft.com/office/drawing/2014/main" id="{C85C72A6-9756-4A9C-9359-F496B57A5BC4}"/>
-              </a:ext>
-            </a:extLst>
-          </p:cNvPr>
-          <p:cNvPicPr>
-            <a:picLocks noChangeAspect="1"/>
-          </p:cNvPicPr>
-          <p:nvPr/>
-        </p:nvPicPr>
-        <p:blipFill>
-          <a:blip r:embed="rId2">
-            <a:extLst>
-              <a:ext uri="{28A0092B-C50C-407E-A947-70E740481C1C}">
-                <a14:useLocalDpi xmlns:a14="http://schemas.microsoft.com/office/drawing/2010/main" val="0"/>
-              </a:ext>
-            </a:extLst>
-          </a:blip>
-          <a:stretch>
-            <a:fillRect/>
-          </a:stretch>
-        </p:blipFill>
-        <p:spPr>
-          <a:xfrm>
-            <a:off x="838200" y="1928646"/>
-            <a:ext cx="10512547" cy="4283863"/>
-          </a:xfrm>
-          <a:prstGeom prst="rect">
-            <a:avLst/>
-          </a:prstGeom>
-        </p:spPr>
-      </p:pic>
-    </p:spTree>
-    <p:extLst>
-      <p:ext uri="{BB962C8B-B14F-4D97-AF65-F5344CB8AC3E}">
-        <p14:creationId xmlns:p14="http://schemas.microsoft.com/office/powerpoint/2010/main" val="3040339131"/>
-      </p:ext>
-    </p:extLst>
-  </p:cSld>
-  <p:clrMapOvr>
-    <a:masterClrMapping/>
-  </p:clrMapOvr>
-</p:sld>
-</file>
-
-<file path=ppt/slides/slide7.xml><?xml version="1.0" encoding="utf-8"?>
-<p:sld xmlns:a="http://schemas.openxmlformats.org/drawingml/2006/main" xmlns:r="http://schemas.openxmlformats.org/officeDocument/2006/relationships" xmlns:p="http://schemas.openxmlformats.org/presentationml/2006/main">
-  <p:cSld>
-    <p:bg>
-      <p:bgPr>
-        <a:solidFill>
-          <a:schemeClr val="bg1"/>
-        </a:solidFill>
-        <a:effectLst/>
-      </p:bgPr>
-    </p:bg>
-    <p:spTree>
-      <p:nvGrpSpPr>
-        <p:cNvPr id="1" name=""/>
-        <p:cNvGrpSpPr/>
-        <p:nvPr/>
-      </p:nvGrpSpPr>
-      <p:grpSpPr>
-        <a:xfrm>
-          <a:off x="0" y="0"/>
-          <a:ext cx="0" cy="0"/>
-          <a:chOff x="0" y="0"/>
-          <a:chExt cx="0" cy="0"/>
-        </a:xfrm>
-      </p:grpSpPr>
-      <p:sp useBgFill="1">
-        <p:nvSpPr>
-          <p:cNvPr id="17" name="Rectangle 13">
-            <a:extLst>
-              <a:ext uri="{FF2B5EF4-FFF2-40B4-BE49-F238E27FC236}">
-                <a16:creationId xmlns:a16="http://schemas.microsoft.com/office/drawing/2014/main" id="{53F29798-D584-4792-9B62-3F5F5C36D619}"/>
-              </a:ext>
-              <a:ext uri="{C183D7F6-B498-43B3-948B-1728B52AA6E4}">
-                <adec:decorative xmlns:adec="http://schemas.microsoft.com/office/drawing/2017/decorative" val="1"/>
-              </a:ext>
-            </a:extLst>
-          </p:cNvPr>
-          <p:cNvSpPr>
-            <a:spLocks noGrp="1" noRot="1" noChangeAspect="1" noMove="1" noResize="1" noEditPoints="1" noAdjustHandles="1" noChangeArrowheads="1" noChangeShapeType="1" noTextEdit="1"/>
-          </p:cNvSpPr>
-          <p:nvPr>
-            <p:extLst>
-              <p:ext uri="{386F3935-93C4-4BCD-93E2-E3B085C9AB24}">
-                <p16:designElem xmlns:p16="http://schemas.microsoft.com/office/powerpoint/2015/main" val="1"/>
-              </p:ext>
-            </p:extLst>
-          </p:nvPr>
-        </p:nvSpPr>
-        <p:spPr>
-          <a:xfrm>
-            <a:off x="0" y="0"/>
-            <a:ext cx="12188952" cy="6858000"/>
-          </a:xfrm>
-          <a:prstGeom prst="rect">
-            <a:avLst/>
-          </a:prstGeom>
-          <a:ln>
-            <a:noFill/>
-          </a:ln>
-        </p:spPr>
-        <p:style>
-          <a:lnRef idx="2">
-            <a:schemeClr val="accent1">
-              <a:shade val="50000"/>
-            </a:schemeClr>
-          </a:lnRef>
-          <a:fillRef idx="1">
-            <a:schemeClr val="accent1"/>
-          </a:fillRef>
-          <a:effectRef idx="0">
-            <a:schemeClr val="accent1"/>
-          </a:effectRef>
-          <a:fontRef idx="minor">
-            <a:schemeClr val="lt1"/>
-          </a:fontRef>
-        </p:style>
-        <p:txBody>
-          <a:bodyPr rtlCol="0" anchor="ctr"/>
-          <a:lstStyle/>
-          <a:p>
-            <a:pPr algn="ctr"/>
-            <a:endParaRPr lang="en-US"/>
-          </a:p>
-        </p:txBody>
-      </p:sp>
-      <p:sp>
-        <p:nvSpPr>
-          <p:cNvPr id="2" name="Title 1">
-            <a:extLst>
-              <a:ext uri="{FF2B5EF4-FFF2-40B4-BE49-F238E27FC236}">
-                <a16:creationId xmlns:a16="http://schemas.microsoft.com/office/drawing/2014/main" id="{DA00922E-529A-4A64-BF28-C102EC40323B}"/>
-              </a:ext>
-            </a:extLst>
-          </p:cNvPr>
-          <p:cNvSpPr>
-            <a:spLocks noGrp="1"/>
-          </p:cNvSpPr>
-          <p:nvPr>
-            <p:ph type="title"/>
-          </p:nvPr>
-        </p:nvSpPr>
-        <p:spPr>
-          <a:xfrm>
-            <a:off x="838200" y="184805"/>
-            <a:ext cx="10515600" cy="1505883"/>
-          </a:xfrm>
-        </p:spPr>
-        <p:txBody>
-          <a:bodyPr vert="horz" lIns="91440" tIns="45720" rIns="91440" bIns="45720" rtlCol="0" anchor="ctr">
-            <a:normAutofit/>
-          </a:bodyPr>
-          <a:lstStyle/>
-          <a:p>
-            <a:r>
-              <a:rPr lang="en-US" sz="5200" kern="1200">
-                <a:solidFill>
-                  <a:schemeClr val="tx1"/>
-                </a:solidFill>
-                <a:latin typeface="+mj-lt"/>
-                <a:ea typeface="+mj-ea"/>
-                <a:cs typeface="+mj-cs"/>
-              </a:rPr>
-              <a:t>Slide by Slide demo</a:t>
-            </a:r>
-          </a:p>
-        </p:txBody>
-      </p:sp>
-      <p:pic>
-        <p:nvPicPr>
-          <p:cNvPr id="4" name="Picture 3" descr="Graphical user interface, application&#10;&#10;Description automatically generated">
-            <a:extLst>
-              <a:ext uri="{FF2B5EF4-FFF2-40B4-BE49-F238E27FC236}">
-                <a16:creationId xmlns:a16="http://schemas.microsoft.com/office/drawing/2014/main" id="{0292D87E-C3AD-425A-803A-08818CAF8398}"/>
-              </a:ext>
-            </a:extLst>
-          </p:cNvPr>
-          <p:cNvPicPr>
-            <a:picLocks noChangeAspect="1"/>
-          </p:cNvPicPr>
-          <p:nvPr/>
-        </p:nvPicPr>
-        <p:blipFill>
-          <a:blip r:embed="rId2">
-            <a:extLst>
-              <a:ext uri="{28A0092B-C50C-407E-A947-70E740481C1C}">
-                <a14:useLocalDpi xmlns:a14="http://schemas.microsoft.com/office/drawing/2010/main" val="0"/>
-              </a:ext>
-            </a:extLst>
-          </a:blip>
-          <a:stretch>
-            <a:fillRect/>
-          </a:stretch>
-        </p:blipFill>
-        <p:spPr>
-          <a:xfrm>
-            <a:off x="838200" y="1954928"/>
-            <a:ext cx="10512547" cy="4231299"/>
-          </a:xfrm>
-          <a:prstGeom prst="rect">
-            <a:avLst/>
-          </a:prstGeom>
-        </p:spPr>
-      </p:pic>
-    </p:spTree>
-    <p:extLst>
-      <p:ext uri="{BB962C8B-B14F-4D97-AF65-F5344CB8AC3E}">
-        <p14:creationId xmlns:p14="http://schemas.microsoft.com/office/powerpoint/2010/main" val="1501395596"/>
-      </p:ext>
-    </p:extLst>
-  </p:cSld>
-  <p:clrMapOvr>
-    <a:masterClrMapping/>
-  </p:clrMapOvr>
-</p:sld>
-</file>
-
-<file path=ppt/slides/slide8.xml><?xml version="1.0" encoding="utf-8"?>
-<p:sld xmlns:a="http://schemas.openxmlformats.org/drawingml/2006/main" xmlns:r="http://schemas.openxmlformats.org/officeDocument/2006/relationships" xmlns:p="http://schemas.openxmlformats.org/presentationml/2006/main">
-  <p:cSld>
-    <p:bg>
-      <p:bgPr>
-        <a:solidFill>
-          <a:schemeClr val="bg1"/>
-        </a:solidFill>
-        <a:effectLst/>
-      </p:bgPr>
-    </p:bg>
-    <p:spTree>
-      <p:nvGrpSpPr>
-        <p:cNvPr id="1" name=""/>
-        <p:cNvGrpSpPr/>
-        <p:nvPr/>
-      </p:nvGrpSpPr>
-      <p:grpSpPr>
-        <a:xfrm>
-          <a:off x="0" y="0"/>
-          <a:ext cx="0" cy="0"/>
-          <a:chOff x="0" y="0"/>
-          <a:chExt cx="0" cy="0"/>
-        </a:xfrm>
-      </p:grpSpPr>
-      <p:sp useBgFill="1">
-        <p:nvSpPr>
-          <p:cNvPr id="9" name="Rectangle 8">
-            <a:extLst>
-              <a:ext uri="{FF2B5EF4-FFF2-40B4-BE49-F238E27FC236}">
-                <a16:creationId xmlns:a16="http://schemas.microsoft.com/office/drawing/2014/main" id="{53F29798-D584-4792-9B62-3F5F5C36D619}"/>
-              </a:ext>
-              <a:ext uri="{C183D7F6-B498-43B3-948B-1728B52AA6E4}">
-                <adec:decorative xmlns:adec="http://schemas.microsoft.com/office/drawing/2017/decorative" val="1"/>
-              </a:ext>
-            </a:extLst>
-          </p:cNvPr>
-          <p:cNvSpPr>
-            <a:spLocks noGrp="1" noRot="1" noChangeAspect="1" noMove="1" noResize="1" noEditPoints="1" noAdjustHandles="1" noChangeArrowheads="1" noChangeShapeType="1" noTextEdit="1"/>
-          </p:cNvSpPr>
-          <p:nvPr>
-            <p:extLst>
-              <p:ext uri="{386F3935-93C4-4BCD-93E2-E3B085C9AB24}">
-                <p16:designElem xmlns:p16="http://schemas.microsoft.com/office/powerpoint/2015/main" val="1"/>
-              </p:ext>
-            </p:extLst>
-          </p:nvPr>
-        </p:nvSpPr>
-        <p:spPr>
-          <a:xfrm>
-            <a:off x="0" y="0"/>
-            <a:ext cx="12188952" cy="6858000"/>
-          </a:xfrm>
-          <a:prstGeom prst="rect">
-            <a:avLst/>
-          </a:prstGeom>
-          <a:ln>
-            <a:noFill/>
-          </a:ln>
-        </p:spPr>
-        <p:style>
-          <a:lnRef idx="2">
-            <a:schemeClr val="accent1">
-              <a:shade val="50000"/>
-            </a:schemeClr>
-          </a:lnRef>
-          <a:fillRef idx="1">
-            <a:schemeClr val="accent1"/>
-          </a:fillRef>
-          <a:effectRef idx="0">
-            <a:schemeClr val="accent1"/>
-          </a:effectRef>
-          <a:fontRef idx="minor">
-            <a:schemeClr val="lt1"/>
-          </a:fontRef>
-        </p:style>
-        <p:txBody>
-          <a:bodyPr rtlCol="0" anchor="ctr"/>
-          <a:lstStyle/>
-          <a:p>
-            <a:pPr algn="ctr"/>
-            <a:endParaRPr lang="en-US"/>
-          </a:p>
-        </p:txBody>
-      </p:sp>
-      <p:sp>
-        <p:nvSpPr>
-          <p:cNvPr id="2" name="Title 1">
-            <a:extLst>
-              <a:ext uri="{FF2B5EF4-FFF2-40B4-BE49-F238E27FC236}">
-                <a16:creationId xmlns:a16="http://schemas.microsoft.com/office/drawing/2014/main" id="{DA00922E-529A-4A64-BF28-C102EC40323B}"/>
-              </a:ext>
-            </a:extLst>
-          </p:cNvPr>
-          <p:cNvSpPr>
-            <a:spLocks noGrp="1"/>
-          </p:cNvSpPr>
-          <p:nvPr>
-            <p:ph type="title"/>
-          </p:nvPr>
-        </p:nvSpPr>
-        <p:spPr>
-          <a:xfrm>
-            <a:off x="838200" y="184805"/>
-            <a:ext cx="10515600" cy="1505883"/>
-          </a:xfrm>
-        </p:spPr>
-        <p:txBody>
-          <a:bodyPr vert="horz" lIns="91440" tIns="45720" rIns="91440" bIns="45720" rtlCol="0" anchor="ctr">
-            <a:normAutofit/>
-          </a:bodyPr>
-          <a:lstStyle/>
-          <a:p>
-            <a:r>
-              <a:rPr lang="en-US" sz="5200" kern="1200">
-                <a:solidFill>
-                  <a:schemeClr val="tx1"/>
-                </a:solidFill>
-                <a:latin typeface="+mj-lt"/>
-                <a:ea typeface="+mj-ea"/>
-                <a:cs typeface="+mj-cs"/>
-              </a:rPr>
-              <a:t>Slide by Slide demo</a:t>
-            </a:r>
-          </a:p>
-        </p:txBody>
-      </p:sp>
-      <p:pic>
-        <p:nvPicPr>
-          <p:cNvPr id="4" name="Picture 3" descr="Graphical user interface&#10;&#10;Description automatically generated">
-            <a:extLst>
-              <a:ext uri="{FF2B5EF4-FFF2-40B4-BE49-F238E27FC236}">
-                <a16:creationId xmlns:a16="http://schemas.microsoft.com/office/drawing/2014/main" id="{737F8DFE-BD94-423E-9941-A08A65F254BE}"/>
-              </a:ext>
-            </a:extLst>
-          </p:cNvPr>
-          <p:cNvPicPr>
-            <a:picLocks noChangeAspect="1"/>
-          </p:cNvPicPr>
-          <p:nvPr/>
-        </p:nvPicPr>
-        <p:blipFill>
-          <a:blip r:embed="rId2">
-            <a:extLst>
-              <a:ext uri="{28A0092B-C50C-407E-A947-70E740481C1C}">
-                <a14:useLocalDpi xmlns:a14="http://schemas.microsoft.com/office/drawing/2010/main" val="0"/>
-              </a:ext>
-            </a:extLst>
-          </a:blip>
-          <a:stretch>
-            <a:fillRect/>
-          </a:stretch>
-        </p:blipFill>
-        <p:spPr>
-          <a:xfrm>
-            <a:off x="838200" y="1915506"/>
-            <a:ext cx="10512547" cy="4310143"/>
-          </a:xfrm>
-          <a:prstGeom prst="rect">
-            <a:avLst/>
-          </a:prstGeom>
-        </p:spPr>
-      </p:pic>
-    </p:spTree>
-    <p:extLst>
-      <p:ext uri="{BB962C8B-B14F-4D97-AF65-F5344CB8AC3E}">
-        <p14:creationId xmlns:p14="http://schemas.microsoft.com/office/powerpoint/2010/main" val="4159209057"/>
-      </p:ext>
-    </p:extLst>
-  </p:cSld>
-  <p:clrMapOvr>
-    <a:masterClrMapping/>
-  </p:clrMapOvr>
-</p:sld>
-</file>
-
-<file path=ppt/slides/slide9.xml><?xml version="1.0" encoding="utf-8"?>
-<p:sld xmlns:a="http://schemas.openxmlformats.org/drawingml/2006/main" xmlns:r="http://schemas.openxmlformats.org/officeDocument/2006/relationships" xmlns:p="http://schemas.openxmlformats.org/presentationml/2006/main">
-  <p:cSld>
-    <p:bg>
-      <p:bgPr>
-        <a:solidFill>
-          <a:schemeClr val="bg1"/>
-        </a:solidFill>
-        <a:effectLst/>
-      </p:bgPr>
-    </p:bg>
-    <p:spTree>
-      <p:nvGrpSpPr>
-        <p:cNvPr id="1" name=""/>
-        <p:cNvGrpSpPr/>
-        <p:nvPr/>
-      </p:nvGrpSpPr>
-      <p:grpSpPr>
-        <a:xfrm>
-          <a:off x="0" y="0"/>
-          <a:ext cx="0" cy="0"/>
-          <a:chOff x="0" y="0"/>
-          <a:chExt cx="0" cy="0"/>
-        </a:xfrm>
-      </p:grpSpPr>
-      <p:sp useBgFill="1">
-        <p:nvSpPr>
-          <p:cNvPr id="9" name="Rectangle 8">
-            <a:extLst>
-              <a:ext uri="{FF2B5EF4-FFF2-40B4-BE49-F238E27FC236}">
-                <a16:creationId xmlns:a16="http://schemas.microsoft.com/office/drawing/2014/main" id="{53F29798-D584-4792-9B62-3F5F5C36D619}"/>
-              </a:ext>
-              <a:ext uri="{C183D7F6-B498-43B3-948B-1728B52AA6E4}">
-                <adec:decorative xmlns:adec="http://schemas.microsoft.com/office/drawing/2017/decorative" val="1"/>
-              </a:ext>
-            </a:extLst>
-          </p:cNvPr>
-          <p:cNvSpPr>
-            <a:spLocks noGrp="1" noRot="1" noChangeAspect="1" noMove="1" noResize="1" noEditPoints="1" noAdjustHandles="1" noChangeArrowheads="1" noChangeShapeType="1" noTextEdit="1"/>
-          </p:cNvSpPr>
-          <p:nvPr>
-            <p:extLst>
-              <p:ext uri="{386F3935-93C4-4BCD-93E2-E3B085C9AB24}">
-                <p16:designElem xmlns:p16="http://schemas.microsoft.com/office/powerpoint/2015/main" val="1"/>
-              </p:ext>
-            </p:extLst>
-          </p:nvPr>
-        </p:nvSpPr>
-        <p:spPr>
-          <a:xfrm>
-            <a:off x="0" y="0"/>
-            <a:ext cx="12188952" cy="6858000"/>
-          </a:xfrm>
-          <a:prstGeom prst="rect">
-            <a:avLst/>
-          </a:prstGeom>
-          <a:ln>
-            <a:noFill/>
-          </a:ln>
-        </p:spPr>
-        <p:style>
-          <a:lnRef idx="2">
-            <a:schemeClr val="accent1">
-              <a:shade val="50000"/>
-            </a:schemeClr>
-          </a:lnRef>
-          <a:fillRef idx="1">
-            <a:schemeClr val="accent1"/>
-          </a:fillRef>
-          <a:effectRef idx="0">
-            <a:schemeClr val="accent1"/>
-          </a:effectRef>
-          <a:fontRef idx="minor">
-            <a:schemeClr val="lt1"/>
-          </a:fontRef>
-        </p:style>
-        <p:txBody>
-          <a:bodyPr rtlCol="0" anchor="ctr"/>
-          <a:lstStyle/>
-          <a:p>
-            <a:pPr algn="ctr"/>
-            <a:endParaRPr lang="en-US"/>
-          </a:p>
-        </p:txBody>
-      </p:sp>
-      <p:sp>
-        <p:nvSpPr>
-          <p:cNvPr id="2" name="Title 1">
-            <a:extLst>
-              <a:ext uri="{FF2B5EF4-FFF2-40B4-BE49-F238E27FC236}">
-                <a16:creationId xmlns:a16="http://schemas.microsoft.com/office/drawing/2014/main" id="{DA00922E-529A-4A64-BF28-C102EC40323B}"/>
-              </a:ext>
-            </a:extLst>
-          </p:cNvPr>
-          <p:cNvSpPr>
-            <a:spLocks noGrp="1"/>
-          </p:cNvSpPr>
-          <p:nvPr>
-            <p:ph type="title"/>
-          </p:nvPr>
-        </p:nvSpPr>
-        <p:spPr>
-          <a:xfrm>
-            <a:off x="838200" y="184805"/>
-            <a:ext cx="10515600" cy="1505883"/>
-          </a:xfrm>
-        </p:spPr>
-        <p:txBody>
-          <a:bodyPr vert="horz" lIns="91440" tIns="45720" rIns="91440" bIns="45720" rtlCol="0" anchor="ctr">
-            <a:normAutofit/>
-          </a:bodyPr>
-          <a:lstStyle/>
-          <a:p>
-            <a:r>
-              <a:rPr lang="en-US" sz="5200" kern="1200">
-                <a:solidFill>
-                  <a:schemeClr val="tx1"/>
-                </a:solidFill>
-                <a:latin typeface="+mj-lt"/>
-                <a:ea typeface="+mj-ea"/>
-                <a:cs typeface="+mj-cs"/>
-              </a:rPr>
-              <a:t>Slide by Slide demo</a:t>
-            </a:r>
-          </a:p>
-        </p:txBody>
-      </p:sp>
-      <p:pic>
-        <p:nvPicPr>
-          <p:cNvPr id="4" name="Picture 3" descr="Graphical user interface&#10;&#10;Description automatically generated">
-            <a:extLst>
-              <a:ext uri="{FF2B5EF4-FFF2-40B4-BE49-F238E27FC236}">
-                <a16:creationId xmlns:a16="http://schemas.microsoft.com/office/drawing/2014/main" id="{91D3454D-BEDC-4AB8-8572-27FD40FC8ED6}"/>
-              </a:ext>
-            </a:extLst>
-          </p:cNvPr>
-          <p:cNvPicPr>
-            <a:picLocks noChangeAspect="1"/>
-          </p:cNvPicPr>
-          <p:nvPr/>
-        </p:nvPicPr>
-        <p:blipFill>
-          <a:blip r:embed="rId2">
-            <a:extLst>
-              <a:ext uri="{28A0092B-C50C-407E-A947-70E740481C1C}">
-                <a14:useLocalDpi xmlns:a14="http://schemas.microsoft.com/office/drawing/2010/main" val="0"/>
-              </a:ext>
-            </a:extLst>
-          </a:blip>
-          <a:stretch>
-            <a:fillRect/>
-          </a:stretch>
-        </p:blipFill>
-        <p:spPr>
-          <a:xfrm>
-            <a:off x="838200" y="1928646"/>
-            <a:ext cx="10512547" cy="4283863"/>
-          </a:xfrm>
-          <a:prstGeom prst="rect">
-            <a:avLst/>
-          </a:prstGeom>
-        </p:spPr>
-      </p:pic>
-    </p:spTree>
-    <p:extLst>
-      <p:ext uri="{BB962C8B-B14F-4D97-AF65-F5344CB8AC3E}">
-        <p14:creationId xmlns:p14="http://schemas.microsoft.com/office/powerpoint/2010/main" val="1366192474"/>
-      </p:ext>
-    </p:extLst>
-  </p:cSld>
-  <p:clrMapOvr>
-    <a:masterClrMapping/>
-  </p:clrMapOvr>
-</p:sld>
-</file>
-
 <file path=ppt/theme/theme1.xml><?xml version="1.0" encoding="utf-8"?>
 <a:theme xmlns:a="http://schemas.openxmlformats.org/drawingml/2006/main" name="Office Theme">
   <a:themeElements>
